--- a/浅水方程模型.pptx
+++ b/浅水方程模型.pptx
@@ -5,7 +5,7 @@
     <p:sldMasterId id="2147483648" r:id="rId1"/>
   </p:sldMasterIdLst>
   <p:notesMasterIdLst>
-    <p:notesMasterId r:id="rId13"/>
+    <p:notesMasterId r:id="rId14"/>
   </p:notesMasterIdLst>
   <p:sldIdLst>
     <p:sldId id="256" r:id="rId2"/>
@@ -19,6 +19,7 @@
     <p:sldId id="264" r:id="rId10"/>
     <p:sldId id="265" r:id="rId11"/>
     <p:sldId id="266" r:id="rId12"/>
+    <p:sldId id="268" r:id="rId13"/>
   </p:sldIdLst>
   <p:sldSz cx="12192000" cy="6858000"/>
   <p:notesSz cx="6858000" cy="9144000"/>
@@ -192,7 +193,7 @@
     </inkml:brush>
   </inkml:definitions>
   <inkml:trace contextRef="#ctx0" brushRef="#br0">11456 2633 0,'27'0'94,"79"0"-79,66-14 17,26-12-1,-158 13-15,92 13 15,40-14 0,-106 14 0,-26 0-15,26 0 15,-26 0 0,-1 0-15,54 0 15,13 0 1,-14 0-17,-39 14 16,-26-14 1</inkml:trace>
-  <inkml:trace contextRef="#ctx0" brushRef="#br0" timeOffset="1659.67">16735 2540 0,'13'0'109,"27"0"-93,13 13-1,-27-13 1,93 0-1,-66 0 1,-13 0-16,26 0 16,79 0 15,-65 13-15,39 1-1,-27-1 1,-39 0-1,27-13 1,-54 0 0,27 0-1,-40 0-15,14 0 16,26 0 15,-27 0-15,1 0-1,-14 0 1,13 0 125,1 0-110,12 0-15,-12 0-16,-14 0 15,40 0 1,-27 0 15</inkml:trace>
+  <inkml:trace contextRef="#ctx0" brushRef="#br0" timeOffset="1659.66">16735 2540 0,'13'0'109,"27"0"-93,13 13-1,-27-13 1,93 0-1,-66 0 1,-13 0-16,26 0 16,79 0 15,-65 13-15,39 1-1,-27-1 1,-39 0-1,27-13 1,-54 0 0,27 0-1,-40 0-15,14 0 16,26 0 15,-27 0-15,1 0-1,-14 0 1,13 0 125,1 0-110,12 0-15,-12 0-16,-14 0 15,40 0 1,-27 0 15</inkml:trace>
   <inkml:trace contextRef="#ctx0" brushRef="#br0" timeOffset="5926.7">16047 5649 0,'13'0'188,"27"0"-157,26 0 0,-26 0-15,39 0 0,27 0 15,-14 0 0,-52 0-15,-27 0-1,14 0 1,-14 0 15,0 0 16,53 0-16,14 0 1,-1 0-17,80 0 17,-53 0-17,52 0 16,-52 0 1,-79 0-17,39 0 17,-26 0-1,-14 0-16,0 0 17,14 0-1,-27 0-15,1 0 296</inkml:trace>
   <inkml:trace contextRef="#ctx0" brushRef="#br0" timeOffset="8563.04">20214 2183 0,'-40'66'109,"1"-13"-93,-120 225-1,119-225 1,-119 211-1,67-132 1,-27 67 0,-14 13-1,81-120 1,-134 146 0,94-158 15,26-14 0,52-66-15,14 13-1,-26 0 48,-53 53-32,65-39-15,-52 13-1,-40 52 17,27 27-17,26-53-15,40-26 16,-106 79 15,26-26 0,80-80-15,0 0 15</inkml:trace>
   <inkml:trace contextRef="#ctx0" brushRef="#br0" timeOffset="9361.24">18415 4286 0,'-13'0'31,"-14"27"0,-52 79-15,-54 118 15,67-131 0,53-67-31,-13 14 16,-1-13 15,54-27 32,-1 0-48,-13 0 16,186 26 1,-173-26-17,14 0 17,-14 0 77,1 0-93,26 0 15,-27 0 0,27 0-15</inkml:trace>
@@ -203,9 +204,9 @@
   <inkml:trace contextRef="#ctx0" brushRef="#br0" timeOffset="15354.53">20796 1455 0,'27'13'94,"-14"1"-78,0-1-1,0-13 1,0 26-1,1-12 1,-1-1 15,-13 0-15,13 40 0,0-13 15,-13-27-16,0 0 17,0 0-17,0 27 17,0-27 14,27-13-14,-14 0-17,14 0 1,-14 0 0,0 0-1,0 0 1,-13-26-1,13-14 17,-13 14-17,0-40 17,0 52-17,0-12 1,14-14 15,-14 27-15,0-14-1,0-12 1,0 26 15</inkml:trace>
   <inkml:trace contextRef="#ctx0" brushRef="#br0" timeOffset="27030.28">17039 3691 0,'0'-13'109,"26"13"-78,14 0-15,13 0 0,26 0-1,67 0 16,-106 0-15,13 0 0,66 0-1,0 0 17,-80 0-17,-25 0 1,25 0-1,14 0 1,79 0 0,-52 0 15,12 0 0,41 0 16,-94 0-31,1-14 15,-27 14 0</inkml:trace>
   <inkml:trace contextRef="#ctx0" brushRef="#br0" timeOffset="28614.1">20492 1839 0,'-13'0'15,"-1"0"1,-12 13 0,-1 0-1,-52 27 1,-212 145 15,198-132-15,-131 106 15,-1-27-15,-27 14-1,67-27 16,92-53-15,54-53 0,-27 40-1,66-40 32,-14-13-16,1 0-15,-27 53 0,27-40 15,-13 14-15,13-14-1,-54 27 1</inkml:trace>
-  <inkml:trace contextRef="#ctx0" brushRef="#br0" timeOffset="29562.11">18785 2805 0,'-13'13'47,"-80"40"0,54-14-32,12-25 1,14-1-1,-80 53 17,41-40-17,25 1 17,40-27 77,172 0-93,-13 0 15,-92 0-16,-40 0 17,-14 0-17,-13 0 1,14 0 15</inkml:trace>
-  <inkml:trace contextRef="#ctx0" brushRef="#br0" timeOffset="165052.98">12581 4551 0,'13'-13'78,"0"13"-46,0 0-17,27 0 17,-27 0-32,1 0 31,-1 0 31,-13 13-15,13 0-16,0 66 1,14-65-1,-14-1 0,-13 0 16,13 0-16,0-13 63,54-26-63,-1-67 1,-27 1-17,-12 52 16,-27 27 1</inkml:trace>
-  <inkml:trace contextRef="#ctx0" brushRef="#br0" timeOffset="167282.95">13123 4511 0,'13'0'109,"14"0"-93,13 0 15,-14 0-15,14 0-1,-27 0 1,13 0 15,1 0 0,-14 0-15</inkml:trace>
+  <inkml:trace contextRef="#ctx0" brushRef="#br0" timeOffset="29562.1">18785 2805 0,'-13'13'47,"-80"40"0,54-14-32,12-25 1,14-1-1,-80 53 17,41-40-17,25 1 17,40-27 77,172 0-93,-13 0 15,-92 0-16,-40 0 17,-14 0-17,-13 0 1,14 0 15</inkml:trace>
+  <inkml:trace contextRef="#ctx0" brushRef="#br0" timeOffset="165052.97">12581 4551 0,'13'-13'78,"0"13"-46,0 0-17,27 0 17,-27 0-32,1 0 31,-1 0 31,-13 13-15,13 0-16,0 66 1,14-65-1,-14-1 0,-13 0 16,13 0-16,0-13 63,54-26-63,-1-67 1,-27 1-17,-12 52 16,-27 27 1</inkml:trace>
+  <inkml:trace contextRef="#ctx0" brushRef="#br0" timeOffset="167282.94">13123 4511 0,'13'0'109,"14"0"-93,13 0 15,-14 0-15,14 0-1,-27 0 1,13 0 15,1 0 0,-14 0-15</inkml:trace>
   <inkml:trace contextRef="#ctx0" brushRef="#br0" timeOffset="168106.93">13269 4379 0,'0'13'109,"0"0"-93,-66 252 15,52-252-15,14 27-1</inkml:trace>
   <inkml:trace contextRef="#ctx0" brushRef="#br0" timeOffset="169348.98">13520 4392 0,'-13'13'125,"0"40"-109,-14-13 15,27-14-15,0 1-1,0-14 329,-13 0-328,0 14-1,13 12 1</inkml:trace>
   <inkml:trace contextRef="#ctx0" brushRef="#br0" timeOffset="172685.17">20703 4564 0,'40'-26'141,"0"-1"-110,-27 27-31,0 0 16,1 0 31,-1 0-32,0 0 1,0 0 31,0 0 78,-13 27-110,14 12 17,-14-25-17,13-1 1,0 26 0,-13-12 15,13-27-16,-13 13 17,0 0-1,27-13 266,-27-13-282,0 0 1,13-14 0,-13 1 15,0 0 0,0 12-15,13 1 15,-13-13 0,0 12-15,0 1 0,0-13-1,0 12 16,0-12 1,0 13 15,0 0-32</inkml:trace>
@@ -273,7 +274,7 @@
   <inkml:trace contextRef="#ctx0" brushRef="#br0" timeOffset="4830.14">17661 2871 0,'13'26'78,"13"14"-47,-12-27-15,52 66 15,-66-65 0,0 12 0,13-26 16,0-26-15,1 12-32,-1 1 15,0-26-15,53-41 31,-39 27 1</inkml:trace>
   <inkml:trace contextRef="#ctx0" brushRef="#br0" timeOffset="7109.82">21444 2858 0,'27'26'125,"-27"-13"-110,39 80 1,-12-67 15,-27-13-15,0 1 0,13-14 124,-13-14-124,27-38-1,12-15 1,-39 54 0,14 0-1,-14 0 1,0 0 15</inkml:trace>
   <inkml:trace contextRef="#ctx0" brushRef="#br0" timeOffset="9614.98">23257 2831 0,'13'27'125,"-13"-14"-109,13 13 15,0-13-15,-13 14-1,14-14 1,12 0 297,-26 1-282,13-14 859,1-27-874,-1 1 0,0-14 15,0 40-15,-13-13-1,13 0 1,1 13-1,-14-27 1,13 14 15,-13 0-15,13 13 15</inkml:trace>
-  <inkml:trace contextRef="#ctx0" brushRef="#br0" timeOffset="17022.33">23071 4339 0,'0'0'0,"27"40"125,-14 0-109,27 39-1,-27-53 1,-13-12 0,13-1 15,1-26 63,25-54-79,-26 41 1,-13 13-1,27-53 1,-14 39 15</inkml:trace>
+  <inkml:trace contextRef="#ctx0" brushRef="#br0" timeOffset="17022.32">23071 4339 0,'0'0'0,"27"40"125,-14 0-109,27 39-1,-27-53 1,-13-12 0,13-1 15,1-26 63,25-54-79,-26 41 1,-13 13-1,27-53 1,-14 39 15</inkml:trace>
   <inkml:trace contextRef="#ctx0" brushRef="#br0" timeOffset="18285.2">16801 4432 0,'13'0'47,"0"26"-16,1-13-15,-14 14 0,13-1-1,26 27 1,1 40-1,-27-53 1,1-40 31,12-40-16,40-53 0,-13 27-15,-26 40 0,-1-27-1,-13 26 1</inkml:trace>
   <inkml:trace contextRef="#ctx0" brushRef="#br0" timeOffset="19657.43">11205 4286 0,'13'27'78,"14"26"-63,26 79 17,-53-106-17,26-12 17,-13-28 93,40-65-110,0 0 1,0 12 15,-27 28 0</inkml:trace>
 </inkml:ink>
@@ -311,7 +312,7 @@
   <inkml:trace contextRef="#ctx0" brushRef="#br0" timeOffset="33283.1">4180 9141 0,'-26'14'78,"13"12"-63,-1 1 17,-105 92-1,53-14 16,53-91-47,-27 39 15,27-27 32,-40 27-16,27-27 1,12-12-32,-12 12 31,13-26-15</inkml:trace>
   <inkml:trace contextRef="#ctx0" brushRef="#br0" timeOffset="33973.51">3797 9406 0,'-40'93'78,"-39"12"-47,65-65-15,14-27-16,0 1 31,0-1 16,27-13 47,79 0-78,118 26 15,-171-26 0,-53 13 63,-13 1-94</inkml:trace>
   <inkml:trace contextRef="#ctx0" brushRef="#br0" timeOffset="34788.53">3598 10067 0,'13'14'31,"-13"-1"-31,106 93 31,-26-14-15,52 14-1,-26-13 17,-27-1-1,-39-39-16,13 27 1,-27-27 0,27-1 15</inkml:trace>
-  <inkml:trace contextRef="#ctx0" brushRef="#br0" timeOffset="35519.76">3625 10041 0,'0'26'16,"-40"107"15,0-1 0,27-79-15,0-40-16,13 14 15</inkml:trace>
+  <inkml:trace contextRef="#ctx0" brushRef="#br0" timeOffset="35519.75">3625 10041 0,'0'26'16,"-40"107"15,0-1 0,27-79-15,0-40-16,13 14 15</inkml:trace>
   <inkml:trace contextRef="#ctx0" brushRef="#br0" timeOffset="36058.32">3598 9869 0,'27'0'31,"12"26"0,-25-12-31,-1-1 16,0 0 15,0 0 0,0-13 47,14 40-46,-14-27-17,0-13 1,1 0-1,-1 13 17</inkml:trace>
   <inkml:trace contextRef="#ctx0" brushRef="#br0" timeOffset="38788.91">3611 10054 0,'14'0'94,"-1"0"-94,27 0 16,26 0 15,-27 0 0,-25 13-15,12-13 15,-13 0 0,1 0-15,12 0 0,-13 0 15</inkml:trace>
   <inkml:trace contextRef="#ctx0" brushRef="#br0" timeOffset="48756.13">4564 9274 0,'40'39'141,"26"27"-110,-66-52-16,13 12 1,27 27 0,-40-40 15,39 40-15,-25-26 15,-1-14-31,13 27 31,1-27 0,-27 0-15,13-13 0,-13 13-1,13-13 1,-13 14 15</inkml:trace>
@@ -323,15 +324,15 @@
   <inkml:trace contextRef="#ctx0" brushRef="#br0" timeOffset="53608.55">5530 10226 0,'13'13'78,"79"80"-47,54 13 1,-120-93-32,199 106 31,-198-92-16,-14-27 17,0 13-17,40 26 17,-40-39-17,27 53 16,-27-53 1,-26 0 46,-66 0-63</inkml:trace>
   <inkml:trace contextRef="#ctx0" brushRef="#br0" timeOffset="54666.6">5516 10173 0,'0'27'63,"0"105"-32,0-26 0,0-93-15,0 0 0,0 1-1,0-1-15</inkml:trace>
   <inkml:trace contextRef="#ctx0" brushRef="#br0" timeOffset="55055.52">5530 10107 0,'26'0'31,"14"0"-15,119 0-1,-120 0-15,41 0 31,-41 0 1</inkml:trace>
-  <inkml:trace contextRef="#ctx0" brushRef="#br0" timeOffset="80907.74">4021 225 0,'-26'0'47,"0"-13"-31,-14-14-1,13 14 1,-105-13 0,92 12-1,-65 14 1,52-13-16,0 13 15,-199-13 1,173 13-16,13 0 31,26 0-31,1 0 16,-120 0 15,146 0 0,-120 0-15,1 40-16,-14 26 31,107-53-15,12 0 0,-26 0-16,14 14 15,-67 26 16,40-14 1,26-25-1,27-1-15</inkml:trace>
+  <inkml:trace contextRef="#ctx0" brushRef="#br0" timeOffset="80907.73">4021 225 0,'-26'0'47,"0"-13"-31,-14-14-1,13 14 1,-105-13 0,92 12-1,-65 14 1,52-13-16,0 13 15,-199-13 1,173 13-16,13 0 31,26 0-31,1 0 16,-120 0 15,146 0 0,-120 0-15,1 40-16,-14 26 31,107-53-15,12 0 0,-26 0-16,14 14 15,-67 26 16,40-14 1,26-25-1,27-1-15</inkml:trace>
   <inkml:trace contextRef="#ctx0" brushRef="#br0" timeOffset="81507.83">2011 291 0,'-40'13'32,"27"1"-17,-27 25 1,27-12 15,0-27 16,26 0 0,66 13-32,-66-13 1,14 0 0,13 13-1,-27-13 1,13 0 0</inkml:trace>
   <inkml:trace contextRef="#ctx0" brushRef="#br0" timeOffset="82176.53">1349 503 0,'13'0'16,"27"26"15,13 27 0,-27-13-15,-12-27 0,65 66-1,-66-79 17,-13-13 93</inkml:trace>
   <inkml:trace contextRef="#ctx0" brushRef="#br0" timeOffset="82490.37">1574 503 0,'0'0'0,"-26"26"16,-54 27-1,54-40 1,-106 67-1,118-80-15,-39 39 32</inkml:trace>
   <inkml:trace contextRef="#ctx0" brushRef="#br0" timeOffset="83688.11">1032 2434 0,'13'0'46,"13"13"-30,54 40 15,-67-26-31,80 79 32,-67-93-17</inkml:trace>
-  <inkml:trace contextRef="#ctx0" brushRef="#br0" timeOffset="83988.91">1257 2328 0,'-14'0'15,"-65"93"16,66-80-31,-14 27 16,1-27-16,-67 40 31,80-40-15</inkml:trace>
+  <inkml:trace contextRef="#ctx0" brushRef="#br0" timeOffset="83988.9">1257 2328 0,'-14'0'15,"-65"93"16,66-80-31,-14 27 16,1-27-16,-67 40 31,80-40-15</inkml:trace>
   <inkml:trace contextRef="#ctx0" brushRef="#br0" timeOffset="85581.06">1283 4736 0,'53'13'94,"40"53"-63,12-13 0,-91-53 1</inkml:trace>
   <inkml:trace contextRef="#ctx0" brushRef="#br0" timeOffset="85984.48">1521 4683 0,'-13'0'16,"-27"13"0,14 1-1,-27 12 1,53-13-16,-13 0 31,-14 14 0,14-14 1</inkml:trace>
-  <inkml:trace contextRef="#ctx0" brushRef="#br0" timeOffset="89223.94">1786 6562 0,'13'0'78,"0"13"-78,27 66 32,39 54-1,-65-120-15,-1 0-1,0-13 126</inkml:trace>
+  <inkml:trace contextRef="#ctx0" brushRef="#br0" timeOffset="89223.93">1786 6562 0,'13'0'78,"0"13"-78,27 66 32,39 54-1,-65-120-15,-1 0-1,0-13 126</inkml:trace>
   <inkml:trace contextRef="#ctx0" brushRef="#br0" timeOffset="89592.33">1892 6575 0,'-14'13'31,"28"-26"-31,-41 53 0,-39 26 31,40-53-31,12 27 16,-12-27-16,13 0 16,13 0 15</inkml:trace>
   <inkml:trace contextRef="#ctx0" brushRef="#br0" timeOffset="91224.77">1733 8824 0,'26'26'110,"40"67"-95,-39-80 17,-27 0-1,0 1-31,13-14 16,14 13 46,-14 0-46,13 14 15</inkml:trace>
   <inkml:trace contextRef="#ctx0" brushRef="#br0" timeOffset="91632.21">1997 8864 0,'-13'0'15,"0"26"1,0-26-16,-40 40 16,13-14-1,-26 14 1,-13 0 15,39-14-15,27-26 15</inkml:trace>
@@ -339,7 +340,7 @@
   <inkml:trace contextRef="#ctx0" brushRef="#br0" timeOffset="95675.02">1878 10755 0,'0'-13'94,"0"0"-79,0 0 17,-26 13 15,-40 13-16,13 13-16,-53 40 17,66-39-1,27-1 0,-13-26-15,26 14-1</inkml:trace>
   <inkml:trace contextRef="#ctx0" brushRef="#br0" timeOffset="100286.59">18931 410 0,'13'40'16,"27"13"-1,-1-14-15,1 1 32,26 39-17,-26-52 17</inkml:trace>
   <inkml:trace contextRef="#ctx0" brushRef="#br0" timeOffset="100812.15">19182 489 0,'-13'0'31,"0"0"1,-93 67-17,0 52 1,66-66 15,40-27-15,-13 1-1,13-14-15,0 0 32</inkml:trace>
-  <inkml:trace contextRef="#ctx0" brushRef="#br0" timeOffset="101531.94">18878 2408 0,'0'-14'31,"40"41"0,12 39-15,81 93 15,-80-93 0,-40-66-31,-13-13 141</inkml:trace>
+  <inkml:trace contextRef="#ctx0" brushRef="#br0" timeOffset="101531.93">18878 2408 0,'0'-14'31,"40"41"0,12 39-15,81 93 15,-80-93 0,-40-66-31,-13-13 141</inkml:trace>
   <inkml:trace contextRef="#ctx0" brushRef="#br0" timeOffset="101830.75">19129 2447 0,'-13'0'16,"-53"53"15,53-39-31,-40 25 31,39-26-15,-38 27 15</inkml:trace>
 </inkml:ink>
 </file>
@@ -426,7 +427,7 @@
           <a:p>
             <a:fld id="{CC4E2C19-A07B-48A9-B372-AF099A62855F}" type="datetimeFigureOut">
               <a:rPr lang="zh-CN" altLang="en-US" smtClean="0"/>
-              <a:t>2025/3/19</a:t>
+              <a:t>2025/4/10</a:t>
             </a:fld>
             <a:endParaRPr lang="zh-CN" altLang="en-US"/>
           </a:p>
@@ -896,7 +897,7 @@
           <a:p>
             <a:fld id="{7A8D2564-D4BD-4B39-9CF1-C628194E47CC}" type="datetimeFigureOut">
               <a:rPr lang="zh-CN" altLang="en-US" smtClean="0"/>
-              <a:t>2025/3/19</a:t>
+              <a:t>2025/4/10</a:t>
             </a:fld>
             <a:endParaRPr lang="zh-CN" altLang="en-US"/>
           </a:p>
@@ -1094,7 +1095,7 @@
           <a:p>
             <a:fld id="{7A8D2564-D4BD-4B39-9CF1-C628194E47CC}" type="datetimeFigureOut">
               <a:rPr lang="zh-CN" altLang="en-US" smtClean="0"/>
-              <a:t>2025/3/19</a:t>
+              <a:t>2025/4/10</a:t>
             </a:fld>
             <a:endParaRPr lang="zh-CN" altLang="en-US"/>
           </a:p>
@@ -1302,7 +1303,7 @@
           <a:p>
             <a:fld id="{7A8D2564-D4BD-4B39-9CF1-C628194E47CC}" type="datetimeFigureOut">
               <a:rPr lang="zh-CN" altLang="en-US" smtClean="0"/>
-              <a:t>2025/3/19</a:t>
+              <a:t>2025/4/10</a:t>
             </a:fld>
             <a:endParaRPr lang="zh-CN" altLang="en-US"/>
           </a:p>
@@ -1500,7 +1501,7 @@
           <a:p>
             <a:fld id="{7A8D2564-D4BD-4B39-9CF1-C628194E47CC}" type="datetimeFigureOut">
               <a:rPr lang="zh-CN" altLang="en-US" smtClean="0"/>
-              <a:t>2025/3/19</a:t>
+              <a:t>2025/4/10</a:t>
             </a:fld>
             <a:endParaRPr lang="zh-CN" altLang="en-US"/>
           </a:p>
@@ -1775,7 +1776,7 @@
           <a:p>
             <a:fld id="{7A8D2564-D4BD-4B39-9CF1-C628194E47CC}" type="datetimeFigureOut">
               <a:rPr lang="zh-CN" altLang="en-US" smtClean="0"/>
-              <a:t>2025/3/19</a:t>
+              <a:t>2025/4/10</a:t>
             </a:fld>
             <a:endParaRPr lang="zh-CN" altLang="en-US"/>
           </a:p>
@@ -2040,7 +2041,7 @@
           <a:p>
             <a:fld id="{7A8D2564-D4BD-4B39-9CF1-C628194E47CC}" type="datetimeFigureOut">
               <a:rPr lang="zh-CN" altLang="en-US" smtClean="0"/>
-              <a:t>2025/3/19</a:t>
+              <a:t>2025/4/10</a:t>
             </a:fld>
             <a:endParaRPr lang="zh-CN" altLang="en-US"/>
           </a:p>
@@ -2452,7 +2453,7 @@
           <a:p>
             <a:fld id="{7A8D2564-D4BD-4B39-9CF1-C628194E47CC}" type="datetimeFigureOut">
               <a:rPr lang="zh-CN" altLang="en-US" smtClean="0"/>
-              <a:t>2025/3/19</a:t>
+              <a:t>2025/4/10</a:t>
             </a:fld>
             <a:endParaRPr lang="zh-CN" altLang="en-US"/>
           </a:p>
@@ -2593,7 +2594,7 @@
           <a:p>
             <a:fld id="{7A8D2564-D4BD-4B39-9CF1-C628194E47CC}" type="datetimeFigureOut">
               <a:rPr lang="zh-CN" altLang="en-US" smtClean="0"/>
-              <a:t>2025/3/19</a:t>
+              <a:t>2025/4/10</a:t>
             </a:fld>
             <a:endParaRPr lang="zh-CN" altLang="en-US"/>
           </a:p>
@@ -2706,7 +2707,7 @@
           <a:p>
             <a:fld id="{7A8D2564-D4BD-4B39-9CF1-C628194E47CC}" type="datetimeFigureOut">
               <a:rPr lang="zh-CN" altLang="en-US" smtClean="0"/>
-              <a:t>2025/3/19</a:t>
+              <a:t>2025/4/10</a:t>
             </a:fld>
             <a:endParaRPr lang="zh-CN" altLang="en-US"/>
           </a:p>
@@ -3017,7 +3018,7 @@
           <a:p>
             <a:fld id="{7A8D2564-D4BD-4B39-9CF1-C628194E47CC}" type="datetimeFigureOut">
               <a:rPr lang="zh-CN" altLang="en-US" smtClean="0"/>
-              <a:t>2025/3/19</a:t>
+              <a:t>2025/4/10</a:t>
             </a:fld>
             <a:endParaRPr lang="zh-CN" altLang="en-US"/>
           </a:p>
@@ -3305,7 +3306,7 @@
           <a:p>
             <a:fld id="{7A8D2564-D4BD-4B39-9CF1-C628194E47CC}" type="datetimeFigureOut">
               <a:rPr lang="zh-CN" altLang="en-US" smtClean="0"/>
-              <a:t>2025/3/19</a:t>
+              <a:t>2025/4/10</a:t>
             </a:fld>
             <a:endParaRPr lang="zh-CN" altLang="en-US"/>
           </a:p>
@@ -3546,7 +3547,7 @@
           <a:p>
             <a:fld id="{7A8D2564-D4BD-4B39-9CF1-C628194E47CC}" type="datetimeFigureOut">
               <a:rPr lang="zh-CN" altLang="en-US" smtClean="0"/>
-              <a:t>2025/3/19</a:t>
+              <a:t>2025/4/10</a:t>
             </a:fld>
             <a:endParaRPr lang="zh-CN" altLang="en-US"/>
           </a:p>
@@ -4236,6 +4237,402 @@
 </p:sld>
 </file>
 
+<file path=ppt/slides/slide12.xml><?xml version="1.0" encoding="utf-8"?>
+<p:sld xmlns:a="http://schemas.openxmlformats.org/drawingml/2006/main" xmlns:r="http://schemas.openxmlformats.org/officeDocument/2006/relationships" xmlns:p="http://schemas.openxmlformats.org/presentationml/2006/main">
+  <p:cSld>
+    <p:spTree>
+      <p:nvGrpSpPr>
+        <p:cNvPr id="1" name=""/>
+        <p:cNvGrpSpPr/>
+        <p:nvPr/>
+      </p:nvGrpSpPr>
+      <p:grpSpPr>
+        <a:xfrm>
+          <a:off x="0" y="0"/>
+          <a:ext cx="0" cy="0"/>
+          <a:chOff x="0" y="0"/>
+          <a:chExt cx="0" cy="0"/>
+        </a:xfrm>
+      </p:grpSpPr>
+      <p:sp>
+        <p:nvSpPr>
+          <p:cNvPr id="2" name="标题 1">
+            <a:extLst>
+              <a:ext uri="{FF2B5EF4-FFF2-40B4-BE49-F238E27FC236}">
+                <a16:creationId xmlns:a16="http://schemas.microsoft.com/office/drawing/2014/main" id="{E04D2D2E-89E2-7492-D0CE-23C1DC4A9005}"/>
+              </a:ext>
+            </a:extLst>
+          </p:cNvPr>
+          <p:cNvSpPr>
+            <a:spLocks noGrp="1"/>
+          </p:cNvSpPr>
+          <p:nvPr>
+            <p:ph type="title"/>
+          </p:nvPr>
+        </p:nvSpPr>
+        <p:spPr/>
+        <p:txBody>
+          <a:bodyPr/>
+          <a:lstStyle/>
+          <a:p>
+            <a:endParaRPr lang="zh-CN" altLang="en-US"/>
+          </a:p>
+        </p:txBody>
+      </p:sp>
+      <p:pic>
+        <p:nvPicPr>
+          <p:cNvPr id="7" name="图片 6">
+            <a:extLst>
+              <a:ext uri="{FF2B5EF4-FFF2-40B4-BE49-F238E27FC236}">
+                <a16:creationId xmlns:a16="http://schemas.microsoft.com/office/drawing/2014/main" id="{63E11E0B-9532-4440-3195-20BBAC77BF42}"/>
+              </a:ext>
+            </a:extLst>
+          </p:cNvPr>
+          <p:cNvPicPr>
+            <a:picLocks noChangeAspect="1"/>
+          </p:cNvPicPr>
+          <p:nvPr/>
+        </p:nvPicPr>
+        <p:blipFill>
+          <a:blip r:embed="rId2"/>
+          <a:stretch>
+            <a:fillRect/>
+          </a:stretch>
+        </p:blipFill>
+        <p:spPr>
+          <a:xfrm>
+            <a:off x="133596" y="0"/>
+            <a:ext cx="4655327" cy="6858000"/>
+          </a:xfrm>
+          <a:prstGeom prst="rect">
+            <a:avLst/>
+          </a:prstGeom>
+        </p:spPr>
+      </p:pic>
+      <p:pic>
+        <p:nvPicPr>
+          <p:cNvPr id="9" name="图片 8">
+            <a:extLst>
+              <a:ext uri="{FF2B5EF4-FFF2-40B4-BE49-F238E27FC236}">
+                <a16:creationId xmlns:a16="http://schemas.microsoft.com/office/drawing/2014/main" id="{2CB1B243-4F8B-5ADF-444F-FE4DCBA8EB31}"/>
+              </a:ext>
+            </a:extLst>
+          </p:cNvPr>
+          <p:cNvPicPr>
+            <a:picLocks noChangeAspect="1"/>
+          </p:cNvPicPr>
+          <p:nvPr/>
+        </p:nvPicPr>
+        <p:blipFill>
+          <a:blip r:embed="rId3"/>
+          <a:stretch>
+            <a:fillRect/>
+          </a:stretch>
+        </p:blipFill>
+        <p:spPr>
+          <a:xfrm>
+            <a:off x="3416034" y="0"/>
+            <a:ext cx="4655327" cy="6858000"/>
+          </a:xfrm>
+          <a:prstGeom prst="rect">
+            <a:avLst/>
+          </a:prstGeom>
+        </p:spPr>
+      </p:pic>
+      <p:cxnSp>
+        <p:nvCxnSpPr>
+          <p:cNvPr id="11" name="直接箭头连接符 10">
+            <a:extLst>
+              <a:ext uri="{FF2B5EF4-FFF2-40B4-BE49-F238E27FC236}">
+                <a16:creationId xmlns:a16="http://schemas.microsoft.com/office/drawing/2014/main" id="{98448E8D-6808-8BF9-D6C5-12CC95A94CFD}"/>
+              </a:ext>
+            </a:extLst>
+          </p:cNvPr>
+          <p:cNvCxnSpPr>
+            <a:cxnSpLocks/>
+          </p:cNvCxnSpPr>
+          <p:nvPr/>
+        </p:nvCxnSpPr>
+        <p:spPr>
+          <a:xfrm>
+            <a:off x="1422400" y="1981200"/>
+            <a:ext cx="0" cy="1879600"/>
+          </a:xfrm>
+          <a:prstGeom prst="straightConnector1">
+            <a:avLst/>
+          </a:prstGeom>
+          <a:ln>
+            <a:tailEnd type="triangle"/>
+          </a:ln>
+        </p:spPr>
+        <p:style>
+          <a:lnRef idx="2">
+            <a:schemeClr val="accent1"/>
+          </a:lnRef>
+          <a:fillRef idx="0">
+            <a:schemeClr val="accent1"/>
+          </a:fillRef>
+          <a:effectRef idx="1">
+            <a:schemeClr val="accent1"/>
+          </a:effectRef>
+          <a:fontRef idx="minor">
+            <a:schemeClr val="tx1"/>
+          </a:fontRef>
+        </p:style>
+      </p:cxnSp>
+      <p:cxnSp>
+        <p:nvCxnSpPr>
+          <p:cNvPr id="15" name="直接箭头连接符 14">
+            <a:extLst>
+              <a:ext uri="{FF2B5EF4-FFF2-40B4-BE49-F238E27FC236}">
+                <a16:creationId xmlns:a16="http://schemas.microsoft.com/office/drawing/2014/main" id="{93735FCE-DBAB-23F3-B404-E3E5489D8D5D}"/>
+              </a:ext>
+            </a:extLst>
+          </p:cNvPr>
+          <p:cNvCxnSpPr>
+            <a:cxnSpLocks/>
+          </p:cNvCxnSpPr>
+          <p:nvPr/>
+        </p:nvCxnSpPr>
+        <p:spPr>
+          <a:xfrm>
+            <a:off x="133595" y="3187700"/>
+            <a:ext cx="4584455" cy="0"/>
+          </a:xfrm>
+          <a:prstGeom prst="straightConnector1">
+            <a:avLst/>
+          </a:prstGeom>
+          <a:ln>
+            <a:headEnd type="none" w="med" len="med"/>
+            <a:tailEnd type="none" w="med" len="med"/>
+          </a:ln>
+        </p:spPr>
+        <p:style>
+          <a:lnRef idx="2">
+            <a:schemeClr val="accent2"/>
+          </a:lnRef>
+          <a:fillRef idx="0">
+            <a:schemeClr val="accent2"/>
+          </a:fillRef>
+          <a:effectRef idx="1">
+            <a:schemeClr val="accent2"/>
+          </a:effectRef>
+          <a:fontRef idx="minor">
+            <a:schemeClr val="tx1"/>
+          </a:fontRef>
+        </p:style>
+      </p:cxnSp>
+      <p:cxnSp>
+        <p:nvCxnSpPr>
+          <p:cNvPr id="18" name="直接箭头连接符 17">
+            <a:extLst>
+              <a:ext uri="{FF2B5EF4-FFF2-40B4-BE49-F238E27FC236}">
+                <a16:creationId xmlns:a16="http://schemas.microsoft.com/office/drawing/2014/main" id="{67B4512C-B467-8FC1-64EE-6D22260F9AF1}"/>
+              </a:ext>
+            </a:extLst>
+          </p:cNvPr>
+          <p:cNvCxnSpPr>
+            <a:cxnSpLocks/>
+          </p:cNvCxnSpPr>
+          <p:nvPr/>
+        </p:nvCxnSpPr>
+        <p:spPr>
+          <a:xfrm>
+            <a:off x="203690" y="2921000"/>
+            <a:ext cx="4585233" cy="0"/>
+          </a:xfrm>
+          <a:prstGeom prst="straightConnector1">
+            <a:avLst/>
+          </a:prstGeom>
+          <a:ln>
+            <a:headEnd type="none" w="med" len="med"/>
+            <a:tailEnd type="none" w="med" len="med"/>
+          </a:ln>
+        </p:spPr>
+        <p:style>
+          <a:lnRef idx="2">
+            <a:schemeClr val="accent2"/>
+          </a:lnRef>
+          <a:fillRef idx="0">
+            <a:schemeClr val="accent2"/>
+          </a:fillRef>
+          <a:effectRef idx="1">
+            <a:schemeClr val="accent2"/>
+          </a:effectRef>
+          <a:fontRef idx="minor">
+            <a:schemeClr val="tx1"/>
+          </a:fontRef>
+        </p:style>
+      </p:cxnSp>
+      <p:sp>
+        <p:nvSpPr>
+          <p:cNvPr id="19" name="文本框 18">
+            <a:extLst>
+              <a:ext uri="{FF2B5EF4-FFF2-40B4-BE49-F238E27FC236}">
+                <a16:creationId xmlns:a16="http://schemas.microsoft.com/office/drawing/2014/main" id="{973F28C6-BBF3-7176-D14A-E896805F2E5F}"/>
+              </a:ext>
+            </a:extLst>
+          </p:cNvPr>
+          <p:cNvSpPr txBox="1"/>
+          <p:nvPr/>
+        </p:nvSpPr>
+        <p:spPr>
+          <a:xfrm>
+            <a:off x="1740433" y="3613150"/>
+            <a:ext cx="4178300" cy="1200329"/>
+          </a:xfrm>
+          <a:prstGeom prst="rect">
+            <a:avLst/>
+          </a:prstGeom>
+          <a:solidFill>
+            <a:schemeClr val="bg1"/>
+          </a:solidFill>
+        </p:spPr>
+        <p:txBody>
+          <a:bodyPr wrap="square" rtlCol="0">
+            <a:spAutoFit/>
+          </a:bodyPr>
+          <a:lstStyle/>
+          <a:p>
+            <a:r>
+              <a:rPr lang="zh-CN" altLang="en-US" dirty="0"/>
+              <a:t>相速度 </a:t>
+            </a:r>
+            <a:r>
+              <a:rPr lang="en-US" altLang="zh-CN" dirty="0"/>
+              <a:t>c = sqrt(g H)</a:t>
+            </a:r>
+          </a:p>
+          <a:p>
+            <a:r>
+              <a:rPr lang="zh-CN" altLang="en-US" dirty="0"/>
+              <a:t>目测估计为 </a:t>
+            </a:r>
+            <a:r>
+              <a:rPr lang="en-US" altLang="zh-CN" dirty="0"/>
+              <a:t>2000s</a:t>
+            </a:r>
+            <a:r>
+              <a:rPr lang="zh-CN" altLang="en-US" dirty="0"/>
+              <a:t>内传过</a:t>
+            </a:r>
+            <a:r>
+              <a:rPr lang="en-US" altLang="zh-CN" dirty="0"/>
+              <a:t>400 km</a:t>
+            </a:r>
+          </a:p>
+          <a:p>
+            <a:endParaRPr lang="en-US" altLang="zh-CN" dirty="0"/>
+          </a:p>
+          <a:p>
+            <a:r>
+              <a:rPr lang="zh-CN" altLang="en-US" dirty="0"/>
+              <a:t>对应的</a:t>
+            </a:r>
+            <a:r>
+              <a:rPr lang="en-US" altLang="zh-CN" dirty="0"/>
+              <a:t>H</a:t>
+            </a:r>
+            <a:r>
+              <a:rPr lang="zh-CN" altLang="en-US" dirty="0"/>
+              <a:t>为</a:t>
+            </a:r>
+            <a:r>
+              <a:rPr lang="en-US" altLang="zh-CN" dirty="0"/>
+              <a:t>4000m</a:t>
+            </a:r>
+            <a:endParaRPr lang="zh-CN" altLang="en-US" dirty="0"/>
+          </a:p>
+        </p:txBody>
+      </p:sp>
+    </p:spTree>
+    <p:extLst>
+      <p:ext uri="{BB962C8B-B14F-4D97-AF65-F5344CB8AC3E}">
+        <p14:creationId xmlns:p14="http://schemas.microsoft.com/office/powerpoint/2010/main" val="3605018242"/>
+      </p:ext>
+    </p:extLst>
+  </p:cSld>
+  <p:clrMapOvr>
+    <a:masterClrMapping/>
+  </p:clrMapOvr>
+  <p:timing>
+    <p:tnLst>
+      <p:par>
+        <p:cTn id="1" dur="indefinite" restart="never" nodeType="tmRoot">
+          <p:childTnLst>
+            <p:seq concurrent="1" nextAc="seek">
+              <p:cTn id="2" dur="indefinite" nodeType="mainSeq">
+                <p:childTnLst>
+                  <p:par>
+                    <p:cTn id="3" fill="hold">
+                      <p:stCondLst>
+                        <p:cond delay="indefinite"/>
+                      </p:stCondLst>
+                      <p:childTnLst>
+                        <p:par>
+                          <p:cTn id="4" fill="hold">
+                            <p:stCondLst>
+                              <p:cond delay="0"/>
+                            </p:stCondLst>
+                            <p:childTnLst>
+                              <p:par>
+                                <p:cTn id="5" presetID="1" presetClass="entr" presetSubtype="0" fill="hold" nodeType="clickEffect">
+                                  <p:stCondLst>
+                                    <p:cond delay="0"/>
+                                  </p:stCondLst>
+                                  <p:childTnLst>
+                                    <p:set>
+                                      <p:cBhvr>
+                                        <p:cTn id="6" dur="1" fill="hold">
+                                          <p:stCondLst>
+                                            <p:cond delay="0"/>
+                                          </p:stCondLst>
+                                        </p:cTn>
+                                        <p:tgtEl>
+                                          <p:spTgt spid="9"/>
+                                        </p:tgtEl>
+                                        <p:attrNameLst>
+                                          <p:attrName>style.visibility</p:attrName>
+                                        </p:attrNameLst>
+                                      </p:cBhvr>
+                                      <p:to>
+                                        <p:strVal val="visible"/>
+                                      </p:to>
+                                    </p:set>
+                                  </p:childTnLst>
+                                </p:cTn>
+                              </p:par>
+                            </p:childTnLst>
+                          </p:cTn>
+                        </p:par>
+                      </p:childTnLst>
+                    </p:cTn>
+                  </p:par>
+                </p:childTnLst>
+              </p:cTn>
+              <p:prevCondLst>
+                <p:cond evt="onPrev" delay="0">
+                  <p:tgtEl>
+                    <p:sldTgt/>
+                  </p:tgtEl>
+                </p:cond>
+              </p:prevCondLst>
+              <p:nextCondLst>
+                <p:cond evt="onNext" delay="0">
+                  <p:tgtEl>
+                    <p:sldTgt/>
+                  </p:tgtEl>
+                </p:cond>
+              </p:nextCondLst>
+            </p:seq>
+          </p:childTnLst>
+        </p:cTn>
+      </p:par>
+    </p:tnLst>
+  </p:timing>
+</p:sld>
+</file>
+
 <file path=ppt/slides/slide2.xml><?xml version="1.0" encoding="utf-8"?>
 <p:sld xmlns:a="http://schemas.openxmlformats.org/drawingml/2006/main" xmlns:r="http://schemas.openxmlformats.org/officeDocument/2006/relationships" xmlns:p="http://schemas.openxmlformats.org/presentationml/2006/main">
   <p:cSld>
@@ -5649,8 +6046,8 @@
           </a:p>
         </p:txBody>
       </p:sp>
-      <mc:AlternateContent xmlns:mc="http://schemas.openxmlformats.org/markup-compatibility/2006">
-        <mc:Choice xmlns:p14="http://schemas.microsoft.com/office/powerpoint/2010/main" Requires="p14">
+      <mc:AlternateContent xmlns:mc="http://schemas.openxmlformats.org/markup-compatibility/2006" xmlns:p14="http://schemas.microsoft.com/office/powerpoint/2010/main">
+        <mc:Choice Requires="p14">
           <p:contentPart p14:bwMode="auto" r:id="rId4">
             <p14:nvContentPartPr>
               <p14:cNvPr id="3" name="墨迹 2">
@@ -5669,7 +6066,7 @@
             </p14:xfrm>
           </p:contentPart>
         </mc:Choice>
-        <mc:Fallback>
+        <mc:Fallback xmlns="">
           <p:pic>
             <p:nvPicPr>
               <p:cNvPr id="3" name="墨迹 2">
@@ -5933,8 +6330,8 @@
           </a:prstGeom>
         </p:spPr>
       </p:pic>
-      <mc:AlternateContent xmlns:mc="http://schemas.openxmlformats.org/markup-compatibility/2006">
-        <mc:Choice xmlns:p14="http://schemas.microsoft.com/office/powerpoint/2010/main" Requires="p14">
+      <mc:AlternateContent xmlns:mc="http://schemas.openxmlformats.org/markup-compatibility/2006" xmlns:p14="http://schemas.microsoft.com/office/powerpoint/2010/main">
+        <mc:Choice Requires="p14">
           <p:contentPart p14:bwMode="auto" r:id="rId4">
             <p14:nvContentPartPr>
               <p14:cNvPr id="8" name="墨迹 7">
@@ -5953,7 +6350,7 @@
             </p14:xfrm>
           </p:contentPart>
         </mc:Choice>
-        <mc:Fallback>
+        <mc:Fallback xmlns="">
           <p:pic>
             <p:nvPicPr>
               <p:cNvPr id="8" name="墨迹 7">
@@ -5984,8 +6381,8 @@
           </p:pic>
         </mc:Fallback>
       </mc:AlternateContent>
-      <mc:AlternateContent xmlns:mc="http://schemas.openxmlformats.org/markup-compatibility/2006">
-        <mc:Choice xmlns:p14="http://schemas.microsoft.com/office/powerpoint/2010/main" Requires="p14">
+      <mc:AlternateContent xmlns:mc="http://schemas.openxmlformats.org/markup-compatibility/2006" xmlns:p14="http://schemas.microsoft.com/office/powerpoint/2010/main">
+        <mc:Choice Requires="p14">
           <p:contentPart p14:bwMode="auto" r:id="rId6">
             <p14:nvContentPartPr>
               <p14:cNvPr id="10" name="墨迹 9">
@@ -6004,7 +6401,7 @@
             </p14:xfrm>
           </p:contentPart>
         </mc:Choice>
-        <mc:Fallback>
+        <mc:Fallback xmlns="">
           <p:pic>
             <p:nvPicPr>
               <p:cNvPr id="10" name="墨迹 9">
@@ -6035,8 +6432,8 @@
           </p:pic>
         </mc:Fallback>
       </mc:AlternateContent>
-      <mc:AlternateContent xmlns:mc="http://schemas.openxmlformats.org/markup-compatibility/2006">
-        <mc:Choice xmlns:p14="http://schemas.microsoft.com/office/powerpoint/2010/main" Requires="p14">
+      <mc:AlternateContent xmlns:mc="http://schemas.openxmlformats.org/markup-compatibility/2006" xmlns:p14="http://schemas.microsoft.com/office/powerpoint/2010/main">
+        <mc:Choice Requires="p14">
           <p:contentPart p14:bwMode="auto" r:id="rId8">
             <p14:nvContentPartPr>
               <p14:cNvPr id="11" name="墨迹 10">
@@ -6055,7 +6452,7 @@
             </p14:xfrm>
           </p:contentPart>
         </mc:Choice>
-        <mc:Fallback>
+        <mc:Fallback xmlns="">
           <p:pic>
             <p:nvPicPr>
               <p:cNvPr id="11" name="墨迹 10">
@@ -6324,8 +6721,8 @@
           </a:p>
         </p:txBody>
       </p:sp>
-      <mc:AlternateContent xmlns:mc="http://schemas.openxmlformats.org/markup-compatibility/2006">
-        <mc:Choice xmlns:p14="http://schemas.microsoft.com/office/powerpoint/2010/main" Requires="p14">
+      <mc:AlternateContent xmlns:mc="http://schemas.openxmlformats.org/markup-compatibility/2006" xmlns:p14="http://schemas.microsoft.com/office/powerpoint/2010/main">
+        <mc:Choice Requires="p14">
           <p:contentPart p14:bwMode="auto" r:id="rId6">
             <p14:nvContentPartPr>
               <p14:cNvPr id="10" name="墨迹 9">
@@ -6344,7 +6741,7 @@
             </p14:xfrm>
           </p:contentPart>
         </mc:Choice>
-        <mc:Fallback>
+        <mc:Fallback xmlns="">
           <p:pic>
             <p:nvPicPr>
               <p:cNvPr id="10" name="墨迹 9">

--- a/浅水方程模型.pptx
+++ b/浅水方程模型.pptx
@@ -1,11 +1,11 @@
 
 <file path=ppt/presentation.xml><?xml version="1.0" encoding="utf-8"?>
-<p:presentation xmlns:a="http://schemas.openxmlformats.org/drawingml/2006/main" xmlns:r="http://schemas.openxmlformats.org/officeDocument/2006/relationships" xmlns:p="http://schemas.openxmlformats.org/presentationml/2006/main" saveSubsetFonts="1">
+<p:presentation xmlns:a="http://schemas.openxmlformats.org/drawingml/2006/main" xmlns:r="http://schemas.openxmlformats.org/officeDocument/2006/relationships" xmlns:p="http://schemas.openxmlformats.org/presentationml/2006/main">
   <p:sldMasterIdLst>
     <p:sldMasterId id="2147483648" r:id="rId1"/>
   </p:sldMasterIdLst>
   <p:notesMasterIdLst>
-    <p:notesMasterId r:id="rId14"/>
+    <p:notesMasterId r:id="rId16"/>
   </p:notesMasterIdLst>
   <p:sldIdLst>
     <p:sldId id="256" r:id="rId2"/>
@@ -20,6 +20,8 @@
     <p:sldId id="265" r:id="rId11"/>
     <p:sldId id="266" r:id="rId12"/>
     <p:sldId id="268" r:id="rId13"/>
+    <p:sldId id="269" r:id="rId14"/>
+    <p:sldId id="270" r:id="rId15"/>
   </p:sldIdLst>
   <p:sldSz cx="12192000" cy="6858000"/>
   <p:notesSz cx="6858000" cy="9144000"/>
@@ -153,7 +155,7 @@
           <inkml:channelProperty channel="T" name="resolution" value="1" units="1/dev"/>
         </inkml:channelProperties>
       </inkml:inkSource>
-      <inkml:timestamp xml:id="ts0" timeString="2025-03-19T15:42:38.809"/>
+      <inkml:timestamp xml:id="ts0" timeString="2025-03-19T15:42:38"/>
     </inkml:context>
     <inkml:brush xml:id="br0">
       <inkml:brushProperty name="width" value="0.05292" units="cm"/>
@@ -162,9 +164,9 @@
     </inkml:brush>
   </inkml:definitions>
   <inkml:trace contextRef="#ctx0" brushRef="#br0">16166 11007 0,'0'13'141,"0"40"-110,0 0 0,13-14 0,-13-12-15,13-27 0,-13 13-1,14-13 1,12 0 78,93-53-63,-79 13 0,13-12 0,-40 25 1,0-13-1,-13 27 0,0 0 188,0 0-157,-26 105 235,12-12-265,14 26-17,0-93 220,0 0-204</inkml:trace>
-  <inkml:trace contextRef="#ctx0" brushRef="#br0" timeOffset="6663.5">16219 13031 0,'0'26'78,"0"-13"-62,0 1-1,0-1 1,0 13-1,0 54 1,0-67 0,0 0 15,0 27 0,0-27 16,26-13-16,-13 0-15,27 13 0,-27-13-1,14 0 16,-14-13 1,14-13-17,-14-1 17,-13 14-17,26-14 1,-13-12 15,-13 26-15,0-14 15,14-13 0,-14 27-15,0-26-1,0 65 220,0 119-204,0-92 0,0-13 1,0-27-17,0 1 1,13 12-1</inkml:trace>
-  <inkml:trace contextRef="#ctx0" brushRef="#br0" timeOffset="12439.87">16298 15094 0,'13'0'125,"27"93"-94,-13-27 0,-14-39 0,0 39-15,0-66 15,0 0 63,-13-13-78,93-199 15,-80 146-15,-13 26 15,0 27-16,0-14 17</inkml:trace>
-  <inkml:trace contextRef="#ctx0" brushRef="#br0" timeOffset="14420">16258 17026 0,'0'13'125,"0"14"-93,0 78-1,14-38 0,-1 25 0,0-79-15,27 80 15,-27-40 1,0-40-1,-13-26 78,0 0-93,66-239-1,-26 94 17,-27 91-17,1 41 1,-14 13 15</inkml:trace>
+  <inkml:trace contextRef="#ctx0" brushRef="#br0">16219 13031 0,'0'26'78,"0"-13"-62,0 1-1,0-1 1,0 13-1,0 54 1,0-67 0,0 0 15,0 27 0,0-27 16,26-13-16,-13 0-15,27 13 0,-27-13-1,14 0 16,-14-13 1,14-13-17,-14-1 17,-13 14-17,26-14 1,-13-12 15,-13 26-15,0-14 15,14-13 0,-14 27-15,0-26-1,0 65 220,0 119-204,0-92 0,0-13 1,0-27-17,0 1 1,13 12-1</inkml:trace>
+  <inkml:trace contextRef="#ctx0" brushRef="#br0">16298 15094 0,'13'0'125,"27"93"-94,-13-27 0,-14-39 0,0 39-15,0-66 15,0 0 63,-13-13-78,93-199 15,-80 146-15,-13 26 15,0 27-16,0-14 17</inkml:trace>
+  <inkml:trace contextRef="#ctx0" brushRef="#br0">16258 17026 0,'0'13'125,"0"14"-93,0 78-1,14-38 0,-1 25 0,0-79-15,27 80 15,-27-40 1,0-40-1,-13-26 78,0 0-93,66-239-1,-26 94 17,-27 91-17,1 41 1,-14 13 15</inkml:trace>
 </inkml:ink>
 </file>
 
@@ -184,7 +186,7 @@
           <inkml:channelProperty channel="T" name="resolution" value="1" units="1/dev"/>
         </inkml:channelProperties>
       </inkml:inkSource>
-      <inkml:timestamp xml:id="ts0" timeString="2025-03-19T13:32:57.029"/>
+      <inkml:timestamp xml:id="ts0" timeString="2025-03-19T13:32:57"/>
     </inkml:context>
     <inkml:brush xml:id="br0">
       <inkml:brushProperty name="width" value="0.05292" units="cm"/>
@@ -193,25 +195,25 @@
     </inkml:brush>
   </inkml:definitions>
   <inkml:trace contextRef="#ctx0" brushRef="#br0">11456 2633 0,'27'0'94,"79"0"-79,66-14 17,26-12-1,-158 13-15,92 13 15,40-14 0,-106 14 0,-26 0-15,26 0 15,-26 0 0,-1 0-15,54 0 15,13 0 1,-14 0-17,-39 14 16,-26-14 1</inkml:trace>
-  <inkml:trace contextRef="#ctx0" brushRef="#br0" timeOffset="1659.66">16735 2540 0,'13'0'109,"27"0"-93,13 13-1,-27-13 1,93 0-1,-66 0 1,-13 0-16,26 0 16,79 0 15,-65 13-15,39 1-1,-27-1 1,-39 0-1,27-13 1,-54 0 0,27 0-1,-40 0-15,14 0 16,26 0 15,-27 0-15,1 0-1,-14 0 1,13 0 125,1 0-110,12 0-15,-12 0-16,-14 0 15,40 0 1,-27 0 15</inkml:trace>
-  <inkml:trace contextRef="#ctx0" brushRef="#br0" timeOffset="5926.7">16047 5649 0,'13'0'188,"27"0"-157,26 0 0,-26 0-15,39 0 0,27 0 15,-14 0 0,-52 0-15,-27 0-1,14 0 1,-14 0 15,0 0 16,53 0-16,14 0 1,-1 0-17,80 0 17,-53 0-17,52 0 16,-52 0 1,-79 0-17,39 0 17,-26 0-1,-14 0-16,0 0 17,14 0-1,-27 0-15,1 0 296</inkml:trace>
-  <inkml:trace contextRef="#ctx0" brushRef="#br0" timeOffset="8563.04">20214 2183 0,'-40'66'109,"1"-13"-93,-120 225-1,119-225 1,-119 211-1,67-132 1,-27 67 0,-14 13-1,81-120 1,-134 146 0,94-158 15,26-14 0,52-66-15,14 13-1,-26 0 48,-53 53-32,65-39-15,-52 13-1,-40 52 17,27 27-17,26-53-15,40-26 16,-106 79 15,26-26 0,80-80-15,0 0 15</inkml:trace>
-  <inkml:trace contextRef="#ctx0" brushRef="#br0" timeOffset="9361.24">18415 4286 0,'-13'0'31,"-14"27"0,-52 79-15,-54 118 15,67-131 0,53-67-31,-13 14 16,-1-13 15,54-27 32,-1 0-48,-13 0 16,186 26 1,-173-26-17,14 0 17,-14 0 77,1 0-93,26 0 15,-27 0 0,27 0-15</inkml:trace>
-  <inkml:trace contextRef="#ctx0" brushRef="#br0" timeOffset="10577.28">20042 1759 0,'0'0'0,"-53"-26"16,-66 13 15,-119 0 0,-40 13 1,119 0-1,14 0-16,-120 0 17,212 0-17,14 13 1,-67 0 15,53-13-15,-13 26-1,53-26 1,-27 14 15,-13-1-15,53 0 0,-27 0 15</inkml:trace>
-  <inkml:trace contextRef="#ctx0" brushRef="#br0" timeOffset="11329.4">18362 1601 0,'0'0'0,"-27"0"31,1 13-15,-27 13 0,0 14 15,-39 0-16,78-27 1,-12 0 15,132 14 47,66 26-46,-66-40-1,-93 0-15,26-13 15,-39 13 94</inkml:trace>
-  <inkml:trace contextRef="#ctx0" brushRef="#br0" timeOffset="12744">20479 1164 0,'-14'0'16,"1"-13"15,-13 13-15,-1-13-16,1 13 16,-14 0-1,-26-27 1,-582-105 15,330 66-15,-52-14-1,-54 28 1,-237-1 15,529 53-15,-186-14-1,199 14 1,-1508 67 15,1336-54-15,172 0 0,-40 13-1,-92 1 16,185-14-31,-93 14 16,-198 25 15,185-12 1,66-13-17,66-14 1,-66 0-1,-26 40 17,79-40-17,-13 27 17,26-14-1,27-26-16,0 0 17,13 14-1,-27-1 0,1 13-15,-14 1 15,14-14-15,-14 13-1,27-26 1,-14 0 15,14 14 0,0-14 1,0 0-17</inkml:trace>
-  <inkml:trace contextRef="#ctx0" brushRef="#br0" timeOffset="13591.74">13282 1072 0,'0'13'16,"-27"13"31,-65 54-16,-67 12 0,40-39-15,13 0 15,119-53 63,93 13-79,13 27 1,93 0 15,-172-40 0</inkml:trace>
-  <inkml:trace contextRef="#ctx0" brushRef="#br0" timeOffset="15354.53">20796 1455 0,'27'13'94,"-14"1"-78,0-1-1,0-13 1,0 26-1,1-12 1,-1-1 15,-13 0-15,13 40 0,0-13 15,-13-27-16,0 0 17,0 0-17,0 27 17,0-27 14,27-13-14,-14 0-17,14 0 1,-14 0 0,0 0-1,0 0 1,-13-26-1,13-14 17,-13 14-17,0-40 17,0 52-17,0-12 1,14-14 15,-14 27-15,0-14-1,0-12 1,0 26 15</inkml:trace>
-  <inkml:trace contextRef="#ctx0" brushRef="#br0" timeOffset="27030.28">17039 3691 0,'0'-13'109,"26"13"-78,14 0-15,13 0 0,26 0-1,67 0 16,-106 0-15,13 0 0,66 0-1,0 0 17,-80 0-17,-25 0 1,25 0-1,14 0 1,79 0 0,-52 0 15,12 0 0,41 0 16,-94 0-31,1-14 15,-27 14 0</inkml:trace>
-  <inkml:trace contextRef="#ctx0" brushRef="#br0" timeOffset="28614.1">20492 1839 0,'-13'0'15,"-1"0"1,-12 13 0,-1 0-1,-52 27 1,-212 145 15,198-132-15,-131 106 15,-1-27-15,-27 14-1,67-27 16,92-53-15,54-53 0,-27 40-1,66-40 32,-14-13-16,1 0-15,-27 53 0,27-40 15,-13 14-15,13-14-1,-54 27 1</inkml:trace>
-  <inkml:trace contextRef="#ctx0" brushRef="#br0" timeOffset="29562.1">18785 2805 0,'-13'13'47,"-80"40"0,54-14-32,12-25 1,14-1-1,-80 53 17,41-40-17,25 1 17,40-27 77,172 0-93,-13 0 15,-92 0-16,-40 0 17,-14 0-17,-13 0 1,14 0 15</inkml:trace>
-  <inkml:trace contextRef="#ctx0" brushRef="#br0" timeOffset="165052.97">12581 4551 0,'13'-13'78,"0"13"-46,0 0-17,27 0 17,-27 0-32,1 0 31,-1 0 31,-13 13-15,13 0-16,0 66 1,14-65-1,-14-1 0,-13 0 16,13 0-16,0-13 63,54-26-63,-1-67 1,-27 1-17,-12 52 16,-27 27 1</inkml:trace>
-  <inkml:trace contextRef="#ctx0" brushRef="#br0" timeOffset="167282.94">13123 4511 0,'13'0'109,"14"0"-93,13 0 15,-14 0-15,14 0-1,-27 0 1,13 0 15,1 0 0,-14 0-15</inkml:trace>
-  <inkml:trace contextRef="#ctx0" brushRef="#br0" timeOffset="168106.93">13269 4379 0,'0'13'109,"0"0"-93,-66 252 15,52-252-15,14 27-1</inkml:trace>
-  <inkml:trace contextRef="#ctx0" brushRef="#br0" timeOffset="169348.98">13520 4392 0,'-13'13'125,"0"40"-109,-14-13 15,27-14-15,0 1-1,0-14 329,-13 0-328,0 14-1,13 12 1</inkml:trace>
-  <inkml:trace contextRef="#ctx0" brushRef="#br0" timeOffset="172685.17">20703 4564 0,'40'-26'141,"0"-1"-110,-27 27-31,0 0 16,1 0 31,-1 0-32,0 0 1,0 0 31,0 0 78,-13 27-110,14 12 17,-14-25-17,13-1 1,0 26 0,-13-12 15,13-27-16,-13 13 17,0 0-1,27-13 266,-27-13-282,0 0 1,13-14 0,-13 1 15,0 0 0,0 12-15,13 1 15,-13-13 0,0 12-15,0 1 0,0-13-1,0 12 16,0-12 1,0 13 15,0 0-32</inkml:trace>
-  <inkml:trace contextRef="#ctx0" brushRef="#br0" timeOffset="173738.61">21193 4551 0,'13'0'78,"53"13"-62,-39-13-16,12 0 16,1 0 15,-27 0 0</inkml:trace>
-  <inkml:trace contextRef="#ctx0" brushRef="#br0" timeOffset="174424.22">21709 4432 0,'0'13'63,"0"0"-48,0 27 1,0-14 0,0 27-1,0-39 1,0 12-16,0-13 16</inkml:trace>
+  <inkml:trace contextRef="#ctx0" brushRef="#br0">16735 2540 0,'13'0'109,"27"0"-93,13 13-1,-27-13 1,93 0-1,-66 0 1,-13 0-16,26 0 16,79 0 15,-65 13-15,39 1-1,-27-1 1,-39 0-1,27-13 1,-54 0 0,27 0-1,-40 0-15,14 0 16,26 0 15,-27 0-15,1 0-1,-14 0 1,13 0 125,1 0-110,12 0-15,-12 0-16,-14 0 15,40 0 1,-27 0 15</inkml:trace>
+  <inkml:trace contextRef="#ctx0" brushRef="#br0">16047 5649 0,'13'0'188,"27"0"-157,26 0 0,-26 0-15,39 0 0,27 0 15,-14 0 0,-52 0-15,-27 0-1,14 0 1,-14 0 15,0 0 16,53 0-16,14 0 1,-1 0-17,80 0 17,-53 0-17,52 0 16,-52 0 1,-79 0-17,39 0 17,-26 0-1,-14 0-16,0 0 17,14 0-1,-27 0-15,1 0 296</inkml:trace>
+  <inkml:trace contextRef="#ctx0" brushRef="#br0">20214 2183 0,'-40'66'109,"1"-13"-93,-120 225-1,119-225 1,-119 211-1,67-132 1,-27 67 0,-14 13-1,81-120 1,-134 146 0,94-158 15,26-14 0,52-66-15,14 13-1,-26 0 48,-53 53-32,65-39-15,-52 13-1,-40 52 17,27 27-17,26-53-15,40-26 16,-106 79 15,26-26 0,80-80-15,0 0 15</inkml:trace>
+  <inkml:trace contextRef="#ctx0" brushRef="#br0">18415 4286 0,'-13'0'31,"-14"27"0,-52 79-15,-54 118 15,67-131 0,53-67-31,-13 14 16,-1-13 15,54-27 32,-1 0-48,-13 0 16,186 26 1,-173-26-17,14 0 17,-14 0 77,1 0-93,26 0 15,-27 0 0,27 0-15</inkml:trace>
+  <inkml:trace contextRef="#ctx0" brushRef="#br0">20042 1759 0,'0'0'0,"-53"-26"16,-66 13 15,-119 0 0,-40 13 1,119 0-1,14 0-16,-120 0 17,212 0-17,14 13 1,-67 0 15,53-13-15,-13 26-1,53-26 1,-27 14 15,-13-1-15,53 0 0,-27 0 15</inkml:trace>
+  <inkml:trace contextRef="#ctx0" brushRef="#br0">18362 1601 0,'0'0'0,"-27"0"31,1 13-15,-27 13 0,0 14 15,-39 0-16,78-27 1,-12 0 15,132 14 47,66 26-46,-66-40-1,-93 0-15,26-13 15,-39 13 94</inkml:trace>
+  <inkml:trace contextRef="#ctx0" brushRef="#br0">20479 1164 0,'-14'0'16,"1"-13"15,-13 13-15,-1-13-16,1 13 16,-14 0-1,-26-27 1,-582-105 15,330 66-15,-52-14-1,-54 28 1,-237-1 15,529 53-15,-186-14-1,199 14 1,-1508 67 15,1336-54-15,172 0 0,-40 13-1,-92 1 16,185-14-31,-93 14 16,-198 25 15,185-12 1,66-13-17,66-14 1,-66 0-1,-26 40 17,79-40-17,-13 27 17,26-14-1,27-26-16,0 0 17,13 14-1,-27-1 0,1 13-15,-14 1 15,14-14-15,-14 13-1,27-26 1,-14 0 15,14 14 0,0-14 1,0 0-17</inkml:trace>
+  <inkml:trace contextRef="#ctx0" brushRef="#br0">13282 1072 0,'0'13'16,"-27"13"31,-65 54-16,-67 12 0,40-39-15,13 0 15,119-53 63,93 13-79,13 27 1,93 0 15,-172-40 0</inkml:trace>
+  <inkml:trace contextRef="#ctx0" brushRef="#br0">20796 1455 0,'27'13'94,"-14"1"-78,0-1-1,0-13 1,0 26-1,1-12 1,-1-1 15,-13 0-15,13 40 0,0-13 15,-13-27-16,0 0 17,0 0-17,0 27 17,0-27 14,27-13-14,-14 0-17,14 0 1,-14 0 0,0 0-1,0 0 1,-13-26-1,13-14 17,-13 14-17,0-40 17,0 52-17,0-12 1,14-14 15,-14 27-15,0-14-1,0-12 1,0 26 15</inkml:trace>
+  <inkml:trace contextRef="#ctx0" brushRef="#br0">17039 3691 0,'0'-13'109,"26"13"-78,14 0-15,13 0 0,26 0-1,67 0 16,-106 0-15,13 0 0,66 0-1,0 0 17,-80 0-17,-25 0 1,25 0-1,14 0 1,79 0 0,-52 0 15,12 0 0,41 0 16,-94 0-31,1-14 15,-27 14 0</inkml:trace>
+  <inkml:trace contextRef="#ctx0" brushRef="#br0">20492 1839 0,'-13'0'15,"-1"0"1,-12 13 0,-1 0-1,-52 27 1,-212 145 15,198-132-15,-131 106 15,-1-27-15,-27 14-1,67-27 16,92-53-15,54-53 0,-27 40-1,66-40 32,-14-13-16,1 0-15,-27 53 0,27-40 15,-13 14-15,13-14-1,-54 27 1</inkml:trace>
+  <inkml:trace contextRef="#ctx0" brushRef="#br0">18785 2805 0,'-13'13'47,"-80"40"0,54-14-32,12-25 1,14-1-1,-80 53 17,41-40-17,25 1 17,40-27 77,172 0-93,-13 0 15,-92 0-16,-40 0 17,-14 0-17,-13 0 1,14 0 15</inkml:trace>
+  <inkml:trace contextRef="#ctx0" brushRef="#br0">12581 4551 0,'13'-13'78,"0"13"-46,0 0-17,27 0 17,-27 0-32,1 0 31,-1 0 31,-13 13-15,13 0-16,0 66 1,14-65-1,-14-1 0,-13 0 16,13 0-16,0-13 63,54-26-63,-1-67 1,-27 1-17,-12 52 16,-27 27 1</inkml:trace>
+  <inkml:trace contextRef="#ctx0" brushRef="#br0">13123 4511 0,'13'0'109,"14"0"-93,13 0 15,-14 0-15,14 0-1,-27 0 1,13 0 15,1 0 0,-14 0-15</inkml:trace>
+  <inkml:trace contextRef="#ctx0" brushRef="#br0">13269 4379 0,'0'13'109,"0"0"-93,-66 252 15,52-252-15,14 27-1</inkml:trace>
+  <inkml:trace contextRef="#ctx0" brushRef="#br0">13520 4392 0,'-13'13'125,"0"40"-109,-14-13 15,27-14-15,0 1-1,0-14 329,-13 0-328,0 14-1,13 12 1</inkml:trace>
+  <inkml:trace contextRef="#ctx0" brushRef="#br0">20703 4564 0,'40'-26'141,"0"-1"-110,-27 27-31,0 0 16,1 0 31,-1 0-32,0 0 1,0 0 31,0 0 78,-13 27-110,14 12 17,-14-25-17,13-1 1,0 26 0,-13-12 15,13-27-16,-13 13 17,0 0-1,27-13 266,-27-13-282,0 0 1,13-14 0,-13 1 15,0 0 0,0 12-15,13 1 15,-13-13 0,0 12-15,0 1 0,0-13-1,0 12 16,0-12 1,0 13 15,0 0-32</inkml:trace>
+  <inkml:trace contextRef="#ctx0" brushRef="#br0">21193 4551 0,'13'0'78,"53"13"-62,-39-13-16,12 0 16,1 0 15,-27 0 0</inkml:trace>
+  <inkml:trace contextRef="#ctx0" brushRef="#br0">21709 4432 0,'0'13'63,"0"0"-48,0 27 1,0-14 0,0 27-1,0-39 1,0 12-16,0-13 16</inkml:trace>
 </inkml:ink>
 </file>
 
@@ -231,7 +233,7 @@
           <inkml:channelProperty channel="T" name="resolution" value="1" units="1/dev"/>
         </inkml:channelProperties>
       </inkml:inkSource>
-      <inkml:timestamp xml:id="ts0" timeString="2025-03-19T15:28:30.674"/>
+      <inkml:timestamp xml:id="ts0" timeString="2025-03-19T15:28:30"/>
     </inkml:context>
     <inkml:brush xml:id="br0">
       <inkml:brushProperty name="width" value="0.05292" units="cm"/>
@@ -240,7 +242,7 @@
     </inkml:brush>
   </inkml:definitions>
   <inkml:trace contextRef="#ctx0" brushRef="#br0">21418 1707 0,'26'0'171,"-12"0"-155,-1 0 15,13 0-15,54 13 15,-54 0 0,-13-13-15,40 26 15,-26-26-15,39 27 15,-40-14 0,-13-13 16,1 13-31,-1-13 15,0 14-15,0-1 15,1-13-15,25 26 15,-25-12 0,12 12-15,0-13-1,-12 0 1,-1 1 31,27 12-16,26 27 0,-53-40 1,0-13-17,-13 14 1,66 38 0,-52-38 15,-1-1-16,27 40 17,-1 13-1,-39-40-15,40 1-1,-14 39 1,-12-26-1,12-1 1,-13-12 0,0-14-1,1 27 1,-1-27 15,-13 0 0,13 0-15,0 1 15</inkml:trace>
-  <inkml:trace contextRef="#ctx0" brushRef="#br0" timeOffset="1016.54">22370 2566 0,'40'14'109,"-27"12"-78,0-13-15,1 14 0,-1-27-1,-13 13 1,13-13 78,0-26-63,27-27-16,-40 26 1,40-65 15,-27 92 1</inkml:trace>
+  <inkml:trace contextRef="#ctx0" brushRef="#br0">22370 2566 0,'40'14'109,"-27"12"-78,0-13-15,1 14 0,-1-27-1,-13 13 1,13-13 78,0-26-63,27-27-16,-40 26 1,40-65 15,-27 92 1</inkml:trace>
 </inkml:ink>
 </file>
 
@@ -260,7 +262,7 @@
           <inkml:channelProperty channel="T" name="resolution" value="1" units="1/dev"/>
         </inkml:channelProperties>
       </inkml:inkSource>
-      <inkml:timestamp xml:id="ts0" timeString="2025-03-19T15:38:36.339"/>
+      <inkml:timestamp xml:id="ts0" timeString="2025-03-19T15:38:36"/>
     </inkml:context>
     <inkml:brush xml:id="br0">
       <inkml:brushProperty name="width" value="0.05292" units="cm"/>
@@ -269,14 +271,14 @@
     </inkml:brush>
   </inkml:definitions>
   <inkml:trace contextRef="#ctx0" brushRef="#br0">10266 2818 0,'0'13'172,"0"14"-156,0-1-1,13 0 32,-13-12-16,13 25 1,-13-12-1,13-27 266,40-53-250,27-13-16,-80 53 0,0-1 0,26 1 1</inkml:trace>
-  <inkml:trace contextRef="#ctx0" brushRef="#br0" timeOffset="1567.14">12343 2910 0,'13'0'141,"-13"14"-125,13-14-1,40 79 17,-40-66-17,0 0 16,-13 1-15,14-1 0,-14 0 15,13-13-31,-13 13 78,13-13 31,27-53-93,-14 14 15,-12 26-15,-1-27 0,0 27-1,-13-1 32</inkml:trace>
-  <inkml:trace contextRef="#ctx0" brushRef="#br0" timeOffset="3811.11">16258 2897 0,'14'27'234,"-1"26"-218,-13-27 15,0-13 0,13 0 16,-13 1-31,0-1 15,13-13 125,1-13-140,-1-1-1,13-38 17,14-1-1,-27 26 0</inkml:trace>
-  <inkml:trace contextRef="#ctx0" brushRef="#br0" timeOffset="4830.14">17661 2871 0,'13'26'78,"13"14"-47,-12-27-15,52 66 15,-66-65 0,0 12 0,13-26 16,0-26-15,1 12-32,-1 1 15,0-26-15,53-41 31,-39 27 1</inkml:trace>
-  <inkml:trace contextRef="#ctx0" brushRef="#br0" timeOffset="7109.82">21444 2858 0,'27'26'125,"-27"-13"-110,39 80 1,-12-67 15,-27-13-15,0 1 0,13-14 124,-13-14-124,27-38-1,12-15 1,-39 54 0,14 0-1,-14 0 1,0 0 15</inkml:trace>
-  <inkml:trace contextRef="#ctx0" brushRef="#br0" timeOffset="9614.98">23257 2831 0,'13'27'125,"-13"-14"-109,13 13 15,0-13-15,-13 14-1,14-14 1,12 0 297,-26 1-282,13-14 859,1-27-874,-1 1 0,0-14 15,0 40-15,-13-13-1,13 0 1,1 13-1,-14-27 1,13 14 15,-13 0-15,13 13 15</inkml:trace>
-  <inkml:trace contextRef="#ctx0" brushRef="#br0" timeOffset="17022.32">23071 4339 0,'0'0'0,"27"40"125,-14 0-109,27 39-1,-27-53 1,-13-12 0,13-1 15,1-26 63,25-54-79,-26 41 1,-13 13-1,27-53 1,-14 39 15</inkml:trace>
-  <inkml:trace contextRef="#ctx0" brushRef="#br0" timeOffset="18285.2">16801 4432 0,'13'0'47,"0"26"-16,1-13-15,-14 14 0,13-1-1,26 27 1,1 40-1,-27-53 1,1-40 31,12-40-16,40-53 0,-13 27-15,-26 40 0,-1-27-1,-13 26 1</inkml:trace>
-  <inkml:trace contextRef="#ctx0" brushRef="#br0" timeOffset="19657.43">11205 4286 0,'13'27'78,"14"26"-63,26 79 17,-53-106-17,26-12 17,-13-28 93,40-65-110,0 0 1,0 12 15,-27 28 0</inkml:trace>
+  <inkml:trace contextRef="#ctx0" brushRef="#br0">12343 2910 0,'13'0'141,"-13"14"-125,13-14-1,40 79 17,-40-66-17,0 0 16,-13 1-15,14-1 0,-14 0 15,13-13-31,-13 13 78,13-13 31,27-53-93,-14 14 15,-12 26-15,-1-27 0,0 27-1,-13-1 32</inkml:trace>
+  <inkml:trace contextRef="#ctx0" brushRef="#br0">16258 2897 0,'14'27'234,"-1"26"-218,-13-27 15,0-13 0,13 0 16,-13 1-31,0-1 15,13-13 125,1-13-140,-1-1-1,13-38 17,14-1-1,-27 26 0</inkml:trace>
+  <inkml:trace contextRef="#ctx0" brushRef="#br0">17661 2871 0,'13'26'78,"13"14"-47,-12-27-15,52 66 15,-66-65 0,0 12 0,13-26 16,0-26-15,1 12-32,-1 1 15,0-26-15,53-41 31,-39 27 1</inkml:trace>
+  <inkml:trace contextRef="#ctx0" brushRef="#br0">21444 2858 0,'27'26'125,"-27"-13"-110,39 80 1,-12-67 15,-27-13-15,0 1 0,13-14 124,-13-14-124,27-38-1,12-15 1,-39 54 0,14 0-1,-14 0 1,0 0 15</inkml:trace>
+  <inkml:trace contextRef="#ctx0" brushRef="#br0">23257 2831 0,'13'27'125,"-13"-14"-109,13 13 15,0-13-15,-13 14-1,14-14 1,12 0 297,-26 1-282,13-14 859,1-27-874,-1 1 0,0-14 15,0 40-15,-13-13-1,13 0 1,1 13-1,-14-27 1,13 14 15,-13 0-15,13 13 15</inkml:trace>
+  <inkml:trace contextRef="#ctx0" brushRef="#br0">23071 4339 0,'0'0'0,"27"40"125,-14 0-109,27 39-1,-27-53 1,-13-12 0,13-1 15,1-26 63,25-54-79,-26 41 1,-13 13-1,27-53 1,-14 39 15</inkml:trace>
+  <inkml:trace contextRef="#ctx0" brushRef="#br0">16801 4432 0,'13'0'47,"0"26"-16,1-13-15,-14 14 0,13-1-1,26 27 1,1 40-1,-27-53 1,1-40 31,12-40-16,40-53 0,-13 27-15,-26 40 0,-1-27-1,-13 26 1</inkml:trace>
+  <inkml:trace contextRef="#ctx0" brushRef="#br0">11205 4286 0,'13'27'78,"14"26"-63,26 79 17,-53-106-17,26-12 17,-13-28 93,40-65-110,0 0 1,0 12 15,-27 28 0</inkml:trace>
 </inkml:ink>
 </file>
 
@@ -296,7 +298,7 @@
           <inkml:channelProperty channel="T" name="resolution" value="1" units="1/dev"/>
         </inkml:channelProperties>
       </inkml:inkSource>
-      <inkml:timestamp xml:id="ts0" timeString="2025-03-19T15:52:24.136"/>
+      <inkml:timestamp xml:id="ts0" timeString="2025-03-19T15:52:24"/>
     </inkml:context>
     <inkml:brush xml:id="br0">
       <inkml:brushProperty name="width" value="0.05292" units="cm"/>
@@ -305,43 +307,43 @@
     </inkml:brush>
   </inkml:definitions>
   <inkml:trace contextRef="#ctx0" brushRef="#br0">3082 9856 0,'27'26'125,"12"93"-93,-25-92-17,12 12 17,27-65 77,40-67-93,-14 1 15,0-14 0,-65 93-31,38-67 31,-52 67 1</inkml:trace>
-  <inkml:trace contextRef="#ctx0" brushRef="#br0" timeOffset="993.02">3162 7871 0,'0'40'63,"13"-27"-47,-13 27-1,13 0 1,0-27 15,1-13-15,-1 0-1,0 0 17,13 0-1,-12 0-16,-1 0 17,0 0-1,0 0-15,27-53-1,-27 27 1,0-1-1,-13 14-15</inkml:trace>
-  <inkml:trace contextRef="#ctx0" brushRef="#br0" timeOffset="1994.13">3082 5940 0,'0'53'109,"27"132"-77,-1-145-1,14-40 0,-27 0-15,0 0-1,53-93 1,40-79 15,-93 132 1</inkml:trace>
-  <inkml:trace contextRef="#ctx0" brushRef="#br0" timeOffset="3080.73">3188 3876 0,'0'0'0,"0"-26"16,0-1 15,13 27 78,1 40-77,-1-27-17,26 40 17,-12-53-1,-14 0 0,80 0-15,-14-79-1,-52 52-15,-1-79 32,-13 53-32,-13 40 46</inkml:trace>
-  <inkml:trace contextRef="#ctx0" brushRef="#br0" timeOffset="3952.64">3175 1601 0,'0'26'78,"13"14"-62,0-27-1,-13 0 1,0 1-16,27 78 16,-14-65-16,0-27 31,0 0 16,1-14-32,25-25 1,54-94 0,-80 94-16,53-41 31,-52 67-16,25-13 1</inkml:trace>
-  <inkml:trace contextRef="#ctx0" brushRef="#br0" timeOffset="33283.1">4180 9141 0,'-26'14'78,"13"12"-63,-1 1 17,-105 92-1,53-14 16,53-91-47,-27 39 15,27-27 32,-40 27-16,27-27 1,12-12-32,-12 12 31,13-26-15</inkml:trace>
-  <inkml:trace contextRef="#ctx0" brushRef="#br0" timeOffset="33973.51">3797 9406 0,'-40'93'78,"-39"12"-47,65-65-15,14-27-16,0 1 31,0-1 16,27-13 47,79 0-78,118 26 15,-171-26 0,-53 13 63,-13 1-94</inkml:trace>
-  <inkml:trace contextRef="#ctx0" brushRef="#br0" timeOffset="34788.53">3598 10067 0,'13'14'31,"-13"-1"-31,106 93 31,-26-14-15,52 14-1,-26-13 17,-27-1-1,-39-39-16,13 27 1,-27-27 0,27-1 15</inkml:trace>
-  <inkml:trace contextRef="#ctx0" brushRef="#br0" timeOffset="35519.75">3625 10041 0,'0'26'16,"-40"107"15,0-1 0,27-79-15,0-40-16,13 14 15</inkml:trace>
-  <inkml:trace contextRef="#ctx0" brushRef="#br0" timeOffset="36058.32">3598 9869 0,'27'0'31,"12"26"0,-25-12-31,-1-1 16,0 0 15,0 0 0,0-13 47,14 40-46,-14-27-17,0-13 1,1 0-1,-1 13 17</inkml:trace>
-  <inkml:trace contextRef="#ctx0" brushRef="#br0" timeOffset="38788.91">3611 10054 0,'14'0'94,"-1"0"-94,27 0 16,26 0 15,-27 0 0,-25 13-15,12-13 15,-13 0 0,1 0-15,12 0 0,-13 0 15</inkml:trace>
-  <inkml:trace contextRef="#ctx0" brushRef="#br0" timeOffset="48756.13">4564 9274 0,'40'39'141,"26"27"-110,-66-52-16,13 12 1,27 27 0,-40-40 15,39 40-15,-25-26 15,-1-14-31,13 27 31,1-27 0,-27 0-15,13-13 0,-13 13-1,13-13 1,-13 14 15</inkml:trace>
-  <inkml:trace contextRef="#ctx0" brushRef="#br0" timeOffset="49527.93">4895 9512 0,'13'0'47,"0"0"-16,14 26 0,-1 1 1,-26-1-17,26 14 17,-12 0-17,-1-27 16,-13 0 1,-66-13 30,26 0-46,-79 0-1,79 13-15,-52-13 32,78 0-1,14 27 47,27-1-47</inkml:trace>
-  <inkml:trace contextRef="#ctx0" brushRef="#br0" timeOffset="50565.03">4696 10901 0,'13'-40'31,"67"-66"1,-27 53-32,92-158 31,-79 92 0,-26 53 0,-27 52-15,1 1 15,-1 0-31,-26 0 172,-1 13-172,-12 0 31,-173-14 1,160 14-17,78 0 126,-12 0-125,-1 0-16</inkml:trace>
-  <inkml:trace contextRef="#ctx0" brushRef="#br0" timeOffset="50878.39">5053 10253 0,'40'66'47,"39"66"-16,-52-92 1</inkml:trace>
-  <inkml:trace contextRef="#ctx0" brushRef="#br0" timeOffset="51786.35">6270 9128 0,'-13'0'16,"0"0"15,0 0-15,0 0-1,-27 27 1,27-14 0,-40 27-16,-40 26 31,-39 66 0,-14-13 0,133-93-15,-27 14 15,14-27 0,26 1-31,-13-14 16,13 13 47</inkml:trace>
-  <inkml:trace contextRef="#ctx0" brushRef="#br0" timeOffset="52577.46">5675 9459 0,'-13'0'16,"-27"53"15,1 13 1,12-13-1,14-13 0,0-14 0,52-26 79,133 0-63,-132 0-16</inkml:trace>
-  <inkml:trace contextRef="#ctx0" brushRef="#br0" timeOffset="53608.55">5530 10226 0,'13'13'78,"79"80"-47,54 13 1,-120-93-32,199 106 31,-198-92-16,-14-27 17,0 13-17,40 26 17,-40-39-17,27 53 16,-27-53 1,-26 0 46,-66 0-63</inkml:trace>
-  <inkml:trace contextRef="#ctx0" brushRef="#br0" timeOffset="54666.6">5516 10173 0,'0'27'63,"0"105"-32,0-26 0,0-93-15,0 0 0,0 1-1,0-1-15</inkml:trace>
-  <inkml:trace contextRef="#ctx0" brushRef="#br0" timeOffset="55055.52">5530 10107 0,'26'0'31,"14"0"-15,119 0-1,-120 0-15,41 0 31,-41 0 1</inkml:trace>
-  <inkml:trace contextRef="#ctx0" brushRef="#br0" timeOffset="80907.73">4021 225 0,'-26'0'47,"0"-13"-31,-14-14-1,13 14 1,-105-13 0,92 12-1,-65 14 1,52-13-16,0 13 15,-199-13 1,173 13-16,13 0 31,26 0-31,1 0 16,-120 0 15,146 0 0,-120 0-15,1 40-16,-14 26 31,107-53-15,12 0 0,-26 0-16,14 14 15,-67 26 16,40-14 1,26-25-1,27-1-15</inkml:trace>
-  <inkml:trace contextRef="#ctx0" brushRef="#br0" timeOffset="81507.83">2011 291 0,'-40'13'32,"27"1"-17,-27 25 1,27-12 15,0-27 16,26 0 0,66 13-32,-66-13 1,14 0 0,13 13-1,-27-13 1,13 0 0</inkml:trace>
-  <inkml:trace contextRef="#ctx0" brushRef="#br0" timeOffset="82176.53">1349 503 0,'13'0'16,"27"26"15,13 27 0,-27-13-15,-12-27 0,65 66-1,-66-79 17,-13-13 93</inkml:trace>
-  <inkml:trace contextRef="#ctx0" brushRef="#br0" timeOffset="82490.37">1574 503 0,'0'0'0,"-26"26"16,-54 27-1,54-40 1,-106 67-1,118-80-15,-39 39 32</inkml:trace>
-  <inkml:trace contextRef="#ctx0" brushRef="#br0" timeOffset="83688.11">1032 2434 0,'13'0'46,"13"13"-30,54 40 15,-67-26-31,80 79 32,-67-93-17</inkml:trace>
-  <inkml:trace contextRef="#ctx0" brushRef="#br0" timeOffset="83988.9">1257 2328 0,'-14'0'15,"-65"93"16,66-80-31,-14 27 16,1-27-16,-67 40 31,80-40-15</inkml:trace>
-  <inkml:trace contextRef="#ctx0" brushRef="#br0" timeOffset="85581.06">1283 4736 0,'53'13'94,"40"53"-63,12-13 0,-91-53 1</inkml:trace>
-  <inkml:trace contextRef="#ctx0" brushRef="#br0" timeOffset="85984.48">1521 4683 0,'-13'0'16,"-27"13"0,14 1-1,-27 12 1,53-13-16,-13 0 31,-14 14 0,14-14 1</inkml:trace>
-  <inkml:trace contextRef="#ctx0" brushRef="#br0" timeOffset="89223.93">1786 6562 0,'13'0'78,"0"13"-78,27 66 32,39 54-1,-65-120-15,-1 0-1,0-13 126</inkml:trace>
-  <inkml:trace contextRef="#ctx0" brushRef="#br0" timeOffset="89592.33">1892 6575 0,'-14'13'31,"28"-26"-31,-41 53 0,-39 26 31,40-53-31,12 27 16,-12-27-16,13 0 16,13 0 15</inkml:trace>
-  <inkml:trace contextRef="#ctx0" brushRef="#br0" timeOffset="91224.77">1733 8824 0,'26'26'110,"40"67"-95,-39-80 17,-27 0-1,0 1-31,13-14 16,14 13 46,-14 0-46,13 14 15</inkml:trace>
-  <inkml:trace contextRef="#ctx0" brushRef="#br0" timeOffset="91632.21">1997 8864 0,'-13'0'15,"0"26"1,0-26-16,-40 40 16,13-14-1,-26 14 1,-13 0 15,39-14-15,27-26 15</inkml:trace>
-  <inkml:trace contextRef="#ctx0" brushRef="#br0" timeOffset="94802.58">1640 10623 0,'0'0'0,"27"26"32,-1 14-17,80 53 16,-80-54 1,-12-25-32,-1-1 15,-13 0 1,13-13 0,-13 13 15,13-13 0</inkml:trace>
-  <inkml:trace contextRef="#ctx0" brushRef="#br0" timeOffset="95675.02">1878 10755 0,'0'-13'94,"0"0"-79,0 0 17,-26 13 15,-40 13-16,13 13-16,-53 40 17,66-39-1,27-1 0,-13-26-15,26 14-1</inkml:trace>
-  <inkml:trace contextRef="#ctx0" brushRef="#br0" timeOffset="100286.59">18931 410 0,'13'40'16,"27"13"-1,-1-14-15,1 1 32,26 39-17,-26-52 17</inkml:trace>
-  <inkml:trace contextRef="#ctx0" brushRef="#br0" timeOffset="100812.15">19182 489 0,'-13'0'31,"0"0"1,-93 67-17,0 52 1,66-66 15,40-27-15,-13 1-1,13-14-15,0 0 32</inkml:trace>
-  <inkml:trace contextRef="#ctx0" brushRef="#br0" timeOffset="101531.93">18878 2408 0,'0'-14'31,"40"41"0,12 39-15,81 93 15,-80-93 0,-40-66-31,-13-13 141</inkml:trace>
-  <inkml:trace contextRef="#ctx0" brushRef="#br0" timeOffset="101830.75">19129 2447 0,'-13'0'16,"-53"53"15,53-39-31,-40 25 31,39-26-15,-38 27 15</inkml:trace>
+  <inkml:trace contextRef="#ctx0" brushRef="#br0">3162 7871 0,'0'40'63,"13"-27"-47,-13 27-1,13 0 1,0-27 15,1-13-15,-1 0-1,0 0 17,13 0-1,-12 0-16,-1 0 17,0 0-1,0 0-15,27-53-1,-27 27 1,0-1-1,-13 14-15</inkml:trace>
+  <inkml:trace contextRef="#ctx0" brushRef="#br0">3082 5940 0,'0'53'109,"27"132"-77,-1-145-1,14-40 0,-27 0-15,0 0-1,53-93 1,40-79 15,-93 132 1</inkml:trace>
+  <inkml:trace contextRef="#ctx0" brushRef="#br0">3188 3876 0,'0'0'0,"0"-26"16,0-1 15,13 27 78,1 40-77,-1-27-17,26 40 17,-12-53-1,-14 0 0,80 0-15,-14-79-1,-52 52-15,-1-79 32,-13 53-32,-13 40 46</inkml:trace>
+  <inkml:trace contextRef="#ctx0" brushRef="#br0">3175 1601 0,'0'26'78,"13"14"-62,0-27-1,-13 0 1,0 1-16,27 78 16,-14-65-16,0-27 31,0 0 16,1-14-32,25-25 1,54-94 0,-80 94-16,53-41 31,-52 67-16,25-13 1</inkml:trace>
+  <inkml:trace contextRef="#ctx0" brushRef="#br0">4180 9141 0,'-26'14'78,"13"12"-63,-1 1 17,-105 92-1,53-14 16,53-91-47,-27 39 15,27-27 32,-40 27-16,27-27 1,12-12-32,-12 12 31,13-26-15</inkml:trace>
+  <inkml:trace contextRef="#ctx0" brushRef="#br0">3797 9406 0,'-40'93'78,"-39"12"-47,65-65-15,14-27-16,0 1 31,0-1 16,27-13 47,79 0-78,118 26 15,-171-26 0,-53 13 63,-13 1-94</inkml:trace>
+  <inkml:trace contextRef="#ctx0" brushRef="#br0">3598 10067 0,'13'14'31,"-13"-1"-31,106 93 31,-26-14-15,52 14-1,-26-13 17,-27-1-1,-39-39-16,13 27 1,-27-27 0,27-1 15</inkml:trace>
+  <inkml:trace contextRef="#ctx0" brushRef="#br0">3625 10041 0,'0'26'16,"-40"107"15,0-1 0,27-79-15,0-40-16,13 14 15</inkml:trace>
+  <inkml:trace contextRef="#ctx0" brushRef="#br0">3598 9869 0,'27'0'31,"12"26"0,-25-12-31,-1-1 16,0 0 15,0 0 0,0-13 47,14 40-46,-14-27-17,0-13 1,1 0-1,-1 13 17</inkml:trace>
+  <inkml:trace contextRef="#ctx0" brushRef="#br0">3611 10054 0,'14'0'94,"-1"0"-94,27 0 16,26 0 15,-27 0 0,-25 13-15,12-13 15,-13 0 0,1 0-15,12 0 0,-13 0 15</inkml:trace>
+  <inkml:trace contextRef="#ctx0" brushRef="#br0">4564 9274 0,'40'39'141,"26"27"-110,-66-52-16,13 12 1,27 27 0,-40-40 15,39 40-15,-25-26 15,-1-14-31,13 27 31,1-27 0,-27 0-15,13-13 0,-13 13-1,13-13 1,-13 14 15</inkml:trace>
+  <inkml:trace contextRef="#ctx0" brushRef="#br0">4895 9512 0,'13'0'47,"0"0"-16,14 26 0,-1 1 1,-26-1-17,26 14 17,-12 0-17,-1-27 16,-13 0 1,-66-13 30,26 0-46,-79 0-1,79 13-15,-52-13 32,78 0-1,14 27 47,27-1-47</inkml:trace>
+  <inkml:trace contextRef="#ctx0" brushRef="#br0">4696 10901 0,'13'-40'31,"67"-66"1,-27 53-32,92-158 31,-79 92 0,-26 53 0,-27 52-15,1 1 15,-1 0-31,-26 0 172,-1 13-172,-12 0 31,-173-14 1,160 14-17,78 0 126,-12 0-125,-1 0-16</inkml:trace>
+  <inkml:trace contextRef="#ctx0" brushRef="#br0">5053 10253 0,'40'66'47,"39"66"-16,-52-92 1</inkml:trace>
+  <inkml:trace contextRef="#ctx0" brushRef="#br0">6270 9128 0,'-13'0'16,"0"0"15,0 0-15,0 0-1,-27 27 1,27-14 0,-40 27-16,-40 26 31,-39 66 0,-14-13 0,133-93-15,-27 14 15,14-27 0,26 1-31,-13-14 16,13 13 47</inkml:trace>
+  <inkml:trace contextRef="#ctx0" brushRef="#br0">5675 9459 0,'-13'0'16,"-27"53"15,1 13 1,12-13-1,14-13 0,0-14 0,52-26 79,133 0-63,-132 0-16</inkml:trace>
+  <inkml:trace contextRef="#ctx0" brushRef="#br0">5530 10226 0,'13'13'78,"79"80"-47,54 13 1,-120-93-32,199 106 31,-198-92-16,-14-27 17,0 13-17,40 26 17,-40-39-17,27 53 16,-27-53 1,-26 0 46,-66 0-63</inkml:trace>
+  <inkml:trace contextRef="#ctx0" brushRef="#br0">5516 10173 0,'0'27'63,"0"105"-32,0-26 0,0-93-15,0 0 0,0 1-1,0-1-15</inkml:trace>
+  <inkml:trace contextRef="#ctx0" brushRef="#br0">5530 10107 0,'26'0'31,"14"0"-15,119 0-1,-120 0-15,41 0 31,-41 0 1</inkml:trace>
+  <inkml:trace contextRef="#ctx0" brushRef="#br0">4021 225 0,'-26'0'47,"0"-13"-31,-14-14-1,13 14 1,-105-13 0,92 12-1,-65 14 1,52-13-16,0 13 15,-199-13 1,173 13-16,13 0 31,26 0-31,1 0 16,-120 0 15,146 0 0,-120 0-15,1 40-16,-14 26 31,107-53-15,12 0 0,-26 0-16,14 14 15,-67 26 16,40-14 1,26-25-1,27-1-15</inkml:trace>
+  <inkml:trace contextRef="#ctx0" brushRef="#br0">2011 291 0,'-40'13'32,"27"1"-17,-27 25 1,27-12 15,0-27 16,26 0 0,66 13-32,-66-13 1,14 0 0,13 13-1,-27-13 1,13 0 0</inkml:trace>
+  <inkml:trace contextRef="#ctx0" brushRef="#br0">1349 503 0,'13'0'16,"27"26"15,13 27 0,-27-13-15,-12-27 0,65 66-1,-66-79 17,-13-13 93</inkml:trace>
+  <inkml:trace contextRef="#ctx0" brushRef="#br0">1574 503 0,'0'0'0,"-26"26"16,-54 27-1,54-40 1,-106 67-1,118-80-15,-39 39 32</inkml:trace>
+  <inkml:trace contextRef="#ctx0" brushRef="#br0">1032 2434 0,'13'0'46,"13"13"-30,54 40 15,-67-26-31,80 79 32,-67-93-17</inkml:trace>
+  <inkml:trace contextRef="#ctx0" brushRef="#br0">1257 2328 0,'-14'0'15,"-65"93"16,66-80-31,-14 27 16,1-27-16,-67 40 31,80-40-15</inkml:trace>
+  <inkml:trace contextRef="#ctx0" brushRef="#br0">1283 4736 0,'53'13'94,"40"53"-63,12-13 0,-91-53 1</inkml:trace>
+  <inkml:trace contextRef="#ctx0" brushRef="#br0">1521 4683 0,'-13'0'16,"-27"13"0,14 1-1,-27 12 1,53-13-16,-13 0 31,-14 14 0,14-14 1</inkml:trace>
+  <inkml:trace contextRef="#ctx0" brushRef="#br0">1786 6562 0,'13'0'78,"0"13"-78,27 66 32,39 54-1,-65-120-15,-1 0-1,0-13 126</inkml:trace>
+  <inkml:trace contextRef="#ctx0" brushRef="#br0">1892 6575 0,'-14'13'31,"28"-26"-31,-41 53 0,-39 26 31,40-53-31,12 27 16,-12-27-16,13 0 16,13 0 15</inkml:trace>
+  <inkml:trace contextRef="#ctx0" brushRef="#br0">1733 8824 0,'26'26'110,"40"67"-95,-39-80 17,-27 0-1,0 1-31,13-14 16,14 13 46,-14 0-46,13 14 15</inkml:trace>
+  <inkml:trace contextRef="#ctx0" brushRef="#br0">1997 8864 0,'-13'0'15,"0"26"1,0-26-16,-40 40 16,13-14-1,-26 14 1,-13 0 15,39-14-15,27-26 15</inkml:trace>
+  <inkml:trace contextRef="#ctx0" brushRef="#br0">1640 10623 0,'0'0'0,"27"26"32,-1 14-17,80 53 16,-80-54 1,-12-25-32,-1-1 15,-13 0 1,13-13 0,-13 13 15,13-13 0</inkml:trace>
+  <inkml:trace contextRef="#ctx0" brushRef="#br0">1878 10755 0,'0'-13'94,"0"0"-79,0 0 17,-26 13 15,-40 13-16,13 13-16,-53 40 17,66-39-1,27-1 0,-13-26-15,26 14-1</inkml:trace>
+  <inkml:trace contextRef="#ctx0" brushRef="#br0">18931 410 0,'13'40'16,"27"13"-1,-1-14-15,1 1 32,26 39-17,-26-52 17</inkml:trace>
+  <inkml:trace contextRef="#ctx0" brushRef="#br0">19182 489 0,'-13'0'31,"0"0"1,-93 67-17,0 52 1,66-66 15,40-27-15,-13 1-1,13-14-15,0 0 32</inkml:trace>
+  <inkml:trace contextRef="#ctx0" brushRef="#br0">18878 2408 0,'0'-14'31,"40"41"0,12 39-15,81 93 15,-80-93 0,-40-66-31,-13-13 141</inkml:trace>
+  <inkml:trace contextRef="#ctx0" brushRef="#br0">19129 2447 0,'-13'0'16,"-53"53"15,53-39-31,-40 25 31,39-26-15,-38 27 15</inkml:trace>
 </inkml:ink>
 </file>
 
@@ -427,7 +429,7 @@
           <a:p>
             <a:fld id="{CC4E2C19-A07B-48A9-B372-AF099A62855F}" type="datetimeFigureOut">
               <a:rPr lang="zh-CN" altLang="en-US" smtClean="0"/>
-              <a:t>2025/4/10</a:t>
+              <a:t>2025/4/17</a:t>
             </a:fld>
             <a:endParaRPr lang="zh-CN" altLang="en-US"/>
           </a:p>
@@ -592,11 +594,6 @@
         </p:txBody>
       </p:sp>
     </p:spTree>
-    <p:extLst>
-      <p:ext uri="{BB962C8B-B14F-4D97-AF65-F5344CB8AC3E}">
-        <p14:creationId xmlns:p14="http://schemas.microsoft.com/office/powerpoint/2010/main" val="1293763603"/>
-      </p:ext>
-    </p:extLst>
   </p:cSld>
   <p:clrMap bg1="lt1" tx1="dk1" bg2="lt2" tx2="dk2" accent1="accent1" accent2="accent2" accent3="accent3" accent4="accent4" accent5="accent5" accent6="accent6" hlink="hlink" folHlink="folHlink"/>
   <p:notesStyle>
@@ -769,13 +766,7 @@
       </p:grpSpPr>
       <p:sp>
         <p:nvSpPr>
-          <p:cNvPr id="2" name="标题 1">
-            <a:extLst>
-              <a:ext uri="{FF2B5EF4-FFF2-40B4-BE49-F238E27FC236}">
-                <a16:creationId xmlns:a16="http://schemas.microsoft.com/office/drawing/2014/main" id="{67D72A00-38EF-0DBF-F65A-65FFFCF64FF2}"/>
-              </a:ext>
-            </a:extLst>
-          </p:cNvPr>
+          <p:cNvPr id="2" name="标题 1"/>
           <p:cNvSpPr>
             <a:spLocks noGrp="1"/>
           </p:cNvSpPr>
@@ -806,13 +797,7 @@
       </p:sp>
       <p:sp>
         <p:nvSpPr>
-          <p:cNvPr id="3" name="副标题 2">
-            <a:extLst>
-              <a:ext uri="{FF2B5EF4-FFF2-40B4-BE49-F238E27FC236}">
-                <a16:creationId xmlns:a16="http://schemas.microsoft.com/office/drawing/2014/main" id="{DA376A2B-B069-7DE1-AB00-A702D0C52CD8}"/>
-              </a:ext>
-            </a:extLst>
-          </p:cNvPr>
+          <p:cNvPr id="3" name="副标题 2"/>
           <p:cNvSpPr>
             <a:spLocks noGrp="1"/>
           </p:cNvSpPr>
@@ -876,13 +861,7 @@
       </p:sp>
       <p:sp>
         <p:nvSpPr>
-          <p:cNvPr id="4" name="日期占位符 3">
-            <a:extLst>
-              <a:ext uri="{FF2B5EF4-FFF2-40B4-BE49-F238E27FC236}">
-                <a16:creationId xmlns:a16="http://schemas.microsoft.com/office/drawing/2014/main" id="{76FDE8B3-712E-F56A-D9BB-7D5BA46C05C1}"/>
-              </a:ext>
-            </a:extLst>
-          </p:cNvPr>
+          <p:cNvPr id="4" name="日期占位符 3"/>
           <p:cNvSpPr>
             <a:spLocks noGrp="1"/>
           </p:cNvSpPr>
@@ -897,7 +876,7 @@
           <a:p>
             <a:fld id="{7A8D2564-D4BD-4B39-9CF1-C628194E47CC}" type="datetimeFigureOut">
               <a:rPr lang="zh-CN" altLang="en-US" smtClean="0"/>
-              <a:t>2025/4/10</a:t>
+              <a:t>2025/4/17</a:t>
             </a:fld>
             <a:endParaRPr lang="zh-CN" altLang="en-US"/>
           </a:p>
@@ -905,13 +884,7 @@
       </p:sp>
       <p:sp>
         <p:nvSpPr>
-          <p:cNvPr id="5" name="页脚占位符 4">
-            <a:extLst>
-              <a:ext uri="{FF2B5EF4-FFF2-40B4-BE49-F238E27FC236}">
-                <a16:creationId xmlns:a16="http://schemas.microsoft.com/office/drawing/2014/main" id="{3098384A-4B0F-F07F-8308-C7CF25372C17}"/>
-              </a:ext>
-            </a:extLst>
-          </p:cNvPr>
+          <p:cNvPr id="5" name="页脚占位符 4"/>
           <p:cNvSpPr>
             <a:spLocks noGrp="1"/>
           </p:cNvSpPr>
@@ -930,13 +903,7 @@
       </p:sp>
       <p:sp>
         <p:nvSpPr>
-          <p:cNvPr id="6" name="灯片编号占位符 5">
-            <a:extLst>
-              <a:ext uri="{FF2B5EF4-FFF2-40B4-BE49-F238E27FC236}">
-                <a16:creationId xmlns:a16="http://schemas.microsoft.com/office/drawing/2014/main" id="{8FE98A87-1ED7-9690-91A3-BE2346FE2D0C}"/>
-              </a:ext>
-            </a:extLst>
-          </p:cNvPr>
+          <p:cNvPr id="6" name="灯片编号占位符 5"/>
           <p:cNvSpPr>
             <a:spLocks noGrp="1"/>
           </p:cNvSpPr>
@@ -958,11 +925,6 @@
         </p:txBody>
       </p:sp>
     </p:spTree>
-    <p:extLst>
-      <p:ext uri="{BB962C8B-B14F-4D97-AF65-F5344CB8AC3E}">
-        <p14:creationId xmlns:p14="http://schemas.microsoft.com/office/powerpoint/2010/main" val="226868358"/>
-      </p:ext>
-    </p:extLst>
   </p:cSld>
   <p:clrMapOvr>
     <a:masterClrMapping/>
@@ -989,13 +951,7 @@
       </p:grpSpPr>
       <p:sp>
         <p:nvSpPr>
-          <p:cNvPr id="2" name="标题 1">
-            <a:extLst>
-              <a:ext uri="{FF2B5EF4-FFF2-40B4-BE49-F238E27FC236}">
-                <a16:creationId xmlns:a16="http://schemas.microsoft.com/office/drawing/2014/main" id="{8C3117F7-5771-FED8-8208-4F649BAF212A}"/>
-              </a:ext>
-            </a:extLst>
-          </p:cNvPr>
+          <p:cNvPr id="2" name="标题 1"/>
           <p:cNvSpPr>
             <a:spLocks noGrp="1"/>
           </p:cNvSpPr>
@@ -1017,13 +973,7 @@
       </p:sp>
       <p:sp>
         <p:nvSpPr>
-          <p:cNvPr id="3" name="竖排文字占位符 2">
-            <a:extLst>
-              <a:ext uri="{FF2B5EF4-FFF2-40B4-BE49-F238E27FC236}">
-                <a16:creationId xmlns:a16="http://schemas.microsoft.com/office/drawing/2014/main" id="{BD1D9D18-C0D2-F4FC-FC59-D1E78FD013CE}"/>
-              </a:ext>
-            </a:extLst>
-          </p:cNvPr>
+          <p:cNvPr id="3" name="竖排文字占位符 2"/>
           <p:cNvSpPr>
             <a:spLocks noGrp="1"/>
           </p:cNvSpPr>
@@ -1074,13 +1024,7 @@
       </p:sp>
       <p:sp>
         <p:nvSpPr>
-          <p:cNvPr id="4" name="日期占位符 3">
-            <a:extLst>
-              <a:ext uri="{FF2B5EF4-FFF2-40B4-BE49-F238E27FC236}">
-                <a16:creationId xmlns:a16="http://schemas.microsoft.com/office/drawing/2014/main" id="{BF07C2FF-2587-C4F8-0625-31C1111547D9}"/>
-              </a:ext>
-            </a:extLst>
-          </p:cNvPr>
+          <p:cNvPr id="4" name="日期占位符 3"/>
           <p:cNvSpPr>
             <a:spLocks noGrp="1"/>
           </p:cNvSpPr>
@@ -1095,7 +1039,7 @@
           <a:p>
             <a:fld id="{7A8D2564-D4BD-4B39-9CF1-C628194E47CC}" type="datetimeFigureOut">
               <a:rPr lang="zh-CN" altLang="en-US" smtClean="0"/>
-              <a:t>2025/4/10</a:t>
+              <a:t>2025/4/17</a:t>
             </a:fld>
             <a:endParaRPr lang="zh-CN" altLang="en-US"/>
           </a:p>
@@ -1103,13 +1047,7 @@
       </p:sp>
       <p:sp>
         <p:nvSpPr>
-          <p:cNvPr id="5" name="页脚占位符 4">
-            <a:extLst>
-              <a:ext uri="{FF2B5EF4-FFF2-40B4-BE49-F238E27FC236}">
-                <a16:creationId xmlns:a16="http://schemas.microsoft.com/office/drawing/2014/main" id="{7B7712AE-9943-E945-DEA3-D73A1B416221}"/>
-              </a:ext>
-            </a:extLst>
-          </p:cNvPr>
+          <p:cNvPr id="5" name="页脚占位符 4"/>
           <p:cNvSpPr>
             <a:spLocks noGrp="1"/>
           </p:cNvSpPr>
@@ -1128,13 +1066,7 @@
       </p:sp>
       <p:sp>
         <p:nvSpPr>
-          <p:cNvPr id="6" name="灯片编号占位符 5">
-            <a:extLst>
-              <a:ext uri="{FF2B5EF4-FFF2-40B4-BE49-F238E27FC236}">
-                <a16:creationId xmlns:a16="http://schemas.microsoft.com/office/drawing/2014/main" id="{8AE4F9FE-B759-B784-488A-78A88A0B4B7E}"/>
-              </a:ext>
-            </a:extLst>
-          </p:cNvPr>
+          <p:cNvPr id="6" name="灯片编号占位符 5"/>
           <p:cNvSpPr>
             <a:spLocks noGrp="1"/>
           </p:cNvSpPr>
@@ -1156,11 +1088,6 @@
         </p:txBody>
       </p:sp>
     </p:spTree>
-    <p:extLst>
-      <p:ext uri="{BB962C8B-B14F-4D97-AF65-F5344CB8AC3E}">
-        <p14:creationId xmlns:p14="http://schemas.microsoft.com/office/powerpoint/2010/main" val="375026859"/>
-      </p:ext>
-    </p:extLst>
   </p:cSld>
   <p:clrMapOvr>
     <a:masterClrMapping/>
@@ -1187,13 +1114,7 @@
       </p:grpSpPr>
       <p:sp>
         <p:nvSpPr>
-          <p:cNvPr id="2" name="竖排标题 1">
-            <a:extLst>
-              <a:ext uri="{FF2B5EF4-FFF2-40B4-BE49-F238E27FC236}">
-                <a16:creationId xmlns:a16="http://schemas.microsoft.com/office/drawing/2014/main" id="{075900B8-CD46-CA92-FD56-7C11E612FCF4}"/>
-              </a:ext>
-            </a:extLst>
-          </p:cNvPr>
+          <p:cNvPr id="2" name="竖排标题 1"/>
           <p:cNvSpPr>
             <a:spLocks noGrp="1"/>
           </p:cNvSpPr>
@@ -1220,13 +1141,7 @@
       </p:sp>
       <p:sp>
         <p:nvSpPr>
-          <p:cNvPr id="3" name="竖排文字占位符 2">
-            <a:extLst>
-              <a:ext uri="{FF2B5EF4-FFF2-40B4-BE49-F238E27FC236}">
-                <a16:creationId xmlns:a16="http://schemas.microsoft.com/office/drawing/2014/main" id="{4CDA72D7-66F7-0D59-C3E5-F7580ACCC0D8}"/>
-              </a:ext>
-            </a:extLst>
-          </p:cNvPr>
+          <p:cNvPr id="3" name="竖排文字占位符 2"/>
           <p:cNvSpPr>
             <a:spLocks noGrp="1"/>
           </p:cNvSpPr>
@@ -1282,13 +1197,7 @@
       </p:sp>
       <p:sp>
         <p:nvSpPr>
-          <p:cNvPr id="4" name="日期占位符 3">
-            <a:extLst>
-              <a:ext uri="{FF2B5EF4-FFF2-40B4-BE49-F238E27FC236}">
-                <a16:creationId xmlns:a16="http://schemas.microsoft.com/office/drawing/2014/main" id="{F6E4F12C-F0BF-88B8-8BD2-6FDB039EA3D4}"/>
-              </a:ext>
-            </a:extLst>
-          </p:cNvPr>
+          <p:cNvPr id="4" name="日期占位符 3"/>
           <p:cNvSpPr>
             <a:spLocks noGrp="1"/>
           </p:cNvSpPr>
@@ -1303,7 +1212,7 @@
           <a:p>
             <a:fld id="{7A8D2564-D4BD-4B39-9CF1-C628194E47CC}" type="datetimeFigureOut">
               <a:rPr lang="zh-CN" altLang="en-US" smtClean="0"/>
-              <a:t>2025/4/10</a:t>
+              <a:t>2025/4/17</a:t>
             </a:fld>
             <a:endParaRPr lang="zh-CN" altLang="en-US"/>
           </a:p>
@@ -1311,13 +1220,7 @@
       </p:sp>
       <p:sp>
         <p:nvSpPr>
-          <p:cNvPr id="5" name="页脚占位符 4">
-            <a:extLst>
-              <a:ext uri="{FF2B5EF4-FFF2-40B4-BE49-F238E27FC236}">
-                <a16:creationId xmlns:a16="http://schemas.microsoft.com/office/drawing/2014/main" id="{55439C1A-3B96-B0FC-8621-B21314BC4D95}"/>
-              </a:ext>
-            </a:extLst>
-          </p:cNvPr>
+          <p:cNvPr id="5" name="页脚占位符 4"/>
           <p:cNvSpPr>
             <a:spLocks noGrp="1"/>
           </p:cNvSpPr>
@@ -1336,13 +1239,7 @@
       </p:sp>
       <p:sp>
         <p:nvSpPr>
-          <p:cNvPr id="6" name="灯片编号占位符 5">
-            <a:extLst>
-              <a:ext uri="{FF2B5EF4-FFF2-40B4-BE49-F238E27FC236}">
-                <a16:creationId xmlns:a16="http://schemas.microsoft.com/office/drawing/2014/main" id="{E1BD1D1E-5465-A860-39DD-2DC2AF57FBAD}"/>
-              </a:ext>
-            </a:extLst>
-          </p:cNvPr>
+          <p:cNvPr id="6" name="灯片编号占位符 5"/>
           <p:cNvSpPr>
             <a:spLocks noGrp="1"/>
           </p:cNvSpPr>
@@ -1364,11 +1261,6 @@
         </p:txBody>
       </p:sp>
     </p:spTree>
-    <p:extLst>
-      <p:ext uri="{BB962C8B-B14F-4D97-AF65-F5344CB8AC3E}">
-        <p14:creationId xmlns:p14="http://schemas.microsoft.com/office/powerpoint/2010/main" val="2126801647"/>
-      </p:ext>
-    </p:extLst>
   </p:cSld>
   <p:clrMapOvr>
     <a:masterClrMapping/>
@@ -1395,13 +1287,7 @@
       </p:grpSpPr>
       <p:sp>
         <p:nvSpPr>
-          <p:cNvPr id="2" name="标题 1">
-            <a:extLst>
-              <a:ext uri="{FF2B5EF4-FFF2-40B4-BE49-F238E27FC236}">
-                <a16:creationId xmlns:a16="http://schemas.microsoft.com/office/drawing/2014/main" id="{7C7B9E8E-4975-CBCC-BA5C-50B8E1E749D8}"/>
-              </a:ext>
-            </a:extLst>
-          </p:cNvPr>
+          <p:cNvPr id="2" name="标题 1"/>
           <p:cNvSpPr>
             <a:spLocks noGrp="1"/>
           </p:cNvSpPr>
@@ -1423,13 +1309,7 @@
       </p:sp>
       <p:sp>
         <p:nvSpPr>
-          <p:cNvPr id="3" name="内容占位符 2">
-            <a:extLst>
-              <a:ext uri="{FF2B5EF4-FFF2-40B4-BE49-F238E27FC236}">
-                <a16:creationId xmlns:a16="http://schemas.microsoft.com/office/drawing/2014/main" id="{1F2A5653-888F-811A-6CF1-6E43D5A16C75}"/>
-              </a:ext>
-            </a:extLst>
-          </p:cNvPr>
+          <p:cNvPr id="3" name="内容占位符 2"/>
           <p:cNvSpPr>
             <a:spLocks noGrp="1"/>
           </p:cNvSpPr>
@@ -1480,13 +1360,7 @@
       </p:sp>
       <p:sp>
         <p:nvSpPr>
-          <p:cNvPr id="4" name="日期占位符 3">
-            <a:extLst>
-              <a:ext uri="{FF2B5EF4-FFF2-40B4-BE49-F238E27FC236}">
-                <a16:creationId xmlns:a16="http://schemas.microsoft.com/office/drawing/2014/main" id="{C5BF8BFC-B000-B7C8-3066-F35C43797C60}"/>
-              </a:ext>
-            </a:extLst>
-          </p:cNvPr>
+          <p:cNvPr id="4" name="日期占位符 3"/>
           <p:cNvSpPr>
             <a:spLocks noGrp="1"/>
           </p:cNvSpPr>
@@ -1501,7 +1375,7 @@
           <a:p>
             <a:fld id="{7A8D2564-D4BD-4B39-9CF1-C628194E47CC}" type="datetimeFigureOut">
               <a:rPr lang="zh-CN" altLang="en-US" smtClean="0"/>
-              <a:t>2025/4/10</a:t>
+              <a:t>2025/4/17</a:t>
             </a:fld>
             <a:endParaRPr lang="zh-CN" altLang="en-US"/>
           </a:p>
@@ -1509,13 +1383,7 @@
       </p:sp>
       <p:sp>
         <p:nvSpPr>
-          <p:cNvPr id="5" name="页脚占位符 4">
-            <a:extLst>
-              <a:ext uri="{FF2B5EF4-FFF2-40B4-BE49-F238E27FC236}">
-                <a16:creationId xmlns:a16="http://schemas.microsoft.com/office/drawing/2014/main" id="{DB13D59F-47A2-CB84-A66A-6632CB234784}"/>
-              </a:ext>
-            </a:extLst>
-          </p:cNvPr>
+          <p:cNvPr id="5" name="页脚占位符 4"/>
           <p:cNvSpPr>
             <a:spLocks noGrp="1"/>
           </p:cNvSpPr>
@@ -1534,13 +1402,7 @@
       </p:sp>
       <p:sp>
         <p:nvSpPr>
-          <p:cNvPr id="6" name="灯片编号占位符 5">
-            <a:extLst>
-              <a:ext uri="{FF2B5EF4-FFF2-40B4-BE49-F238E27FC236}">
-                <a16:creationId xmlns:a16="http://schemas.microsoft.com/office/drawing/2014/main" id="{A86E2342-8D1E-0BD8-4AA6-CAD93FCFE283}"/>
-              </a:ext>
-            </a:extLst>
-          </p:cNvPr>
+          <p:cNvPr id="6" name="灯片编号占位符 5"/>
           <p:cNvSpPr>
             <a:spLocks noGrp="1"/>
           </p:cNvSpPr>
@@ -1562,11 +1424,6 @@
         </p:txBody>
       </p:sp>
     </p:spTree>
-    <p:extLst>
-      <p:ext uri="{BB962C8B-B14F-4D97-AF65-F5344CB8AC3E}">
-        <p14:creationId xmlns:p14="http://schemas.microsoft.com/office/powerpoint/2010/main" val="1544286472"/>
-      </p:ext>
-    </p:extLst>
   </p:cSld>
   <p:clrMapOvr>
     <a:masterClrMapping/>
@@ -1593,13 +1450,7 @@
       </p:grpSpPr>
       <p:sp>
         <p:nvSpPr>
-          <p:cNvPr id="2" name="标题 1">
-            <a:extLst>
-              <a:ext uri="{FF2B5EF4-FFF2-40B4-BE49-F238E27FC236}">
-                <a16:creationId xmlns:a16="http://schemas.microsoft.com/office/drawing/2014/main" id="{12812ABC-74D7-2468-67CB-7D94AFB8099F}"/>
-              </a:ext>
-            </a:extLst>
-          </p:cNvPr>
+          <p:cNvPr id="2" name="标题 1"/>
           <p:cNvSpPr>
             <a:spLocks noGrp="1"/>
           </p:cNvSpPr>
@@ -1630,13 +1481,7 @@
       </p:sp>
       <p:sp>
         <p:nvSpPr>
-          <p:cNvPr id="3" name="文本占位符 2">
-            <a:extLst>
-              <a:ext uri="{FF2B5EF4-FFF2-40B4-BE49-F238E27FC236}">
-                <a16:creationId xmlns:a16="http://schemas.microsoft.com/office/drawing/2014/main" id="{6C05527A-B085-9A80-9202-49B8AF8B5052}"/>
-              </a:ext>
-            </a:extLst>
-          </p:cNvPr>
+          <p:cNvPr id="3" name="文本占位符 2"/>
           <p:cNvSpPr>
             <a:spLocks noGrp="1"/>
           </p:cNvSpPr>
@@ -1755,13 +1600,7 @@
       </p:sp>
       <p:sp>
         <p:nvSpPr>
-          <p:cNvPr id="4" name="日期占位符 3">
-            <a:extLst>
-              <a:ext uri="{FF2B5EF4-FFF2-40B4-BE49-F238E27FC236}">
-                <a16:creationId xmlns:a16="http://schemas.microsoft.com/office/drawing/2014/main" id="{A1103DEF-4DC6-920B-4097-E529DE9CED9E}"/>
-              </a:ext>
-            </a:extLst>
-          </p:cNvPr>
+          <p:cNvPr id="4" name="日期占位符 3"/>
           <p:cNvSpPr>
             <a:spLocks noGrp="1"/>
           </p:cNvSpPr>
@@ -1776,7 +1615,7 @@
           <a:p>
             <a:fld id="{7A8D2564-D4BD-4B39-9CF1-C628194E47CC}" type="datetimeFigureOut">
               <a:rPr lang="zh-CN" altLang="en-US" smtClean="0"/>
-              <a:t>2025/4/10</a:t>
+              <a:t>2025/4/17</a:t>
             </a:fld>
             <a:endParaRPr lang="zh-CN" altLang="en-US"/>
           </a:p>
@@ -1784,13 +1623,7 @@
       </p:sp>
       <p:sp>
         <p:nvSpPr>
-          <p:cNvPr id="5" name="页脚占位符 4">
-            <a:extLst>
-              <a:ext uri="{FF2B5EF4-FFF2-40B4-BE49-F238E27FC236}">
-                <a16:creationId xmlns:a16="http://schemas.microsoft.com/office/drawing/2014/main" id="{66BC00EA-5583-FD97-A616-122909789085}"/>
-              </a:ext>
-            </a:extLst>
-          </p:cNvPr>
+          <p:cNvPr id="5" name="页脚占位符 4"/>
           <p:cNvSpPr>
             <a:spLocks noGrp="1"/>
           </p:cNvSpPr>
@@ -1809,13 +1642,7 @@
       </p:sp>
       <p:sp>
         <p:nvSpPr>
-          <p:cNvPr id="6" name="灯片编号占位符 5">
-            <a:extLst>
-              <a:ext uri="{FF2B5EF4-FFF2-40B4-BE49-F238E27FC236}">
-                <a16:creationId xmlns:a16="http://schemas.microsoft.com/office/drawing/2014/main" id="{23742FC6-AE90-280B-30D0-2112D9C023E9}"/>
-              </a:ext>
-            </a:extLst>
-          </p:cNvPr>
+          <p:cNvPr id="6" name="灯片编号占位符 5"/>
           <p:cNvSpPr>
             <a:spLocks noGrp="1"/>
           </p:cNvSpPr>
@@ -1837,11 +1664,6 @@
         </p:txBody>
       </p:sp>
     </p:spTree>
-    <p:extLst>
-      <p:ext uri="{BB962C8B-B14F-4D97-AF65-F5344CB8AC3E}">
-        <p14:creationId xmlns:p14="http://schemas.microsoft.com/office/powerpoint/2010/main" val="3113240154"/>
-      </p:ext>
-    </p:extLst>
   </p:cSld>
   <p:clrMapOvr>
     <a:masterClrMapping/>
@@ -1868,13 +1690,7 @@
       </p:grpSpPr>
       <p:sp>
         <p:nvSpPr>
-          <p:cNvPr id="2" name="标题 1">
-            <a:extLst>
-              <a:ext uri="{FF2B5EF4-FFF2-40B4-BE49-F238E27FC236}">
-                <a16:creationId xmlns:a16="http://schemas.microsoft.com/office/drawing/2014/main" id="{5D51E3ED-00AC-BE99-0F2E-91D714AA3439}"/>
-              </a:ext>
-            </a:extLst>
-          </p:cNvPr>
+          <p:cNvPr id="2" name="标题 1"/>
           <p:cNvSpPr>
             <a:spLocks noGrp="1"/>
           </p:cNvSpPr>
@@ -1896,13 +1712,7 @@
       </p:sp>
       <p:sp>
         <p:nvSpPr>
-          <p:cNvPr id="3" name="内容占位符 2">
-            <a:extLst>
-              <a:ext uri="{FF2B5EF4-FFF2-40B4-BE49-F238E27FC236}">
-                <a16:creationId xmlns:a16="http://schemas.microsoft.com/office/drawing/2014/main" id="{AEE86D7C-B5C8-3066-496B-C26C8599CC0D}"/>
-              </a:ext>
-            </a:extLst>
-          </p:cNvPr>
+          <p:cNvPr id="3" name="内容占位符 2"/>
           <p:cNvSpPr>
             <a:spLocks noGrp="1"/>
           </p:cNvSpPr>
@@ -1958,13 +1768,7 @@
       </p:sp>
       <p:sp>
         <p:nvSpPr>
-          <p:cNvPr id="4" name="内容占位符 3">
-            <a:extLst>
-              <a:ext uri="{FF2B5EF4-FFF2-40B4-BE49-F238E27FC236}">
-                <a16:creationId xmlns:a16="http://schemas.microsoft.com/office/drawing/2014/main" id="{2F459715-D121-97AF-7248-F54BA8D6570D}"/>
-              </a:ext>
-            </a:extLst>
-          </p:cNvPr>
+          <p:cNvPr id="4" name="内容占位符 3"/>
           <p:cNvSpPr>
             <a:spLocks noGrp="1"/>
           </p:cNvSpPr>
@@ -2020,13 +1824,7 @@
       </p:sp>
       <p:sp>
         <p:nvSpPr>
-          <p:cNvPr id="5" name="日期占位符 4">
-            <a:extLst>
-              <a:ext uri="{FF2B5EF4-FFF2-40B4-BE49-F238E27FC236}">
-                <a16:creationId xmlns:a16="http://schemas.microsoft.com/office/drawing/2014/main" id="{8C583394-880D-8167-88D1-6BD155EBFCBC}"/>
-              </a:ext>
-            </a:extLst>
-          </p:cNvPr>
+          <p:cNvPr id="5" name="日期占位符 4"/>
           <p:cNvSpPr>
             <a:spLocks noGrp="1"/>
           </p:cNvSpPr>
@@ -2041,7 +1839,7 @@
           <a:p>
             <a:fld id="{7A8D2564-D4BD-4B39-9CF1-C628194E47CC}" type="datetimeFigureOut">
               <a:rPr lang="zh-CN" altLang="en-US" smtClean="0"/>
-              <a:t>2025/4/10</a:t>
+              <a:t>2025/4/17</a:t>
             </a:fld>
             <a:endParaRPr lang="zh-CN" altLang="en-US"/>
           </a:p>
@@ -2049,13 +1847,7 @@
       </p:sp>
       <p:sp>
         <p:nvSpPr>
-          <p:cNvPr id="6" name="页脚占位符 5">
-            <a:extLst>
-              <a:ext uri="{FF2B5EF4-FFF2-40B4-BE49-F238E27FC236}">
-                <a16:creationId xmlns:a16="http://schemas.microsoft.com/office/drawing/2014/main" id="{C6D8F9A4-E8FD-CB18-5761-61CB8C6FEF92}"/>
-              </a:ext>
-            </a:extLst>
-          </p:cNvPr>
+          <p:cNvPr id="6" name="页脚占位符 5"/>
           <p:cNvSpPr>
             <a:spLocks noGrp="1"/>
           </p:cNvSpPr>
@@ -2074,13 +1866,7 @@
       </p:sp>
       <p:sp>
         <p:nvSpPr>
-          <p:cNvPr id="7" name="灯片编号占位符 6">
-            <a:extLst>
-              <a:ext uri="{FF2B5EF4-FFF2-40B4-BE49-F238E27FC236}">
-                <a16:creationId xmlns:a16="http://schemas.microsoft.com/office/drawing/2014/main" id="{757186B7-C2AD-66D9-DDFE-2F0C50E176BF}"/>
-              </a:ext>
-            </a:extLst>
-          </p:cNvPr>
+          <p:cNvPr id="7" name="灯片编号占位符 6"/>
           <p:cNvSpPr>
             <a:spLocks noGrp="1"/>
           </p:cNvSpPr>
@@ -2102,11 +1888,6 @@
         </p:txBody>
       </p:sp>
     </p:spTree>
-    <p:extLst>
-      <p:ext uri="{BB962C8B-B14F-4D97-AF65-F5344CB8AC3E}">
-        <p14:creationId xmlns:p14="http://schemas.microsoft.com/office/powerpoint/2010/main" val="4149984088"/>
-      </p:ext>
-    </p:extLst>
   </p:cSld>
   <p:clrMapOvr>
     <a:masterClrMapping/>
@@ -2133,13 +1914,7 @@
       </p:grpSpPr>
       <p:sp>
         <p:nvSpPr>
-          <p:cNvPr id="2" name="标题 1">
-            <a:extLst>
-              <a:ext uri="{FF2B5EF4-FFF2-40B4-BE49-F238E27FC236}">
-                <a16:creationId xmlns:a16="http://schemas.microsoft.com/office/drawing/2014/main" id="{BEE38A69-40FB-C474-F1FD-E309AA29C8CE}"/>
-              </a:ext>
-            </a:extLst>
-          </p:cNvPr>
+          <p:cNvPr id="2" name="标题 1"/>
           <p:cNvSpPr>
             <a:spLocks noGrp="1"/>
           </p:cNvSpPr>
@@ -2166,13 +1941,7 @@
       </p:sp>
       <p:sp>
         <p:nvSpPr>
-          <p:cNvPr id="3" name="文本占位符 2">
-            <a:extLst>
-              <a:ext uri="{FF2B5EF4-FFF2-40B4-BE49-F238E27FC236}">
-                <a16:creationId xmlns:a16="http://schemas.microsoft.com/office/drawing/2014/main" id="{05592670-4EFD-B585-8ECB-9524168D12D8}"/>
-              </a:ext>
-            </a:extLst>
-          </p:cNvPr>
+          <p:cNvPr id="3" name="文本占位符 2"/>
           <p:cNvSpPr>
             <a:spLocks noGrp="1"/>
           </p:cNvSpPr>
@@ -2237,13 +2006,7 @@
       </p:sp>
       <p:sp>
         <p:nvSpPr>
-          <p:cNvPr id="4" name="内容占位符 3">
-            <a:extLst>
-              <a:ext uri="{FF2B5EF4-FFF2-40B4-BE49-F238E27FC236}">
-                <a16:creationId xmlns:a16="http://schemas.microsoft.com/office/drawing/2014/main" id="{2511EF1C-3169-7BD9-1728-96F35C5A6B8F}"/>
-              </a:ext>
-            </a:extLst>
-          </p:cNvPr>
+          <p:cNvPr id="4" name="内容占位符 3"/>
           <p:cNvSpPr>
             <a:spLocks noGrp="1"/>
           </p:cNvSpPr>
@@ -2299,13 +2062,7 @@
       </p:sp>
       <p:sp>
         <p:nvSpPr>
-          <p:cNvPr id="5" name="文本占位符 4">
-            <a:extLst>
-              <a:ext uri="{FF2B5EF4-FFF2-40B4-BE49-F238E27FC236}">
-                <a16:creationId xmlns:a16="http://schemas.microsoft.com/office/drawing/2014/main" id="{367721AF-CE77-1DE5-2706-B130CE983E2C}"/>
-              </a:ext>
-            </a:extLst>
-          </p:cNvPr>
+          <p:cNvPr id="5" name="文本占位符 4"/>
           <p:cNvSpPr>
             <a:spLocks noGrp="1"/>
           </p:cNvSpPr>
@@ -2370,13 +2127,7 @@
       </p:sp>
       <p:sp>
         <p:nvSpPr>
-          <p:cNvPr id="6" name="内容占位符 5">
-            <a:extLst>
-              <a:ext uri="{FF2B5EF4-FFF2-40B4-BE49-F238E27FC236}">
-                <a16:creationId xmlns:a16="http://schemas.microsoft.com/office/drawing/2014/main" id="{EDB145E6-9E07-0637-C351-7C983CE149F9}"/>
-              </a:ext>
-            </a:extLst>
-          </p:cNvPr>
+          <p:cNvPr id="6" name="内容占位符 5"/>
           <p:cNvSpPr>
             <a:spLocks noGrp="1"/>
           </p:cNvSpPr>
@@ -2432,13 +2183,7 @@
       </p:sp>
       <p:sp>
         <p:nvSpPr>
-          <p:cNvPr id="7" name="日期占位符 6">
-            <a:extLst>
-              <a:ext uri="{FF2B5EF4-FFF2-40B4-BE49-F238E27FC236}">
-                <a16:creationId xmlns:a16="http://schemas.microsoft.com/office/drawing/2014/main" id="{F29A5AA8-08B1-68E0-1426-C2F8A6629BE9}"/>
-              </a:ext>
-            </a:extLst>
-          </p:cNvPr>
+          <p:cNvPr id="7" name="日期占位符 6"/>
           <p:cNvSpPr>
             <a:spLocks noGrp="1"/>
           </p:cNvSpPr>
@@ -2453,7 +2198,7 @@
           <a:p>
             <a:fld id="{7A8D2564-D4BD-4B39-9CF1-C628194E47CC}" type="datetimeFigureOut">
               <a:rPr lang="zh-CN" altLang="en-US" smtClean="0"/>
-              <a:t>2025/4/10</a:t>
+              <a:t>2025/4/17</a:t>
             </a:fld>
             <a:endParaRPr lang="zh-CN" altLang="en-US"/>
           </a:p>
@@ -2461,13 +2206,7 @@
       </p:sp>
       <p:sp>
         <p:nvSpPr>
-          <p:cNvPr id="8" name="页脚占位符 7">
-            <a:extLst>
-              <a:ext uri="{FF2B5EF4-FFF2-40B4-BE49-F238E27FC236}">
-                <a16:creationId xmlns:a16="http://schemas.microsoft.com/office/drawing/2014/main" id="{A6131183-3309-1A3D-9560-37E308CD2DBD}"/>
-              </a:ext>
-            </a:extLst>
-          </p:cNvPr>
+          <p:cNvPr id="8" name="页脚占位符 7"/>
           <p:cNvSpPr>
             <a:spLocks noGrp="1"/>
           </p:cNvSpPr>
@@ -2486,13 +2225,7 @@
       </p:sp>
       <p:sp>
         <p:nvSpPr>
-          <p:cNvPr id="9" name="灯片编号占位符 8">
-            <a:extLst>
-              <a:ext uri="{FF2B5EF4-FFF2-40B4-BE49-F238E27FC236}">
-                <a16:creationId xmlns:a16="http://schemas.microsoft.com/office/drawing/2014/main" id="{37FC34D4-3D8B-D205-5EBA-A472AB6E423C}"/>
-              </a:ext>
-            </a:extLst>
-          </p:cNvPr>
+          <p:cNvPr id="9" name="灯片编号占位符 8"/>
           <p:cNvSpPr>
             <a:spLocks noGrp="1"/>
           </p:cNvSpPr>
@@ -2514,11 +2247,6 @@
         </p:txBody>
       </p:sp>
     </p:spTree>
-    <p:extLst>
-      <p:ext uri="{BB962C8B-B14F-4D97-AF65-F5344CB8AC3E}">
-        <p14:creationId xmlns:p14="http://schemas.microsoft.com/office/powerpoint/2010/main" val="2044519728"/>
-      </p:ext>
-    </p:extLst>
   </p:cSld>
   <p:clrMapOvr>
     <a:masterClrMapping/>
@@ -2545,13 +2273,7 @@
       </p:grpSpPr>
       <p:sp>
         <p:nvSpPr>
-          <p:cNvPr id="2" name="标题 1">
-            <a:extLst>
-              <a:ext uri="{FF2B5EF4-FFF2-40B4-BE49-F238E27FC236}">
-                <a16:creationId xmlns:a16="http://schemas.microsoft.com/office/drawing/2014/main" id="{875F72EC-7C35-FA6E-A700-95DD97623C6D}"/>
-              </a:ext>
-            </a:extLst>
-          </p:cNvPr>
+          <p:cNvPr id="2" name="标题 1"/>
           <p:cNvSpPr>
             <a:spLocks noGrp="1"/>
           </p:cNvSpPr>
@@ -2573,13 +2295,7 @@
       </p:sp>
       <p:sp>
         <p:nvSpPr>
-          <p:cNvPr id="3" name="日期占位符 2">
-            <a:extLst>
-              <a:ext uri="{FF2B5EF4-FFF2-40B4-BE49-F238E27FC236}">
-                <a16:creationId xmlns:a16="http://schemas.microsoft.com/office/drawing/2014/main" id="{C4AEB245-3083-3027-292B-FD3F056AC2BD}"/>
-              </a:ext>
-            </a:extLst>
-          </p:cNvPr>
+          <p:cNvPr id="3" name="日期占位符 2"/>
           <p:cNvSpPr>
             <a:spLocks noGrp="1"/>
           </p:cNvSpPr>
@@ -2594,7 +2310,7 @@
           <a:p>
             <a:fld id="{7A8D2564-D4BD-4B39-9CF1-C628194E47CC}" type="datetimeFigureOut">
               <a:rPr lang="zh-CN" altLang="en-US" smtClean="0"/>
-              <a:t>2025/4/10</a:t>
+              <a:t>2025/4/17</a:t>
             </a:fld>
             <a:endParaRPr lang="zh-CN" altLang="en-US"/>
           </a:p>
@@ -2602,13 +2318,7 @@
       </p:sp>
       <p:sp>
         <p:nvSpPr>
-          <p:cNvPr id="4" name="页脚占位符 3">
-            <a:extLst>
-              <a:ext uri="{FF2B5EF4-FFF2-40B4-BE49-F238E27FC236}">
-                <a16:creationId xmlns:a16="http://schemas.microsoft.com/office/drawing/2014/main" id="{99F1B917-CF2B-9010-5824-C8299C9775B4}"/>
-              </a:ext>
-            </a:extLst>
-          </p:cNvPr>
+          <p:cNvPr id="4" name="页脚占位符 3"/>
           <p:cNvSpPr>
             <a:spLocks noGrp="1"/>
           </p:cNvSpPr>
@@ -2627,13 +2337,7 @@
       </p:sp>
       <p:sp>
         <p:nvSpPr>
-          <p:cNvPr id="5" name="灯片编号占位符 4">
-            <a:extLst>
-              <a:ext uri="{FF2B5EF4-FFF2-40B4-BE49-F238E27FC236}">
-                <a16:creationId xmlns:a16="http://schemas.microsoft.com/office/drawing/2014/main" id="{66EF564A-497F-1A46-74DD-2083943A587C}"/>
-              </a:ext>
-            </a:extLst>
-          </p:cNvPr>
+          <p:cNvPr id="5" name="灯片编号占位符 4"/>
           <p:cNvSpPr>
             <a:spLocks noGrp="1"/>
           </p:cNvSpPr>
@@ -2655,11 +2359,6 @@
         </p:txBody>
       </p:sp>
     </p:spTree>
-    <p:extLst>
-      <p:ext uri="{BB962C8B-B14F-4D97-AF65-F5344CB8AC3E}">
-        <p14:creationId xmlns:p14="http://schemas.microsoft.com/office/powerpoint/2010/main" val="929153224"/>
-      </p:ext>
-    </p:extLst>
   </p:cSld>
   <p:clrMapOvr>
     <a:masterClrMapping/>
@@ -2686,13 +2385,7 @@
       </p:grpSpPr>
       <p:sp>
         <p:nvSpPr>
-          <p:cNvPr id="2" name="日期占位符 1">
-            <a:extLst>
-              <a:ext uri="{FF2B5EF4-FFF2-40B4-BE49-F238E27FC236}">
-                <a16:creationId xmlns:a16="http://schemas.microsoft.com/office/drawing/2014/main" id="{4F07CBAF-4615-55EE-C128-B6EC408507F8}"/>
-              </a:ext>
-            </a:extLst>
-          </p:cNvPr>
+          <p:cNvPr id="2" name="日期占位符 1"/>
           <p:cNvSpPr>
             <a:spLocks noGrp="1"/>
           </p:cNvSpPr>
@@ -2707,7 +2400,7 @@
           <a:p>
             <a:fld id="{7A8D2564-D4BD-4B39-9CF1-C628194E47CC}" type="datetimeFigureOut">
               <a:rPr lang="zh-CN" altLang="en-US" smtClean="0"/>
-              <a:t>2025/4/10</a:t>
+              <a:t>2025/4/17</a:t>
             </a:fld>
             <a:endParaRPr lang="zh-CN" altLang="en-US"/>
           </a:p>
@@ -2715,13 +2408,7 @@
       </p:sp>
       <p:sp>
         <p:nvSpPr>
-          <p:cNvPr id="3" name="页脚占位符 2">
-            <a:extLst>
-              <a:ext uri="{FF2B5EF4-FFF2-40B4-BE49-F238E27FC236}">
-                <a16:creationId xmlns:a16="http://schemas.microsoft.com/office/drawing/2014/main" id="{EF85DBEF-CC77-5063-985F-D65E608A5686}"/>
-              </a:ext>
-            </a:extLst>
-          </p:cNvPr>
+          <p:cNvPr id="3" name="页脚占位符 2"/>
           <p:cNvSpPr>
             <a:spLocks noGrp="1"/>
           </p:cNvSpPr>
@@ -2740,13 +2427,7 @@
       </p:sp>
       <p:sp>
         <p:nvSpPr>
-          <p:cNvPr id="4" name="灯片编号占位符 3">
-            <a:extLst>
-              <a:ext uri="{FF2B5EF4-FFF2-40B4-BE49-F238E27FC236}">
-                <a16:creationId xmlns:a16="http://schemas.microsoft.com/office/drawing/2014/main" id="{93E641A7-D376-94F7-1F67-BD344D1572C4}"/>
-              </a:ext>
-            </a:extLst>
-          </p:cNvPr>
+          <p:cNvPr id="4" name="灯片编号占位符 3"/>
           <p:cNvSpPr>
             <a:spLocks noGrp="1"/>
           </p:cNvSpPr>
@@ -2768,11 +2449,6 @@
         </p:txBody>
       </p:sp>
     </p:spTree>
-    <p:extLst>
-      <p:ext uri="{BB962C8B-B14F-4D97-AF65-F5344CB8AC3E}">
-        <p14:creationId xmlns:p14="http://schemas.microsoft.com/office/powerpoint/2010/main" val="1224221518"/>
-      </p:ext>
-    </p:extLst>
   </p:cSld>
   <p:clrMapOvr>
     <a:masterClrMapping/>
@@ -2799,13 +2475,7 @@
       </p:grpSpPr>
       <p:sp>
         <p:nvSpPr>
-          <p:cNvPr id="2" name="标题 1">
-            <a:extLst>
-              <a:ext uri="{FF2B5EF4-FFF2-40B4-BE49-F238E27FC236}">
-                <a16:creationId xmlns:a16="http://schemas.microsoft.com/office/drawing/2014/main" id="{7898958A-9BBE-06D1-AF90-18EFC604243A}"/>
-              </a:ext>
-            </a:extLst>
-          </p:cNvPr>
+          <p:cNvPr id="2" name="标题 1"/>
           <p:cNvSpPr>
             <a:spLocks noGrp="1"/>
           </p:cNvSpPr>
@@ -2836,13 +2506,7 @@
       </p:sp>
       <p:sp>
         <p:nvSpPr>
-          <p:cNvPr id="3" name="内容占位符 2">
-            <a:extLst>
-              <a:ext uri="{FF2B5EF4-FFF2-40B4-BE49-F238E27FC236}">
-                <a16:creationId xmlns:a16="http://schemas.microsoft.com/office/drawing/2014/main" id="{04C76CB1-07C1-4C97-2F97-3E161F4FB8F0}"/>
-              </a:ext>
-            </a:extLst>
-          </p:cNvPr>
+          <p:cNvPr id="3" name="内容占位符 2"/>
           <p:cNvSpPr>
             <a:spLocks noGrp="1"/>
           </p:cNvSpPr>
@@ -2926,13 +2590,7 @@
       </p:sp>
       <p:sp>
         <p:nvSpPr>
-          <p:cNvPr id="4" name="文本占位符 3">
-            <a:extLst>
-              <a:ext uri="{FF2B5EF4-FFF2-40B4-BE49-F238E27FC236}">
-                <a16:creationId xmlns:a16="http://schemas.microsoft.com/office/drawing/2014/main" id="{C7DC7A1A-09B4-B04C-0DEF-448794541CBD}"/>
-              </a:ext>
-            </a:extLst>
-          </p:cNvPr>
+          <p:cNvPr id="4" name="文本占位符 3"/>
           <p:cNvSpPr>
             <a:spLocks noGrp="1"/>
           </p:cNvSpPr>
@@ -2997,13 +2655,7 @@
       </p:sp>
       <p:sp>
         <p:nvSpPr>
-          <p:cNvPr id="5" name="日期占位符 4">
-            <a:extLst>
-              <a:ext uri="{FF2B5EF4-FFF2-40B4-BE49-F238E27FC236}">
-                <a16:creationId xmlns:a16="http://schemas.microsoft.com/office/drawing/2014/main" id="{3D56A0AF-3BBA-EFE0-5154-6B24651D0E5A}"/>
-              </a:ext>
-            </a:extLst>
-          </p:cNvPr>
+          <p:cNvPr id="5" name="日期占位符 4"/>
           <p:cNvSpPr>
             <a:spLocks noGrp="1"/>
           </p:cNvSpPr>
@@ -3018,7 +2670,7 @@
           <a:p>
             <a:fld id="{7A8D2564-D4BD-4B39-9CF1-C628194E47CC}" type="datetimeFigureOut">
               <a:rPr lang="zh-CN" altLang="en-US" smtClean="0"/>
-              <a:t>2025/4/10</a:t>
+              <a:t>2025/4/17</a:t>
             </a:fld>
             <a:endParaRPr lang="zh-CN" altLang="en-US"/>
           </a:p>
@@ -3026,13 +2678,7 @@
       </p:sp>
       <p:sp>
         <p:nvSpPr>
-          <p:cNvPr id="6" name="页脚占位符 5">
-            <a:extLst>
-              <a:ext uri="{FF2B5EF4-FFF2-40B4-BE49-F238E27FC236}">
-                <a16:creationId xmlns:a16="http://schemas.microsoft.com/office/drawing/2014/main" id="{C6298B06-1C77-CCDE-3AA1-712E1663F666}"/>
-              </a:ext>
-            </a:extLst>
-          </p:cNvPr>
+          <p:cNvPr id="6" name="页脚占位符 5"/>
           <p:cNvSpPr>
             <a:spLocks noGrp="1"/>
           </p:cNvSpPr>
@@ -3051,13 +2697,7 @@
       </p:sp>
       <p:sp>
         <p:nvSpPr>
-          <p:cNvPr id="7" name="灯片编号占位符 6">
-            <a:extLst>
-              <a:ext uri="{FF2B5EF4-FFF2-40B4-BE49-F238E27FC236}">
-                <a16:creationId xmlns:a16="http://schemas.microsoft.com/office/drawing/2014/main" id="{E2032412-36ED-C327-6550-BECF39406037}"/>
-              </a:ext>
-            </a:extLst>
-          </p:cNvPr>
+          <p:cNvPr id="7" name="灯片编号占位符 6"/>
           <p:cNvSpPr>
             <a:spLocks noGrp="1"/>
           </p:cNvSpPr>
@@ -3079,11 +2719,6 @@
         </p:txBody>
       </p:sp>
     </p:spTree>
-    <p:extLst>
-      <p:ext uri="{BB962C8B-B14F-4D97-AF65-F5344CB8AC3E}">
-        <p14:creationId xmlns:p14="http://schemas.microsoft.com/office/powerpoint/2010/main" val="3032363626"/>
-      </p:ext>
-    </p:extLst>
   </p:cSld>
   <p:clrMapOvr>
     <a:masterClrMapping/>
@@ -3110,13 +2745,7 @@
       </p:grpSpPr>
       <p:sp>
         <p:nvSpPr>
-          <p:cNvPr id="2" name="标题 1">
-            <a:extLst>
-              <a:ext uri="{FF2B5EF4-FFF2-40B4-BE49-F238E27FC236}">
-                <a16:creationId xmlns:a16="http://schemas.microsoft.com/office/drawing/2014/main" id="{DF4D1909-2801-DB19-BE4C-3545A8951B93}"/>
-              </a:ext>
-            </a:extLst>
-          </p:cNvPr>
+          <p:cNvPr id="2" name="标题 1"/>
           <p:cNvSpPr>
             <a:spLocks noGrp="1"/>
           </p:cNvSpPr>
@@ -3147,13 +2776,7 @@
       </p:sp>
       <p:sp>
         <p:nvSpPr>
-          <p:cNvPr id="3" name="图片占位符 2">
-            <a:extLst>
-              <a:ext uri="{FF2B5EF4-FFF2-40B4-BE49-F238E27FC236}">
-                <a16:creationId xmlns:a16="http://schemas.microsoft.com/office/drawing/2014/main" id="{9C98A710-F925-AC01-A3F2-372859321420}"/>
-              </a:ext>
-            </a:extLst>
-          </p:cNvPr>
+          <p:cNvPr id="3" name="图片占位符 2"/>
           <p:cNvSpPr>
             <a:spLocks noGrp="1"/>
           </p:cNvSpPr>
@@ -3214,13 +2837,7 @@
       </p:sp>
       <p:sp>
         <p:nvSpPr>
-          <p:cNvPr id="4" name="文本占位符 3">
-            <a:extLst>
-              <a:ext uri="{FF2B5EF4-FFF2-40B4-BE49-F238E27FC236}">
-                <a16:creationId xmlns:a16="http://schemas.microsoft.com/office/drawing/2014/main" id="{9FF4ADE7-5DBE-974D-4D99-4980F82B03C3}"/>
-              </a:ext>
-            </a:extLst>
-          </p:cNvPr>
+          <p:cNvPr id="4" name="文本占位符 3"/>
           <p:cNvSpPr>
             <a:spLocks noGrp="1"/>
           </p:cNvSpPr>
@@ -3285,13 +2902,7 @@
       </p:sp>
       <p:sp>
         <p:nvSpPr>
-          <p:cNvPr id="5" name="日期占位符 4">
-            <a:extLst>
-              <a:ext uri="{FF2B5EF4-FFF2-40B4-BE49-F238E27FC236}">
-                <a16:creationId xmlns:a16="http://schemas.microsoft.com/office/drawing/2014/main" id="{669D1021-85B3-C1E0-5557-AD525BAD6B69}"/>
-              </a:ext>
-            </a:extLst>
-          </p:cNvPr>
+          <p:cNvPr id="5" name="日期占位符 4"/>
           <p:cNvSpPr>
             <a:spLocks noGrp="1"/>
           </p:cNvSpPr>
@@ -3306,7 +2917,7 @@
           <a:p>
             <a:fld id="{7A8D2564-D4BD-4B39-9CF1-C628194E47CC}" type="datetimeFigureOut">
               <a:rPr lang="zh-CN" altLang="en-US" smtClean="0"/>
-              <a:t>2025/4/10</a:t>
+              <a:t>2025/4/17</a:t>
             </a:fld>
             <a:endParaRPr lang="zh-CN" altLang="en-US"/>
           </a:p>
@@ -3314,13 +2925,7 @@
       </p:sp>
       <p:sp>
         <p:nvSpPr>
-          <p:cNvPr id="6" name="页脚占位符 5">
-            <a:extLst>
-              <a:ext uri="{FF2B5EF4-FFF2-40B4-BE49-F238E27FC236}">
-                <a16:creationId xmlns:a16="http://schemas.microsoft.com/office/drawing/2014/main" id="{AC7F558D-68C2-7365-30DE-9BD8AB7E59DF}"/>
-              </a:ext>
-            </a:extLst>
-          </p:cNvPr>
+          <p:cNvPr id="6" name="页脚占位符 5"/>
           <p:cNvSpPr>
             <a:spLocks noGrp="1"/>
           </p:cNvSpPr>
@@ -3339,13 +2944,7 @@
       </p:sp>
       <p:sp>
         <p:nvSpPr>
-          <p:cNvPr id="7" name="灯片编号占位符 6">
-            <a:extLst>
-              <a:ext uri="{FF2B5EF4-FFF2-40B4-BE49-F238E27FC236}">
-                <a16:creationId xmlns:a16="http://schemas.microsoft.com/office/drawing/2014/main" id="{2CF7AE6E-1372-0527-5555-E6EE6A3EDD97}"/>
-              </a:ext>
-            </a:extLst>
-          </p:cNvPr>
+          <p:cNvPr id="7" name="灯片编号占位符 6"/>
           <p:cNvSpPr>
             <a:spLocks noGrp="1"/>
           </p:cNvSpPr>
@@ -3367,11 +2966,6 @@
         </p:txBody>
       </p:sp>
     </p:spTree>
-    <p:extLst>
-      <p:ext uri="{BB962C8B-B14F-4D97-AF65-F5344CB8AC3E}">
-        <p14:creationId xmlns:p14="http://schemas.microsoft.com/office/powerpoint/2010/main" val="1343432156"/>
-      </p:ext>
-    </p:extLst>
   </p:cSld>
   <p:clrMapOvr>
     <a:masterClrMapping/>
@@ -3403,13 +2997,7 @@
       </p:grpSpPr>
       <p:sp>
         <p:nvSpPr>
-          <p:cNvPr id="2" name="标题占位符 1">
-            <a:extLst>
-              <a:ext uri="{FF2B5EF4-FFF2-40B4-BE49-F238E27FC236}">
-                <a16:creationId xmlns:a16="http://schemas.microsoft.com/office/drawing/2014/main" id="{02A3606C-036E-8297-F942-E3EB9D9E4CCA}"/>
-              </a:ext>
-            </a:extLst>
-          </p:cNvPr>
+          <p:cNvPr id="2" name="标题占位符 1"/>
           <p:cNvSpPr>
             <a:spLocks noGrp="1"/>
           </p:cNvSpPr>
@@ -3441,13 +3029,7 @@
       </p:sp>
       <p:sp>
         <p:nvSpPr>
-          <p:cNvPr id="3" name="文本占位符 2">
-            <a:extLst>
-              <a:ext uri="{FF2B5EF4-FFF2-40B4-BE49-F238E27FC236}">
-                <a16:creationId xmlns:a16="http://schemas.microsoft.com/office/drawing/2014/main" id="{FC1F8335-B607-0F02-00E5-B1FE7EFFC1C8}"/>
-              </a:ext>
-            </a:extLst>
-          </p:cNvPr>
+          <p:cNvPr id="3" name="文本占位符 2"/>
           <p:cNvSpPr>
             <a:spLocks noGrp="1"/>
           </p:cNvSpPr>
@@ -3508,13 +3090,7 @@
       </p:sp>
       <p:sp>
         <p:nvSpPr>
-          <p:cNvPr id="4" name="日期占位符 3">
-            <a:extLst>
-              <a:ext uri="{FF2B5EF4-FFF2-40B4-BE49-F238E27FC236}">
-                <a16:creationId xmlns:a16="http://schemas.microsoft.com/office/drawing/2014/main" id="{D2C384DE-89E7-B740-8D14-2E4D60381D34}"/>
-              </a:ext>
-            </a:extLst>
-          </p:cNvPr>
+          <p:cNvPr id="4" name="日期占位符 3"/>
           <p:cNvSpPr>
             <a:spLocks noGrp="1"/>
           </p:cNvSpPr>
@@ -3547,7 +3123,7 @@
           <a:p>
             <a:fld id="{7A8D2564-D4BD-4B39-9CF1-C628194E47CC}" type="datetimeFigureOut">
               <a:rPr lang="zh-CN" altLang="en-US" smtClean="0"/>
-              <a:t>2025/4/10</a:t>
+              <a:t>2025/4/17</a:t>
             </a:fld>
             <a:endParaRPr lang="zh-CN" altLang="en-US"/>
           </a:p>
@@ -3555,13 +3131,7 @@
       </p:sp>
       <p:sp>
         <p:nvSpPr>
-          <p:cNvPr id="5" name="页脚占位符 4">
-            <a:extLst>
-              <a:ext uri="{FF2B5EF4-FFF2-40B4-BE49-F238E27FC236}">
-                <a16:creationId xmlns:a16="http://schemas.microsoft.com/office/drawing/2014/main" id="{3599A5AC-17D2-B8FE-4D33-9420D9D25E00}"/>
-              </a:ext>
-            </a:extLst>
-          </p:cNvPr>
+          <p:cNvPr id="5" name="页脚占位符 4"/>
           <p:cNvSpPr>
             <a:spLocks noGrp="1"/>
           </p:cNvSpPr>
@@ -3598,13 +3168,7 @@
       </p:sp>
       <p:sp>
         <p:nvSpPr>
-          <p:cNvPr id="6" name="灯片编号占位符 5">
-            <a:extLst>
-              <a:ext uri="{FF2B5EF4-FFF2-40B4-BE49-F238E27FC236}">
-                <a16:creationId xmlns:a16="http://schemas.microsoft.com/office/drawing/2014/main" id="{4F0B9FCD-C805-7278-1191-99FB0F282429}"/>
-              </a:ext>
-            </a:extLst>
-          </p:cNvPr>
+          <p:cNvPr id="6" name="灯片编号占位符 5"/>
           <p:cNvSpPr>
             <a:spLocks noGrp="1"/>
           </p:cNvSpPr>
@@ -3644,11 +3208,6 @@
         </p:txBody>
       </p:sp>
     </p:spTree>
-    <p:extLst>
-      <p:ext uri="{BB962C8B-B14F-4D97-AF65-F5344CB8AC3E}">
-        <p14:creationId xmlns:p14="http://schemas.microsoft.com/office/powerpoint/2010/main" val="169896082"/>
-      </p:ext>
-    </p:extLst>
   </p:cSld>
   <p:clrMap bg1="lt1" tx1="dk1" bg2="lt2" tx2="dk2" accent1="accent1" accent2="accent2" accent3="accent3" accent4="accent4" accent5="accent5" accent6="accent6" hlink="hlink" folHlink="folHlink"/>
   <p:sldLayoutIdLst>
@@ -3966,13 +3525,7 @@
       </p:grpSpPr>
       <p:pic>
         <p:nvPicPr>
-          <p:cNvPr id="5" name="图片 4">
-            <a:extLst>
-              <a:ext uri="{FF2B5EF4-FFF2-40B4-BE49-F238E27FC236}">
-                <a16:creationId xmlns:a16="http://schemas.microsoft.com/office/drawing/2014/main" id="{8D81757F-2051-B42E-E42B-F19F2161C883}"/>
-              </a:ext>
-            </a:extLst>
-          </p:cNvPr>
+          <p:cNvPr id="5" name="图片 4"/>
           <p:cNvPicPr>
             <a:picLocks noChangeAspect="1"/>
           </p:cNvPicPr>
@@ -3995,11 +3548,6 @@
         </p:spPr>
       </p:pic>
     </p:spTree>
-    <p:extLst>
-      <p:ext uri="{BB962C8B-B14F-4D97-AF65-F5344CB8AC3E}">
-        <p14:creationId xmlns:p14="http://schemas.microsoft.com/office/powerpoint/2010/main" val="2471941912"/>
-      </p:ext>
-    </p:extLst>
   </p:cSld>
   <p:clrMapOvr>
     <a:masterClrMapping/>
@@ -4026,13 +3574,7 @@
       </p:grpSpPr>
       <p:pic>
         <p:nvPicPr>
-          <p:cNvPr id="30" name="图片 29" descr="日历&#10;&#10;AI 生成的内容可能不正确。">
-            <a:extLst>
-              <a:ext uri="{FF2B5EF4-FFF2-40B4-BE49-F238E27FC236}">
-                <a16:creationId xmlns:a16="http://schemas.microsoft.com/office/drawing/2014/main" id="{48A5E5A2-EB0A-1BFA-E641-830A6AE9C710}"/>
-              </a:ext>
-            </a:extLst>
-          </p:cNvPr>
+          <p:cNvPr id="30" name="图片 29" descr="日历&#10;&#10;AI 生成的内容可能不正确。"/>
           <p:cNvPicPr>
             <a:picLocks noChangeAspect="1"/>
           </p:cNvPicPr>
@@ -4062,13 +3604,7 @@
       </p:pic>
       <p:sp>
         <p:nvSpPr>
-          <p:cNvPr id="31" name="矩形 30">
-            <a:extLst>
-              <a:ext uri="{FF2B5EF4-FFF2-40B4-BE49-F238E27FC236}">
-                <a16:creationId xmlns:a16="http://schemas.microsoft.com/office/drawing/2014/main" id="{C6CCE9F9-C2B8-307E-7537-5BCF6F49E472}"/>
-              </a:ext>
-            </a:extLst>
-          </p:cNvPr>
+          <p:cNvPr id="31" name="矩形 30"/>
           <p:cNvSpPr/>
           <p:nvPr/>
         </p:nvSpPr>
@@ -4142,13 +3678,7 @@
       </p:grpSpPr>
       <p:sp>
         <p:nvSpPr>
-          <p:cNvPr id="2" name="标题 1">
-            <a:extLst>
-              <a:ext uri="{FF2B5EF4-FFF2-40B4-BE49-F238E27FC236}">
-                <a16:creationId xmlns:a16="http://schemas.microsoft.com/office/drawing/2014/main" id="{BA4843E5-91A4-37A1-277B-7C275911243F}"/>
-              </a:ext>
-            </a:extLst>
-          </p:cNvPr>
+          <p:cNvPr id="2" name="标题 1"/>
           <p:cNvSpPr>
             <a:spLocks noGrp="1"/>
           </p:cNvSpPr>
@@ -4167,13 +3697,7 @@
       </p:sp>
       <p:pic>
         <p:nvPicPr>
-          <p:cNvPr id="7" name="内容占位符 6">
-            <a:extLst>
-              <a:ext uri="{FF2B5EF4-FFF2-40B4-BE49-F238E27FC236}">
-                <a16:creationId xmlns:a16="http://schemas.microsoft.com/office/drawing/2014/main" id="{FE10F5D6-9258-E144-8994-BEBEF39344EB}"/>
-              </a:ext>
-            </a:extLst>
-          </p:cNvPr>
+          <p:cNvPr id="7" name="内容占位符 6"/>
           <p:cNvPicPr>
             <a:picLocks noGrp="1" noChangeAspect="1"/>
           </p:cNvPicPr>
@@ -4196,13 +3720,7 @@
       </p:pic>
       <p:pic>
         <p:nvPicPr>
-          <p:cNvPr id="5" name="图片 4">
-            <a:extLst>
-              <a:ext uri="{FF2B5EF4-FFF2-40B4-BE49-F238E27FC236}">
-                <a16:creationId xmlns:a16="http://schemas.microsoft.com/office/drawing/2014/main" id="{EEC71E7C-93F2-6626-AD71-D8731A2655CD}"/>
-              </a:ext>
-            </a:extLst>
-          </p:cNvPr>
+          <p:cNvPr id="5" name="图片 4"/>
           <p:cNvPicPr>
             <a:picLocks noChangeAspect="1"/>
           </p:cNvPicPr>
@@ -4225,11 +3743,6 @@
         </p:spPr>
       </p:pic>
     </p:spTree>
-    <p:extLst>
-      <p:ext uri="{BB962C8B-B14F-4D97-AF65-F5344CB8AC3E}">
-        <p14:creationId xmlns:p14="http://schemas.microsoft.com/office/powerpoint/2010/main" val="2101715918"/>
-      </p:ext>
-    </p:extLst>
   </p:cSld>
   <p:clrMapOvr>
     <a:masterClrMapping/>
@@ -4256,13 +3769,7 @@
       </p:grpSpPr>
       <p:sp>
         <p:nvSpPr>
-          <p:cNvPr id="2" name="标题 1">
-            <a:extLst>
-              <a:ext uri="{FF2B5EF4-FFF2-40B4-BE49-F238E27FC236}">
-                <a16:creationId xmlns:a16="http://schemas.microsoft.com/office/drawing/2014/main" id="{E04D2D2E-89E2-7492-D0CE-23C1DC4A9005}"/>
-              </a:ext>
-            </a:extLst>
-          </p:cNvPr>
+          <p:cNvPr id="2" name="标题 1"/>
           <p:cNvSpPr>
             <a:spLocks noGrp="1"/>
           </p:cNvSpPr>
@@ -4281,13 +3788,7 @@
       </p:sp>
       <p:pic>
         <p:nvPicPr>
-          <p:cNvPr id="7" name="图片 6">
-            <a:extLst>
-              <a:ext uri="{FF2B5EF4-FFF2-40B4-BE49-F238E27FC236}">
-                <a16:creationId xmlns:a16="http://schemas.microsoft.com/office/drawing/2014/main" id="{63E11E0B-9532-4440-3195-20BBAC77BF42}"/>
-              </a:ext>
-            </a:extLst>
-          </p:cNvPr>
+          <p:cNvPr id="7" name="图片 6"/>
           <p:cNvPicPr>
             <a:picLocks noChangeAspect="1"/>
           </p:cNvPicPr>
@@ -4311,13 +3812,7 @@
       </p:pic>
       <p:pic>
         <p:nvPicPr>
-          <p:cNvPr id="9" name="图片 8">
-            <a:extLst>
-              <a:ext uri="{FF2B5EF4-FFF2-40B4-BE49-F238E27FC236}">
-                <a16:creationId xmlns:a16="http://schemas.microsoft.com/office/drawing/2014/main" id="{2CB1B243-4F8B-5ADF-444F-FE4DCBA8EB31}"/>
-              </a:ext>
-            </a:extLst>
-          </p:cNvPr>
+          <p:cNvPr id="9" name="图片 8"/>
           <p:cNvPicPr>
             <a:picLocks noChangeAspect="1"/>
           </p:cNvPicPr>
@@ -4341,16 +3836,8 @@
       </p:pic>
       <p:cxnSp>
         <p:nvCxnSpPr>
-          <p:cNvPr id="11" name="直接箭头连接符 10">
-            <a:extLst>
-              <a:ext uri="{FF2B5EF4-FFF2-40B4-BE49-F238E27FC236}">
-                <a16:creationId xmlns:a16="http://schemas.microsoft.com/office/drawing/2014/main" id="{98448E8D-6808-8BF9-D6C5-12CC95A94CFD}"/>
-              </a:ext>
-            </a:extLst>
-          </p:cNvPr>
-          <p:cNvCxnSpPr>
-            <a:cxnSpLocks/>
-          </p:cNvCxnSpPr>
+          <p:cNvPr id="11" name="直接箭头连接符 10"/>
+          <p:cNvCxnSpPr/>
           <p:nvPr/>
         </p:nvCxnSpPr>
         <p:spPr>
@@ -4382,16 +3869,8 @@
       </p:cxnSp>
       <p:cxnSp>
         <p:nvCxnSpPr>
-          <p:cNvPr id="15" name="直接箭头连接符 14">
-            <a:extLst>
-              <a:ext uri="{FF2B5EF4-FFF2-40B4-BE49-F238E27FC236}">
-                <a16:creationId xmlns:a16="http://schemas.microsoft.com/office/drawing/2014/main" id="{93735FCE-DBAB-23F3-B404-E3E5489D8D5D}"/>
-              </a:ext>
-            </a:extLst>
-          </p:cNvPr>
-          <p:cNvCxnSpPr>
-            <a:cxnSpLocks/>
-          </p:cNvCxnSpPr>
+          <p:cNvPr id="15" name="直接箭头连接符 14"/>
+          <p:cNvCxnSpPr/>
           <p:nvPr/>
         </p:nvCxnSpPr>
         <p:spPr>
@@ -4424,16 +3903,8 @@
       </p:cxnSp>
       <p:cxnSp>
         <p:nvCxnSpPr>
-          <p:cNvPr id="18" name="直接箭头连接符 17">
-            <a:extLst>
-              <a:ext uri="{FF2B5EF4-FFF2-40B4-BE49-F238E27FC236}">
-                <a16:creationId xmlns:a16="http://schemas.microsoft.com/office/drawing/2014/main" id="{67B4512C-B467-8FC1-64EE-6D22260F9AF1}"/>
-              </a:ext>
-            </a:extLst>
-          </p:cNvPr>
-          <p:cNvCxnSpPr>
-            <a:cxnSpLocks/>
-          </p:cNvCxnSpPr>
+          <p:cNvPr id="18" name="直接箭头连接符 17"/>
+          <p:cNvCxnSpPr/>
           <p:nvPr/>
         </p:nvCxnSpPr>
         <p:spPr>
@@ -4466,13 +3937,7 @@
       </p:cxnSp>
       <p:sp>
         <p:nvSpPr>
-          <p:cNvPr id="19" name="文本框 18">
-            <a:extLst>
-              <a:ext uri="{FF2B5EF4-FFF2-40B4-BE49-F238E27FC236}">
-                <a16:creationId xmlns:a16="http://schemas.microsoft.com/office/drawing/2014/main" id="{973F28C6-BBF3-7176-D14A-E896805F2E5F}"/>
-              </a:ext>
-            </a:extLst>
-          </p:cNvPr>
+          <p:cNvPr id="19" name="文本框 18"/>
           <p:cNvSpPr txBox="1"/>
           <p:nvPr/>
         </p:nvSpPr>
@@ -4546,11 +4011,6 @@
         </p:txBody>
       </p:sp>
     </p:spTree>
-    <p:extLst>
-      <p:ext uri="{BB962C8B-B14F-4D97-AF65-F5344CB8AC3E}">
-        <p14:creationId xmlns:p14="http://schemas.microsoft.com/office/powerpoint/2010/main" val="3605018242"/>
-      </p:ext>
-    </p:extLst>
   </p:cSld>
   <p:clrMapOvr>
     <a:masterClrMapping/>
@@ -4633,6 +4093,200 @@
 </p:sld>
 </file>
 
+<file path=ppt/slides/slide13.xml><?xml version="1.0" encoding="utf-8"?>
+<p:sld xmlns:a="http://schemas.openxmlformats.org/drawingml/2006/main" xmlns:r="http://schemas.openxmlformats.org/officeDocument/2006/relationships" xmlns:p="http://schemas.openxmlformats.org/presentationml/2006/main">
+  <p:cSld>
+    <p:spTree>
+      <p:nvGrpSpPr>
+        <p:cNvPr id="1" name=""/>
+        <p:cNvGrpSpPr/>
+        <p:nvPr/>
+      </p:nvGrpSpPr>
+      <p:grpSpPr>
+        <a:xfrm>
+          <a:off x="0" y="0"/>
+          <a:ext cx="0" cy="0"/>
+          <a:chOff x="0" y="0"/>
+          <a:chExt cx="0" cy="0"/>
+        </a:xfrm>
+      </p:grpSpPr>
+      <p:sp>
+        <p:nvSpPr>
+          <p:cNvPr id="2" name="标题 1"/>
+          <p:cNvSpPr>
+            <a:spLocks noGrp="1"/>
+          </p:cNvSpPr>
+          <p:nvPr>
+            <p:ph type="title"/>
+          </p:nvPr>
+        </p:nvSpPr>
+        <p:spPr/>
+        <p:txBody>
+          <a:bodyPr/>
+          <a:lstStyle/>
+          <a:p>
+            <a:endParaRPr lang="zh-CN" altLang="en-US"/>
+          </a:p>
+        </p:txBody>
+      </p:sp>
+      <p:pic>
+        <p:nvPicPr>
+          <p:cNvPr id="4" name="内容占位符 3"/>
+          <p:cNvPicPr>
+            <a:picLocks noGrp="1" noChangeAspect="1"/>
+          </p:cNvPicPr>
+          <p:nvPr>
+            <p:ph idx="1"/>
+          </p:nvPr>
+        </p:nvPicPr>
+        <p:blipFill>
+          <a:blip r:embed="rId2"/>
+          <a:stretch>
+            <a:fillRect/>
+          </a:stretch>
+        </p:blipFill>
+        <p:spPr>
+          <a:xfrm>
+            <a:off x="172085" y="1691005"/>
+            <a:ext cx="11672570" cy="3746500"/>
+          </a:xfrm>
+          <a:prstGeom prst="rect">
+            <a:avLst/>
+          </a:prstGeom>
+        </p:spPr>
+      </p:pic>
+      <p:sp>
+        <p:nvSpPr>
+          <p:cNvPr id="5" name="文本框 4"/>
+          <p:cNvSpPr txBox="1"/>
+          <p:nvPr/>
+        </p:nvSpPr>
+        <p:spPr>
+          <a:xfrm>
+            <a:off x="6269990" y="2297430"/>
+            <a:ext cx="1315085" cy="368300"/>
+          </a:xfrm>
+          <a:prstGeom prst="rect">
+            <a:avLst/>
+          </a:prstGeom>
+          <a:noFill/>
+        </p:spPr>
+        <p:txBody>
+          <a:bodyPr wrap="square" rtlCol="0">
+            <a:spAutoFit/>
+          </a:bodyPr>
+          <a:lstStyle/>
+          <a:p>
+            <a:r>
+              <a:rPr lang="zh-CN" altLang="en-US" dirty="0"/>
+              <a:t>此时</a:t>
+            </a:r>
+            <a:r>
+              <a:rPr lang="en-US" altLang="zh-CN"/>
+              <a:t>H[0]</a:t>
+            </a:r>
+            <a:endParaRPr lang="zh-CN" altLang="en-US" dirty="0"/>
+          </a:p>
+        </p:txBody>
+      </p:sp>
+    </p:spTree>
+  </p:cSld>
+  <p:clrMapOvr>
+    <a:masterClrMapping/>
+  </p:clrMapOvr>
+</p:sld>
+</file>
+
+<file path=ppt/slides/slide14.xml><?xml version="1.0" encoding="utf-8"?>
+<p:sld xmlns:a="http://schemas.openxmlformats.org/drawingml/2006/main" xmlns:r="http://schemas.openxmlformats.org/officeDocument/2006/relationships" xmlns:p="http://schemas.openxmlformats.org/presentationml/2006/main">
+  <p:cSld>
+    <p:spTree>
+      <p:nvGrpSpPr>
+        <p:cNvPr id="1" name=""/>
+        <p:cNvGrpSpPr/>
+        <p:nvPr/>
+      </p:nvGrpSpPr>
+      <p:grpSpPr>
+        <a:xfrm>
+          <a:off x="0" y="0"/>
+          <a:ext cx="0" cy="0"/>
+          <a:chOff x="0" y="0"/>
+          <a:chExt cx="0" cy="0"/>
+        </a:xfrm>
+      </p:grpSpPr>
+      <p:sp>
+        <p:nvSpPr>
+          <p:cNvPr id="2" name="标题 1">
+            <a:extLst>
+              <a:ext uri="{FF2B5EF4-FFF2-40B4-BE49-F238E27FC236}">
+                <a16:creationId xmlns:a16="http://schemas.microsoft.com/office/drawing/2014/main" id="{56DA42AF-FE1B-563F-FFAC-52103AB6AED2}"/>
+              </a:ext>
+            </a:extLst>
+          </p:cNvPr>
+          <p:cNvSpPr>
+            <a:spLocks noGrp="1"/>
+          </p:cNvSpPr>
+          <p:nvPr>
+            <p:ph type="title"/>
+          </p:nvPr>
+        </p:nvSpPr>
+        <p:spPr/>
+        <p:txBody>
+          <a:bodyPr/>
+          <a:lstStyle/>
+          <a:p>
+            <a:endParaRPr lang="zh-CN" altLang="en-US"/>
+          </a:p>
+        </p:txBody>
+      </p:sp>
+      <p:pic>
+        <p:nvPicPr>
+          <p:cNvPr id="5" name="内容占位符 4" descr="图片包含 图形用户界面&#10;&#10;AI 生成的内容可能不正确。">
+            <a:extLst>
+              <a:ext uri="{FF2B5EF4-FFF2-40B4-BE49-F238E27FC236}">
+                <a16:creationId xmlns:a16="http://schemas.microsoft.com/office/drawing/2014/main" id="{50740CC8-3792-5E5A-F5B7-241DF7E04F82}"/>
+              </a:ext>
+            </a:extLst>
+          </p:cNvPr>
+          <p:cNvPicPr>
+            <a:picLocks noGrp="1" noChangeAspect="1"/>
+          </p:cNvPicPr>
+          <p:nvPr>
+            <p:ph idx="1"/>
+          </p:nvPr>
+        </p:nvPicPr>
+        <p:blipFill>
+          <a:blip r:embed="rId2">
+            <a:extLst>
+              <a:ext uri="{28A0092B-C50C-407E-A947-70E740481C1C}">
+                <a14:useLocalDpi xmlns:a14="http://schemas.microsoft.com/office/drawing/2010/main" val="0"/>
+              </a:ext>
+            </a:extLst>
+          </a:blip>
+          <a:stretch>
+            <a:fillRect/>
+          </a:stretch>
+        </p:blipFill>
+        <p:spPr>
+          <a:xfrm>
+            <a:off x="332361" y="365125"/>
+            <a:ext cx="8587537" cy="2956253"/>
+          </a:xfrm>
+        </p:spPr>
+      </p:pic>
+    </p:spTree>
+    <p:extLst>
+      <p:ext uri="{BB962C8B-B14F-4D97-AF65-F5344CB8AC3E}">
+        <p14:creationId xmlns:p14="http://schemas.microsoft.com/office/powerpoint/2010/main" val="2882582977"/>
+      </p:ext>
+    </p:extLst>
+  </p:cSld>
+  <p:clrMapOvr>
+    <a:masterClrMapping/>
+  </p:clrMapOvr>
+</p:sld>
+</file>
+
 <file path=ppt/slides/slide2.xml><?xml version="1.0" encoding="utf-8"?>
 <p:sld xmlns:a="http://schemas.openxmlformats.org/drawingml/2006/main" xmlns:r="http://schemas.openxmlformats.org/officeDocument/2006/relationships" xmlns:p="http://schemas.openxmlformats.org/presentationml/2006/main">
   <p:cSld>
@@ -4652,13 +4306,7 @@
       </p:grpSpPr>
       <p:sp>
         <p:nvSpPr>
-          <p:cNvPr id="4" name="矩形 3">
-            <a:extLst>
-              <a:ext uri="{FF2B5EF4-FFF2-40B4-BE49-F238E27FC236}">
-                <a16:creationId xmlns:a16="http://schemas.microsoft.com/office/drawing/2014/main" id="{9787D15E-51DF-7C92-5A06-6822DF2652EC}"/>
-              </a:ext>
-            </a:extLst>
-          </p:cNvPr>
+          <p:cNvPr id="4" name="矩形 3"/>
           <p:cNvSpPr/>
           <p:nvPr/>
         </p:nvSpPr>
@@ -4698,13 +4346,7 @@
       </p:sp>
       <p:sp>
         <p:nvSpPr>
-          <p:cNvPr id="5" name="椭圆 4">
-            <a:extLst>
-              <a:ext uri="{FF2B5EF4-FFF2-40B4-BE49-F238E27FC236}">
-                <a16:creationId xmlns:a16="http://schemas.microsoft.com/office/drawing/2014/main" id="{9E10F1AC-0F35-98AB-674C-1EF5603AF674}"/>
-              </a:ext>
-            </a:extLst>
-          </p:cNvPr>
+          <p:cNvPr id="5" name="椭圆 4"/>
           <p:cNvSpPr/>
           <p:nvPr/>
         </p:nvSpPr>
@@ -4758,13 +4400,7 @@
       </p:sp>
       <p:sp>
         <p:nvSpPr>
-          <p:cNvPr id="10" name="文本框 9">
-            <a:extLst>
-              <a:ext uri="{FF2B5EF4-FFF2-40B4-BE49-F238E27FC236}">
-                <a16:creationId xmlns:a16="http://schemas.microsoft.com/office/drawing/2014/main" id="{3E89DED0-5635-81F2-D103-BFE91A5C1D40}"/>
-              </a:ext>
-            </a:extLst>
-          </p:cNvPr>
+          <p:cNvPr id="10" name="文本框 9"/>
           <p:cNvSpPr txBox="1"/>
           <p:nvPr/>
         </p:nvSpPr>
@@ -5129,13 +4765,7 @@
       </p:sp>
       <p:pic>
         <p:nvPicPr>
-          <p:cNvPr id="12" name="图片 11">
-            <a:extLst>
-              <a:ext uri="{FF2B5EF4-FFF2-40B4-BE49-F238E27FC236}">
-                <a16:creationId xmlns:a16="http://schemas.microsoft.com/office/drawing/2014/main" id="{709B7FF5-6DFD-7E23-096E-0C3DC8A7C297}"/>
-              </a:ext>
-            </a:extLst>
-          </p:cNvPr>
+          <p:cNvPr id="12" name="图片 11"/>
           <p:cNvPicPr>
             <a:picLocks noChangeAspect="1"/>
           </p:cNvPicPr>
@@ -5158,11 +4788,6 @@
         </p:spPr>
       </p:pic>
     </p:spTree>
-    <p:extLst>
-      <p:ext uri="{BB962C8B-B14F-4D97-AF65-F5344CB8AC3E}">
-        <p14:creationId xmlns:p14="http://schemas.microsoft.com/office/powerpoint/2010/main" val="1123112815"/>
-      </p:ext>
-    </p:extLst>
   </p:cSld>
   <p:clrMapOvr>
     <a:masterClrMapping/>
@@ -5189,13 +4814,7 @@
       </p:grpSpPr>
       <p:sp>
         <p:nvSpPr>
-          <p:cNvPr id="2" name="标题 1">
-            <a:extLst>
-              <a:ext uri="{FF2B5EF4-FFF2-40B4-BE49-F238E27FC236}">
-                <a16:creationId xmlns:a16="http://schemas.microsoft.com/office/drawing/2014/main" id="{D37D337F-E343-67B3-EB4E-4F9592D1A690}"/>
-              </a:ext>
-            </a:extLst>
-          </p:cNvPr>
+          <p:cNvPr id="2" name="标题 1"/>
           <p:cNvSpPr>
             <a:spLocks noGrp="1"/>
           </p:cNvSpPr>
@@ -5214,13 +4833,7 @@
       </p:sp>
       <p:pic>
         <p:nvPicPr>
-          <p:cNvPr id="5" name="内容占位符 4" descr="图表, 直方图&#10;&#10;AI 生成的内容可能不正确。">
-            <a:extLst>
-              <a:ext uri="{FF2B5EF4-FFF2-40B4-BE49-F238E27FC236}">
-                <a16:creationId xmlns:a16="http://schemas.microsoft.com/office/drawing/2014/main" id="{050D4192-2C61-B07F-561D-772BD141B39D}"/>
-              </a:ext>
-            </a:extLst>
-          </p:cNvPr>
+          <p:cNvPr id="5" name="内容占位符 4" descr="图表, 直方图&#10;&#10;AI 生成的内容可能不正确。"/>
           <p:cNvPicPr>
             <a:picLocks noGrp="1" noChangeAspect="1"/>
           </p:cNvPicPr>
@@ -5229,7 +4842,7 @@
           </p:nvPr>
         </p:nvPicPr>
         <p:blipFill>
-          <a:blip r:embed="rId2">
+          <a:blip r:embed="rId2" cstate="print">
             <a:extLst>
               <a:ext uri="{28A0092B-C50C-407E-A947-70E740481C1C}">
                 <a14:useLocalDpi xmlns:a14="http://schemas.microsoft.com/office/drawing/2010/main" val="0"/>
@@ -5249,20 +4862,14 @@
       </p:pic>
       <p:pic>
         <p:nvPicPr>
-          <p:cNvPr id="7" name="图片 6" descr="图表&#10;&#10;AI 生成的内容可能不正确。">
-            <a:extLst>
-              <a:ext uri="{FF2B5EF4-FFF2-40B4-BE49-F238E27FC236}">
-                <a16:creationId xmlns:a16="http://schemas.microsoft.com/office/drawing/2014/main" id="{DB60A694-C864-9C14-81CF-8C17FDD6519E}"/>
-              </a:ext>
-            </a:extLst>
-          </p:cNvPr>
+          <p:cNvPr id="7" name="图片 6" descr="图表&#10;&#10;AI 生成的内容可能不正确。"/>
           <p:cNvPicPr>
             <a:picLocks noChangeAspect="1"/>
           </p:cNvPicPr>
           <p:nvPr/>
         </p:nvPicPr>
         <p:blipFill>
-          <a:blip r:embed="rId3">
+          <a:blip r:embed="rId3" cstate="print">
             <a:extLst>
               <a:ext uri="{28A0092B-C50C-407E-A947-70E740481C1C}">
                 <a14:useLocalDpi xmlns:a14="http://schemas.microsoft.com/office/drawing/2010/main" val="0"/>
@@ -5285,20 +4892,14 @@
       </p:pic>
       <p:pic>
         <p:nvPicPr>
-          <p:cNvPr id="9" name="图片 8" descr="图表&#10;&#10;AI 生成的内容可能不正确。">
-            <a:extLst>
-              <a:ext uri="{FF2B5EF4-FFF2-40B4-BE49-F238E27FC236}">
-                <a16:creationId xmlns:a16="http://schemas.microsoft.com/office/drawing/2014/main" id="{A8EB388A-F5A3-065A-9763-7383BDD955BE}"/>
-              </a:ext>
-            </a:extLst>
-          </p:cNvPr>
+          <p:cNvPr id="9" name="图片 8" descr="图表&#10;&#10;AI 生成的内容可能不正确。"/>
           <p:cNvPicPr>
             <a:picLocks noChangeAspect="1"/>
           </p:cNvPicPr>
           <p:nvPr/>
         </p:nvPicPr>
         <p:blipFill>
-          <a:blip r:embed="rId4">
+          <a:blip r:embed="rId4" cstate="print">
             <a:extLst>
               <a:ext uri="{28A0092B-C50C-407E-A947-70E740481C1C}">
                 <a14:useLocalDpi xmlns:a14="http://schemas.microsoft.com/office/drawing/2010/main" val="0"/>
@@ -5321,20 +4922,14 @@
       </p:pic>
       <p:pic>
         <p:nvPicPr>
-          <p:cNvPr id="11" name="图片 10" descr="图形用户界面, 图表&#10;&#10;AI 生成的内容可能不正确。">
-            <a:extLst>
-              <a:ext uri="{FF2B5EF4-FFF2-40B4-BE49-F238E27FC236}">
-                <a16:creationId xmlns:a16="http://schemas.microsoft.com/office/drawing/2014/main" id="{886A9D2F-0079-DF67-C12C-89FBC2D4ADF6}"/>
-              </a:ext>
-            </a:extLst>
-          </p:cNvPr>
+          <p:cNvPr id="11" name="图片 10" descr="图形用户界面, 图表&#10;&#10;AI 生成的内容可能不正确。"/>
           <p:cNvPicPr>
             <a:picLocks noChangeAspect="1"/>
           </p:cNvPicPr>
           <p:nvPr/>
         </p:nvPicPr>
         <p:blipFill>
-          <a:blip r:embed="rId5">
+          <a:blip r:embed="rId5" cstate="print">
             <a:extLst>
               <a:ext uri="{28A0092B-C50C-407E-A947-70E740481C1C}">
                 <a14:useLocalDpi xmlns:a14="http://schemas.microsoft.com/office/drawing/2010/main" val="0"/>
@@ -5356,11 +4951,6 @@
         </p:spPr>
       </p:pic>
     </p:spTree>
-    <p:extLst>
-      <p:ext uri="{BB962C8B-B14F-4D97-AF65-F5344CB8AC3E}">
-        <p14:creationId xmlns:p14="http://schemas.microsoft.com/office/powerpoint/2010/main" val="350164764"/>
-      </p:ext>
-    </p:extLst>
   </p:cSld>
   <p:clrMapOvr>
     <a:masterClrMapping/>
@@ -5387,13 +4977,7 @@
       </p:grpSpPr>
       <p:sp>
         <p:nvSpPr>
-          <p:cNvPr id="2" name="标题 1">
-            <a:extLst>
-              <a:ext uri="{FF2B5EF4-FFF2-40B4-BE49-F238E27FC236}">
-                <a16:creationId xmlns:a16="http://schemas.microsoft.com/office/drawing/2014/main" id="{09233975-93A0-A65D-0598-6860D548EBD5}"/>
-              </a:ext>
-            </a:extLst>
-          </p:cNvPr>
+          <p:cNvPr id="2" name="标题 1"/>
           <p:cNvSpPr>
             <a:spLocks noGrp="1"/>
           </p:cNvSpPr>
@@ -5412,13 +4996,7 @@
       </p:sp>
       <p:sp>
         <p:nvSpPr>
-          <p:cNvPr id="3" name="内容占位符 2">
-            <a:extLst>
-              <a:ext uri="{FF2B5EF4-FFF2-40B4-BE49-F238E27FC236}">
-                <a16:creationId xmlns:a16="http://schemas.microsoft.com/office/drawing/2014/main" id="{76012C5F-AC23-73A5-4480-246197E5A61E}"/>
-              </a:ext>
-            </a:extLst>
-          </p:cNvPr>
+          <p:cNvPr id="3" name="内容占位符 2"/>
           <p:cNvSpPr>
             <a:spLocks noGrp="1"/>
           </p:cNvSpPr>
@@ -5437,13 +5015,7 @@
       </p:sp>
       <p:pic>
         <p:nvPicPr>
-          <p:cNvPr id="5" name="图片 4">
-            <a:extLst>
-              <a:ext uri="{FF2B5EF4-FFF2-40B4-BE49-F238E27FC236}">
-                <a16:creationId xmlns:a16="http://schemas.microsoft.com/office/drawing/2014/main" id="{92CB1D8C-055A-69F8-AABE-988D2EFA35F4}"/>
-              </a:ext>
-            </a:extLst>
-          </p:cNvPr>
+          <p:cNvPr id="5" name="图片 4"/>
           <p:cNvPicPr>
             <a:picLocks noChangeAspect="1"/>
           </p:cNvPicPr>
@@ -5467,13 +5039,7 @@
       </p:pic>
       <p:pic>
         <p:nvPicPr>
-          <p:cNvPr id="7" name="图片 6">
-            <a:extLst>
-              <a:ext uri="{FF2B5EF4-FFF2-40B4-BE49-F238E27FC236}">
-                <a16:creationId xmlns:a16="http://schemas.microsoft.com/office/drawing/2014/main" id="{A57358B6-0255-4267-A90D-487C24FD6D26}"/>
-              </a:ext>
-            </a:extLst>
-          </p:cNvPr>
+          <p:cNvPr id="7" name="图片 6"/>
           <p:cNvPicPr>
             <a:picLocks noChangeAspect="1"/>
           </p:cNvPicPr>
@@ -5497,13 +5063,7 @@
       </p:pic>
       <p:pic>
         <p:nvPicPr>
-          <p:cNvPr id="9" name="图片 8">
-            <a:extLst>
-              <a:ext uri="{FF2B5EF4-FFF2-40B4-BE49-F238E27FC236}">
-                <a16:creationId xmlns:a16="http://schemas.microsoft.com/office/drawing/2014/main" id="{1216BECF-4F46-5B97-49BA-7744BCB167E6}"/>
-              </a:ext>
-            </a:extLst>
-          </p:cNvPr>
+          <p:cNvPr id="9" name="图片 8"/>
           <p:cNvPicPr>
             <a:picLocks noChangeAspect="1"/>
           </p:cNvPicPr>
@@ -5526,11 +5086,6 @@
         </p:spPr>
       </p:pic>
     </p:spTree>
-    <p:extLst>
-      <p:ext uri="{BB962C8B-B14F-4D97-AF65-F5344CB8AC3E}">
-        <p14:creationId xmlns:p14="http://schemas.microsoft.com/office/powerpoint/2010/main" val="3487308196"/>
-      </p:ext>
-    </p:extLst>
   </p:cSld>
   <p:clrMapOvr>
     <a:masterClrMapping/>
@@ -5557,13 +5112,7 @@
       </p:grpSpPr>
       <p:sp>
         <p:nvSpPr>
-          <p:cNvPr id="2" name="标题 1">
-            <a:extLst>
-              <a:ext uri="{FF2B5EF4-FFF2-40B4-BE49-F238E27FC236}">
-                <a16:creationId xmlns:a16="http://schemas.microsoft.com/office/drawing/2014/main" id="{7710D5F8-389E-2034-8AEF-EEAF57EF6BA0}"/>
-              </a:ext>
-            </a:extLst>
-          </p:cNvPr>
+          <p:cNvPr id="2" name="标题 1"/>
           <p:cNvSpPr>
             <a:spLocks noGrp="1"/>
           </p:cNvSpPr>
@@ -5586,13 +5135,7 @@
       </p:sp>
       <p:sp>
         <p:nvSpPr>
-          <p:cNvPr id="4" name="矩形 3">
-            <a:extLst>
-              <a:ext uri="{FF2B5EF4-FFF2-40B4-BE49-F238E27FC236}">
-                <a16:creationId xmlns:a16="http://schemas.microsoft.com/office/drawing/2014/main" id="{EE1F937A-C6EB-35B0-215C-5DF91BCA6282}"/>
-              </a:ext>
-            </a:extLst>
-          </p:cNvPr>
+          <p:cNvPr id="4" name="矩形 3"/>
           <p:cNvSpPr/>
           <p:nvPr/>
         </p:nvSpPr>
@@ -5632,13 +5175,7 @@
       </p:sp>
       <p:sp>
         <p:nvSpPr>
-          <p:cNvPr id="5" name="椭圆 4">
-            <a:extLst>
-              <a:ext uri="{FF2B5EF4-FFF2-40B4-BE49-F238E27FC236}">
-                <a16:creationId xmlns:a16="http://schemas.microsoft.com/office/drawing/2014/main" id="{17D2DDF2-1E01-0289-5531-451D85CBDBFA}"/>
-              </a:ext>
-            </a:extLst>
-          </p:cNvPr>
+          <p:cNvPr id="5" name="椭圆 4"/>
           <p:cNvSpPr/>
           <p:nvPr/>
         </p:nvSpPr>
@@ -5692,13 +5229,7 @@
       </p:sp>
       <p:pic>
         <p:nvPicPr>
-          <p:cNvPr id="10" name="内容占位符 9" descr="图表, 折线图&#10;&#10;AI 生成的内容可能不正确。">
-            <a:extLst>
-              <a:ext uri="{FF2B5EF4-FFF2-40B4-BE49-F238E27FC236}">
-                <a16:creationId xmlns:a16="http://schemas.microsoft.com/office/drawing/2014/main" id="{42721D2E-D4DD-66E4-F2A7-1FA0EFE8445E}"/>
-              </a:ext>
-            </a:extLst>
-          </p:cNvPr>
+          <p:cNvPr id="10" name="内容占位符 9" descr="图表, 折线图&#10;&#10;AI 生成的内容可能不正确。"/>
           <p:cNvPicPr>
             <a:picLocks noGrp="1" noChangeAspect="1"/>
           </p:cNvPicPr>
@@ -5707,7 +5238,7 @@
           </p:nvPr>
         </p:nvPicPr>
         <p:blipFill>
-          <a:blip r:embed="rId2">
+          <a:blip r:embed="rId2" cstate="print">
             <a:extLst>
               <a:ext uri="{28A0092B-C50C-407E-A947-70E740481C1C}">
                 <a14:useLocalDpi xmlns:a14="http://schemas.microsoft.com/office/drawing/2010/main" val="0"/>
@@ -5727,20 +5258,14 @@
       </p:pic>
       <p:pic>
         <p:nvPicPr>
-          <p:cNvPr id="12" name="图片 11" descr="图表, 折线图&#10;&#10;AI 生成的内容可能不正确。">
-            <a:extLst>
-              <a:ext uri="{FF2B5EF4-FFF2-40B4-BE49-F238E27FC236}">
-                <a16:creationId xmlns:a16="http://schemas.microsoft.com/office/drawing/2014/main" id="{A8B67497-B6C9-3EB3-1D49-281D89E8EA20}"/>
-              </a:ext>
-            </a:extLst>
-          </p:cNvPr>
+          <p:cNvPr id="12" name="图片 11" descr="图表, 折线图&#10;&#10;AI 生成的内容可能不正确。"/>
           <p:cNvPicPr>
             <a:picLocks noChangeAspect="1"/>
           </p:cNvPicPr>
           <p:nvPr/>
         </p:nvPicPr>
         <p:blipFill>
-          <a:blip r:embed="rId3">
+          <a:blip r:embed="rId3" cstate="print">
             <a:extLst>
               <a:ext uri="{28A0092B-C50C-407E-A947-70E740481C1C}">
                 <a14:useLocalDpi xmlns:a14="http://schemas.microsoft.com/office/drawing/2010/main" val="0"/>
@@ -5763,20 +5288,14 @@
       </p:pic>
       <p:pic>
         <p:nvPicPr>
-          <p:cNvPr id="14" name="图片 13" descr="图表, 折线图&#10;&#10;AI 生成的内容可能不正确。">
-            <a:extLst>
-              <a:ext uri="{FF2B5EF4-FFF2-40B4-BE49-F238E27FC236}">
-                <a16:creationId xmlns:a16="http://schemas.microsoft.com/office/drawing/2014/main" id="{C3B27C07-4F37-86DA-260D-D61E65CC1BAF}"/>
-              </a:ext>
-            </a:extLst>
-          </p:cNvPr>
+          <p:cNvPr id="14" name="图片 13" descr="图表, 折线图&#10;&#10;AI 生成的内容可能不正确。"/>
           <p:cNvPicPr>
             <a:picLocks noChangeAspect="1"/>
           </p:cNvPicPr>
           <p:nvPr/>
         </p:nvPicPr>
         <p:blipFill>
-          <a:blip r:embed="rId4">
+          <a:blip r:embed="rId4" cstate="print">
             <a:extLst>
               <a:ext uri="{28A0092B-C50C-407E-A947-70E740481C1C}">
                 <a14:useLocalDpi xmlns:a14="http://schemas.microsoft.com/office/drawing/2010/main" val="0"/>
@@ -5799,20 +5318,14 @@
       </p:pic>
       <p:pic>
         <p:nvPicPr>
-          <p:cNvPr id="16" name="图片 15" descr="图表, 折线图&#10;&#10;AI 生成的内容可能不正确。">
-            <a:extLst>
-              <a:ext uri="{FF2B5EF4-FFF2-40B4-BE49-F238E27FC236}">
-                <a16:creationId xmlns:a16="http://schemas.microsoft.com/office/drawing/2014/main" id="{710E8374-7556-A80B-10FA-C8023F516D15}"/>
-              </a:ext>
-            </a:extLst>
-          </p:cNvPr>
+          <p:cNvPr id="16" name="图片 15" descr="图表, 折线图&#10;&#10;AI 生成的内容可能不正确。"/>
           <p:cNvPicPr>
             <a:picLocks noChangeAspect="1"/>
           </p:cNvPicPr>
           <p:nvPr/>
         </p:nvPicPr>
         <p:blipFill>
-          <a:blip r:embed="rId5">
+          <a:blip r:embed="rId5" cstate="print">
             <a:extLst>
               <a:ext uri="{28A0092B-C50C-407E-A947-70E740481C1C}">
                 <a14:useLocalDpi xmlns:a14="http://schemas.microsoft.com/office/drawing/2010/main" val="0"/>
@@ -5835,20 +5348,14 @@
       </p:pic>
       <p:pic>
         <p:nvPicPr>
-          <p:cNvPr id="18" name="图片 17" descr="图表, 折线图&#10;&#10;AI 生成的内容可能不正确。">
-            <a:extLst>
-              <a:ext uri="{FF2B5EF4-FFF2-40B4-BE49-F238E27FC236}">
-                <a16:creationId xmlns:a16="http://schemas.microsoft.com/office/drawing/2014/main" id="{25DFDBDD-6939-A4EB-9661-A1E553BEEB1F}"/>
-              </a:ext>
-            </a:extLst>
-          </p:cNvPr>
+          <p:cNvPr id="18" name="图片 17" descr="图表, 折线图&#10;&#10;AI 生成的内容可能不正确。"/>
           <p:cNvPicPr>
             <a:picLocks noChangeAspect="1"/>
           </p:cNvPicPr>
           <p:nvPr/>
         </p:nvPicPr>
         <p:blipFill>
-          <a:blip r:embed="rId6">
+          <a:blip r:embed="rId6" cstate="print">
             <a:extLst>
               <a:ext uri="{28A0092B-C50C-407E-A947-70E740481C1C}">
                 <a14:useLocalDpi xmlns:a14="http://schemas.microsoft.com/office/drawing/2010/main" val="0"/>
@@ -5870,11 +5377,6 @@
         </p:spPr>
       </p:pic>
     </p:spTree>
-    <p:extLst>
-      <p:ext uri="{BB962C8B-B14F-4D97-AF65-F5344CB8AC3E}">
-        <p14:creationId xmlns:p14="http://schemas.microsoft.com/office/powerpoint/2010/main" val="4040321784"/>
-      </p:ext>
-    </p:extLst>
   </p:cSld>
   <p:clrMapOvr>
     <a:masterClrMapping/>
@@ -5901,13 +5403,7 @@
       </p:grpSpPr>
       <p:pic>
         <p:nvPicPr>
-          <p:cNvPr id="7" name="内容占位符 6">
-            <a:extLst>
-              <a:ext uri="{FF2B5EF4-FFF2-40B4-BE49-F238E27FC236}">
-                <a16:creationId xmlns:a16="http://schemas.microsoft.com/office/drawing/2014/main" id="{8354C135-7257-FCC3-91F0-9959C757909A}"/>
-              </a:ext>
-            </a:extLst>
-          </p:cNvPr>
+          <p:cNvPr id="7" name="内容占位符 6"/>
           <p:cNvPicPr>
             <a:picLocks noGrp="1" noChangeAspect="1"/>
           </p:cNvPicPr>
@@ -5930,13 +5426,7 @@
       </p:pic>
       <p:pic>
         <p:nvPicPr>
-          <p:cNvPr id="5" name="图片 4">
-            <a:extLst>
-              <a:ext uri="{FF2B5EF4-FFF2-40B4-BE49-F238E27FC236}">
-                <a16:creationId xmlns:a16="http://schemas.microsoft.com/office/drawing/2014/main" id="{2106E159-FB73-7D73-1D5A-9FC449764188}"/>
-              </a:ext>
-            </a:extLst>
-          </p:cNvPr>
+          <p:cNvPr id="5" name="图片 4"/>
           <p:cNvPicPr>
             <a:picLocks noChangeAspect="1"/>
           </p:cNvPicPr>
@@ -5960,13 +5450,7 @@
       </p:pic>
       <p:sp>
         <p:nvSpPr>
-          <p:cNvPr id="2" name="文本框 1">
-            <a:extLst>
-              <a:ext uri="{FF2B5EF4-FFF2-40B4-BE49-F238E27FC236}">
-                <a16:creationId xmlns:a16="http://schemas.microsoft.com/office/drawing/2014/main" id="{3B61A208-0A2B-3B15-264A-5BE265B80592}"/>
-              </a:ext>
-            </a:extLst>
-          </p:cNvPr>
+          <p:cNvPr id="2" name="文本框 1"/>
           <p:cNvSpPr txBox="1"/>
           <p:nvPr/>
         </p:nvSpPr>
@@ -6050,13 +5534,7 @@
         <mc:Choice Requires="p14">
           <p:contentPart p14:bwMode="auto" r:id="rId4">
             <p14:nvContentPartPr>
-              <p14:cNvPr id="3" name="墨迹 2">
-                <a:extLst>
-                  <a:ext uri="{FF2B5EF4-FFF2-40B4-BE49-F238E27FC236}">
-                    <a16:creationId xmlns:a16="http://schemas.microsoft.com/office/drawing/2014/main" id="{650BD55E-3A15-217D-C124-27541DB7F838}"/>
-                  </a:ext>
-                </a:extLst>
-              </p14:cNvPr>
+              <p14:cNvPr id="3" name="墨迹 2"/>
               <p14:cNvContentPartPr/>
               <p14:nvPr/>
             </p14:nvContentPartPr>
@@ -6069,40 +5547,22 @@
         <mc:Fallback xmlns="">
           <p:pic>
             <p:nvPicPr>
-              <p:cNvPr id="3" name="墨迹 2">
-                <a:extLst>
-                  <a:ext uri="{FF2B5EF4-FFF2-40B4-BE49-F238E27FC236}">
-                    <a16:creationId xmlns:a16="http://schemas.microsoft.com/office/drawing/2014/main" id="{650BD55E-3A15-217D-C124-27541DB7F838}"/>
-                  </a:ext>
-                </a:extLst>
-              </p:cNvPr>
-              <p:cNvPicPr/>
-              <p:nvPr/>
+              <p:cNvPr id="3" name="墨迹 2"/>
             </p:nvPicPr>
             <p:blipFill>
               <a:blip r:embed="rId5"/>
-              <a:stretch>
-                <a:fillRect/>
-              </a:stretch>
             </p:blipFill>
             <p:spPr>
               <a:xfrm>
-                <a:off x="5810400" y="3934080"/>
-                <a:ext cx="152280" cy="2376360"/>
+                <a:off x="5819760" y="3943440"/>
+                <a:ext cx="133560" cy="2357640"/>
               </a:xfrm>
-              <a:prstGeom prst="rect">
-                <a:avLst/>
-              </a:prstGeom>
+              <a:prstGeom prst="rect"/>
             </p:spPr>
           </p:pic>
         </mc:Fallback>
       </mc:AlternateContent>
     </p:spTree>
-    <p:extLst>
-      <p:ext uri="{BB962C8B-B14F-4D97-AF65-F5344CB8AC3E}">
-        <p14:creationId xmlns:p14="http://schemas.microsoft.com/office/powerpoint/2010/main" val="1880160266"/>
-      </p:ext>
-    </p:extLst>
   </p:cSld>
   <p:clrMapOvr>
     <a:masterClrMapping/>
@@ -6129,13 +5589,7 @@
       </p:grpSpPr>
       <p:sp>
         <p:nvSpPr>
-          <p:cNvPr id="2" name="标题 1">
-            <a:extLst>
-              <a:ext uri="{FF2B5EF4-FFF2-40B4-BE49-F238E27FC236}">
-                <a16:creationId xmlns:a16="http://schemas.microsoft.com/office/drawing/2014/main" id="{4C6CD637-7686-BFE6-041E-79B46CF20E5B}"/>
-              </a:ext>
-            </a:extLst>
-          </p:cNvPr>
+          <p:cNvPr id="2" name="标题 1"/>
           <p:cNvSpPr>
             <a:spLocks noGrp="1"/>
           </p:cNvSpPr>
@@ -6154,13 +5608,7 @@
       </p:sp>
       <p:pic>
         <p:nvPicPr>
-          <p:cNvPr id="5" name="内容占位符 4" descr="图片包含 表格&#10;&#10;AI 生成的内容可能不正确。">
-            <a:extLst>
-              <a:ext uri="{FF2B5EF4-FFF2-40B4-BE49-F238E27FC236}">
-                <a16:creationId xmlns:a16="http://schemas.microsoft.com/office/drawing/2014/main" id="{5BAF0432-8480-0349-1E11-E011CE3A1059}"/>
-              </a:ext>
-            </a:extLst>
-          </p:cNvPr>
+          <p:cNvPr id="5" name="内容占位符 4" descr="图片包含 表格&#10;&#10;AI 生成的内容可能不正确。"/>
           <p:cNvPicPr>
             <a:picLocks noGrp="1" noChangeAspect="1"/>
           </p:cNvPicPr>
@@ -6177,7 +5625,9 @@
             </a:extLst>
           </a:blip>
           <a:srcRect t="23189"/>
-          <a:stretch/>
+          <a:stretch>
+            <a:fillRect/>
+          </a:stretch>
         </p:blipFill>
         <p:spPr>
           <a:xfrm>
@@ -6188,13 +5638,7 @@
       </p:pic>
       <p:pic>
         <p:nvPicPr>
-          <p:cNvPr id="4" name="图片 3">
-            <a:extLst>
-              <a:ext uri="{FF2B5EF4-FFF2-40B4-BE49-F238E27FC236}">
-                <a16:creationId xmlns:a16="http://schemas.microsoft.com/office/drawing/2014/main" id="{48AC7EFC-E7D7-6A4F-30B6-E19E0DC3F0D7}"/>
-              </a:ext>
-            </a:extLst>
-          </p:cNvPr>
+          <p:cNvPr id="4" name="图片 3"/>
           <p:cNvPicPr>
             <a:picLocks noChangeAspect="1"/>
           </p:cNvPicPr>
@@ -6217,11 +5661,6 @@
         </p:spPr>
       </p:pic>
     </p:spTree>
-    <p:extLst>
-      <p:ext uri="{BB962C8B-B14F-4D97-AF65-F5344CB8AC3E}">
-        <p14:creationId xmlns:p14="http://schemas.microsoft.com/office/powerpoint/2010/main" val="1144724561"/>
-      </p:ext>
-    </p:extLst>
   </p:cSld>
   <p:clrMapOvr>
     <a:masterClrMapping/>
@@ -6248,13 +5687,7 @@
       </p:grpSpPr>
       <p:sp>
         <p:nvSpPr>
-          <p:cNvPr id="2" name="标题 1">
-            <a:extLst>
-              <a:ext uri="{FF2B5EF4-FFF2-40B4-BE49-F238E27FC236}">
-                <a16:creationId xmlns:a16="http://schemas.microsoft.com/office/drawing/2014/main" id="{D51E0A3D-470F-BE46-A886-587686D2C68D}"/>
-              </a:ext>
-            </a:extLst>
-          </p:cNvPr>
+          <p:cNvPr id="2" name="标题 1"/>
           <p:cNvSpPr>
             <a:spLocks noGrp="1"/>
           </p:cNvSpPr>
@@ -6273,13 +5706,7 @@
       </p:sp>
       <p:pic>
         <p:nvPicPr>
-          <p:cNvPr id="5" name="内容占位符 4">
-            <a:extLst>
-              <a:ext uri="{FF2B5EF4-FFF2-40B4-BE49-F238E27FC236}">
-                <a16:creationId xmlns:a16="http://schemas.microsoft.com/office/drawing/2014/main" id="{D920C986-6FEF-AA5A-4392-4F5D8E69DA93}"/>
-              </a:ext>
-            </a:extLst>
-          </p:cNvPr>
+          <p:cNvPr id="5" name="内容占位符 4"/>
           <p:cNvPicPr>
             <a:picLocks noGrp="1" noChangeAspect="1"/>
           </p:cNvPicPr>
@@ -6302,13 +5729,7 @@
       </p:pic>
       <p:pic>
         <p:nvPicPr>
-          <p:cNvPr id="7" name="图片 6">
-            <a:extLst>
-              <a:ext uri="{FF2B5EF4-FFF2-40B4-BE49-F238E27FC236}">
-                <a16:creationId xmlns:a16="http://schemas.microsoft.com/office/drawing/2014/main" id="{21E71C41-429E-0026-4AC1-0DA8876881C7}"/>
-              </a:ext>
-            </a:extLst>
-          </p:cNvPr>
+          <p:cNvPr id="7" name="图片 6"/>
           <p:cNvPicPr>
             <a:picLocks noChangeAspect="1"/>
           </p:cNvPicPr>
@@ -6334,13 +5755,7 @@
         <mc:Choice Requires="p14">
           <p:contentPart p14:bwMode="auto" r:id="rId4">
             <p14:nvContentPartPr>
-              <p14:cNvPr id="8" name="墨迹 7">
-                <a:extLst>
-                  <a:ext uri="{FF2B5EF4-FFF2-40B4-BE49-F238E27FC236}">
-                    <a16:creationId xmlns:a16="http://schemas.microsoft.com/office/drawing/2014/main" id="{F2B40282-6ADB-7003-57F3-4A05B8A2A18A}"/>
-                  </a:ext>
-                </a:extLst>
-              </p14:cNvPr>
+              <p14:cNvPr id="8" name="墨迹 7"/>
               <p14:cNvContentPartPr/>
               <p14:nvPr/>
             </p14:nvContentPartPr>
@@ -6353,30 +5768,17 @@
         <mc:Fallback xmlns="">
           <p:pic>
             <p:nvPicPr>
-              <p:cNvPr id="8" name="墨迹 7">
-                <a:extLst>
-                  <a:ext uri="{FF2B5EF4-FFF2-40B4-BE49-F238E27FC236}">
-                    <a16:creationId xmlns:a16="http://schemas.microsoft.com/office/drawing/2014/main" id="{F2B40282-6ADB-7003-57F3-4A05B8A2A18A}"/>
-                  </a:ext>
-                </a:extLst>
-              </p:cNvPr>
-              <p:cNvPicPr/>
-              <p:nvPr/>
+              <p:cNvPr id="8" name="墨迹 7"/>
             </p:nvPicPr>
             <p:blipFill>
               <a:blip r:embed="rId5"/>
-              <a:stretch>
-                <a:fillRect/>
-              </a:stretch>
             </p:blipFill>
             <p:spPr>
               <a:xfrm>
-                <a:off x="4114800" y="247680"/>
-                <a:ext cx="3710160" cy="1795680"/>
+                <a:off x="4124160" y="257040"/>
+                <a:ext cx="3691440" cy="1776960"/>
               </a:xfrm>
-              <a:prstGeom prst="rect">
-                <a:avLst/>
-              </a:prstGeom>
+              <a:prstGeom prst="rect"/>
             </p:spPr>
           </p:pic>
         </mc:Fallback>
@@ -6385,13 +5787,7 @@
         <mc:Choice Requires="p14">
           <p:contentPart p14:bwMode="auto" r:id="rId6">
             <p14:nvContentPartPr>
-              <p14:cNvPr id="10" name="墨迹 9">
-                <a:extLst>
-                  <a:ext uri="{FF2B5EF4-FFF2-40B4-BE49-F238E27FC236}">
-                    <a16:creationId xmlns:a16="http://schemas.microsoft.com/office/drawing/2014/main" id="{C954E84E-A6B7-BD08-5E20-5B86B806FFB7}"/>
-                  </a:ext>
-                </a:extLst>
-              </p14:cNvPr>
+              <p14:cNvPr id="10" name="墨迹 9"/>
               <p14:cNvContentPartPr/>
               <p14:nvPr/>
             </p14:nvContentPartPr>
@@ -6404,30 +5800,17 @@
         <mc:Fallback xmlns="">
           <p:pic>
             <p:nvPicPr>
-              <p:cNvPr id="10" name="墨迹 9">
-                <a:extLst>
-                  <a:ext uri="{FF2B5EF4-FFF2-40B4-BE49-F238E27FC236}">
-                    <a16:creationId xmlns:a16="http://schemas.microsoft.com/office/drawing/2014/main" id="{C954E84E-A6B7-BD08-5E20-5B86B806FFB7}"/>
-                  </a:ext>
-                </a:extLst>
-              </p:cNvPr>
-              <p:cNvPicPr/>
-              <p:nvPr/>
+              <p:cNvPr id="10" name="墨迹 9"/>
             </p:nvPicPr>
             <p:blipFill>
               <a:blip r:embed="rId7"/>
-              <a:stretch>
-                <a:fillRect/>
-              </a:stretch>
             </p:blipFill>
             <p:spPr>
               <a:xfrm>
-                <a:off x="7701120" y="605160"/>
-                <a:ext cx="438120" cy="361800"/>
+                <a:off x="7710480" y="614520"/>
+                <a:ext cx="419400" cy="343080"/>
               </a:xfrm>
-              <a:prstGeom prst="rect">
-                <a:avLst/>
-              </a:prstGeom>
+              <a:prstGeom prst="rect"/>
             </p:spPr>
           </p:pic>
         </mc:Fallback>
@@ -6436,13 +5819,7 @@
         <mc:Choice Requires="p14">
           <p:contentPart p14:bwMode="auto" r:id="rId8">
             <p14:nvContentPartPr>
-              <p14:cNvPr id="11" name="墨迹 10">
-                <a:extLst>
-                  <a:ext uri="{FF2B5EF4-FFF2-40B4-BE49-F238E27FC236}">
-                    <a16:creationId xmlns:a16="http://schemas.microsoft.com/office/drawing/2014/main" id="{03997E42-03CD-75C6-4A39-A64E0B6260D2}"/>
-                  </a:ext>
-                </a:extLst>
-              </p14:cNvPr>
+              <p14:cNvPr id="11" name="墨迹 10"/>
               <p14:cNvContentPartPr/>
               <p14:nvPr/>
             </p14:nvContentPartPr>
@@ -6455,40 +5832,22 @@
         <mc:Fallback xmlns="">
           <p:pic>
             <p:nvPicPr>
-              <p:cNvPr id="11" name="墨迹 10">
-                <a:extLst>
-                  <a:ext uri="{FF2B5EF4-FFF2-40B4-BE49-F238E27FC236}">
-                    <a16:creationId xmlns:a16="http://schemas.microsoft.com/office/drawing/2014/main" id="{03997E42-03CD-75C6-4A39-A64E0B6260D2}"/>
-                  </a:ext>
-                </a:extLst>
-              </p:cNvPr>
-              <p:cNvPicPr/>
-              <p:nvPr/>
+              <p:cNvPr id="11" name="墨迹 10"/>
             </p:nvPicPr>
             <p:blipFill>
               <a:blip r:embed="rId9"/>
-              <a:stretch>
-                <a:fillRect/>
-              </a:stretch>
             </p:blipFill>
             <p:spPr>
               <a:xfrm>
-                <a:off x="3686400" y="1000440"/>
-                <a:ext cx="4767120" cy="704880"/>
+                <a:off x="3695760" y="1009800"/>
+                <a:ext cx="4748400" cy="686160"/>
               </a:xfrm>
-              <a:prstGeom prst="rect">
-                <a:avLst/>
-              </a:prstGeom>
+              <a:prstGeom prst="rect"/>
             </p:spPr>
           </p:pic>
         </mc:Fallback>
       </mc:AlternateContent>
     </p:spTree>
-    <p:extLst>
-      <p:ext uri="{BB962C8B-B14F-4D97-AF65-F5344CB8AC3E}">
-        <p14:creationId xmlns:p14="http://schemas.microsoft.com/office/powerpoint/2010/main" val="1618441272"/>
-      </p:ext>
-    </p:extLst>
   </p:cSld>
   <p:clrMapOvr>
     <a:masterClrMapping/>
@@ -6589,13 +5948,7 @@
       </p:pic>
       <p:sp>
         <p:nvSpPr>
-          <p:cNvPr id="5" name="矩形 4">
-            <a:extLst>
-              <a:ext uri="{FF2B5EF4-FFF2-40B4-BE49-F238E27FC236}">
-                <a16:creationId xmlns:a16="http://schemas.microsoft.com/office/drawing/2014/main" id="{610B3C08-2413-6601-136A-55D0DEC5C71A}"/>
-              </a:ext>
-            </a:extLst>
-          </p:cNvPr>
+          <p:cNvPr id="5" name="矩形 4"/>
           <p:cNvSpPr/>
           <p:nvPr/>
         </p:nvSpPr>
@@ -6641,13 +5994,7 @@
       </p:sp>
       <p:pic>
         <p:nvPicPr>
-          <p:cNvPr id="8" name="图片 7">
-            <a:extLst>
-              <a:ext uri="{FF2B5EF4-FFF2-40B4-BE49-F238E27FC236}">
-                <a16:creationId xmlns:a16="http://schemas.microsoft.com/office/drawing/2014/main" id="{0718BE5A-3F58-979C-826E-CFAFC4DDC426}"/>
-              </a:ext>
-            </a:extLst>
-          </p:cNvPr>
+          <p:cNvPr id="8" name="图片 7"/>
           <p:cNvPicPr>
             <a:picLocks noChangeAspect="1"/>
           </p:cNvPicPr>
@@ -6671,13 +6018,7 @@
       </p:pic>
       <p:sp>
         <p:nvSpPr>
-          <p:cNvPr id="9" name="矩形 8">
-            <a:extLst>
-              <a:ext uri="{FF2B5EF4-FFF2-40B4-BE49-F238E27FC236}">
-                <a16:creationId xmlns:a16="http://schemas.microsoft.com/office/drawing/2014/main" id="{722D28F6-5C3E-4724-CAAC-02AEE3DB3CD7}"/>
-              </a:ext>
-            </a:extLst>
-          </p:cNvPr>
+          <p:cNvPr id="9" name="矩形 8"/>
           <p:cNvSpPr/>
           <p:nvPr/>
         </p:nvSpPr>
@@ -6725,13 +6066,7 @@
         <mc:Choice Requires="p14">
           <p:contentPart p14:bwMode="auto" r:id="rId6">
             <p14:nvContentPartPr>
-              <p14:cNvPr id="10" name="墨迹 9">
-                <a:extLst>
-                  <a:ext uri="{FF2B5EF4-FFF2-40B4-BE49-F238E27FC236}">
-                    <a16:creationId xmlns:a16="http://schemas.microsoft.com/office/drawing/2014/main" id="{27A24392-09D0-2F98-3C99-3446DEAF43F7}"/>
-                  </a:ext>
-                </a:extLst>
-              </p14:cNvPr>
+              <p14:cNvPr id="10" name="墨迹 9"/>
               <p14:cNvContentPartPr/>
               <p14:nvPr/>
             </p14:nvContentPartPr>
@@ -6744,30 +6079,17 @@
         <mc:Fallback xmlns="">
           <p:pic>
             <p:nvPicPr>
-              <p:cNvPr id="10" name="墨迹 9">
-                <a:extLst>
-                  <a:ext uri="{FF2B5EF4-FFF2-40B4-BE49-F238E27FC236}">
-                    <a16:creationId xmlns:a16="http://schemas.microsoft.com/office/drawing/2014/main" id="{27A24392-09D0-2F98-3C99-3446DEAF43F7}"/>
-                  </a:ext>
-                </a:extLst>
-              </p:cNvPr>
-              <p:cNvPicPr/>
-              <p:nvPr/>
+              <p:cNvPr id="10" name="墨迹 9"/>
             </p:nvPicPr>
             <p:blipFill>
               <a:blip r:embed="rId7"/>
-              <a:stretch>
-                <a:fillRect/>
-              </a:stretch>
             </p:blipFill>
             <p:spPr>
               <a:xfrm>
-                <a:off x="347760" y="28800"/>
-                <a:ext cx="6567480" cy="3905280"/>
+                <a:off x="357120" y="38160"/>
+                <a:ext cx="6548760" cy="3886560"/>
               </a:xfrm>
-              <a:prstGeom prst="rect">
-                <a:avLst/>
-              </a:prstGeom>
+              <a:prstGeom prst="rect"/>
             </p:spPr>
           </p:pic>
         </mc:Fallback>
@@ -6842,7 +6164,7 @@
     </a:clrScheme>
     <a:fontScheme name="Office">
       <a:majorFont>
-        <a:latin typeface="等线 Light" panose="02110004020202020204"/>
+        <a:latin typeface="等线 Light"/>
         <a:ea typeface=""/>
         <a:cs typeface=""/>
         <a:font script="Jpan" typeface="游ゴシック Light"/>
@@ -6875,26 +6197,9 @@
         <a:font script="Viet" typeface="Times New Roman"/>
         <a:font script="Uigh" typeface="Microsoft Uighur"/>
         <a:font script="Geor" typeface="Sylfaen"/>
-        <a:font script="Armn" typeface="Arial"/>
-        <a:font script="Bugi" typeface="Leelawadee UI"/>
-        <a:font script="Bopo" typeface="Microsoft JhengHei"/>
-        <a:font script="Java" typeface="Javanese Text"/>
-        <a:font script="Lisu" typeface="Segoe UI"/>
-        <a:font script="Mymr" typeface="Myanmar Text"/>
-        <a:font script="Nkoo" typeface="Ebrima"/>
-        <a:font script="Olck" typeface="Nirmala UI"/>
-        <a:font script="Osma" typeface="Ebrima"/>
-        <a:font script="Phag" typeface="Phagspa"/>
-        <a:font script="Syrn" typeface="Estrangelo Edessa"/>
-        <a:font script="Syrj" typeface="Estrangelo Edessa"/>
-        <a:font script="Syre" typeface="Estrangelo Edessa"/>
-        <a:font script="Sora" typeface="Nirmala UI"/>
-        <a:font script="Tale" typeface="Microsoft Tai Le"/>
-        <a:font script="Talu" typeface="Microsoft New Tai Lue"/>
-        <a:font script="Tfng" typeface="Ebrima"/>
       </a:majorFont>
       <a:minorFont>
-        <a:latin typeface="等线" panose="02110004020202020204"/>
+        <a:latin typeface="等线"/>
         <a:ea typeface=""/>
         <a:cs typeface=""/>
         <a:font script="Jpan" typeface="游ゴシック"/>
@@ -6927,23 +6232,6 @@
         <a:font script="Viet" typeface="Arial"/>
         <a:font script="Uigh" typeface="Microsoft Uighur"/>
         <a:font script="Geor" typeface="Sylfaen"/>
-        <a:font script="Armn" typeface="Arial"/>
-        <a:font script="Bugi" typeface="Leelawadee UI"/>
-        <a:font script="Bopo" typeface="Microsoft JhengHei"/>
-        <a:font script="Java" typeface="Javanese Text"/>
-        <a:font script="Lisu" typeface="Segoe UI"/>
-        <a:font script="Mymr" typeface="Myanmar Text"/>
-        <a:font script="Nkoo" typeface="Ebrima"/>
-        <a:font script="Olck" typeface="Nirmala UI"/>
-        <a:font script="Osma" typeface="Ebrima"/>
-        <a:font script="Phag" typeface="Phagspa"/>
-        <a:font script="Syrn" typeface="Estrangelo Edessa"/>
-        <a:font script="Syrj" typeface="Estrangelo Edessa"/>
-        <a:font script="Syre" typeface="Estrangelo Edessa"/>
-        <a:font script="Sora" typeface="Nirmala UI"/>
-        <a:font script="Tale" typeface="Microsoft Tai Le"/>
-        <a:font script="Talu" typeface="Microsoft New Tai Lue"/>
-        <a:font script="Tfng" typeface="Ebrima"/>
       </a:minorFont>
     </a:fontScheme>
     <a:fmtScheme name="Office">
@@ -7108,7 +6396,7 @@
   <a:extraClrSchemeLst/>
   <a:extLst>
     <a:ext uri="{05A4C25C-085E-4340-85A3-A5531E510DB2}">
-      <thm15:themeFamily xmlns:thm15="http://schemas.microsoft.com/office/thememl/2012/main" name="Office Theme" id="{2E142A2C-CD16-42D6-873A-C26D2A0506FA}" vid="{1BDDFF52-6CD6-40A5-AB3C-68EB2F1E4D0A}"/>
+      <thm15:themeFamily xmlns:thm15="http://schemas.microsoft.com/office/thememl/2012/main" name="Office Theme" id="{62F939B6-93AF-4DB8-9C6B-D6C7DFDC589F}" vid="{4A3C46E8-61CC-4603-A589-7422A47A8E4A}"/>
     </a:ext>
   </a:extLst>
 </a:theme>
@@ -7157,7 +6445,7 @@
     </a:clrScheme>
     <a:fontScheme name="Office">
       <a:majorFont>
-        <a:latin typeface="等线 Light" panose="02110004020202020204"/>
+        <a:latin typeface="等线 Light"/>
         <a:ea typeface=""/>
         <a:cs typeface=""/>
         <a:font script="Jpan" typeface="游ゴシック Light"/>
@@ -7190,26 +6478,9 @@
         <a:font script="Viet" typeface="Times New Roman"/>
         <a:font script="Uigh" typeface="Microsoft Uighur"/>
         <a:font script="Geor" typeface="Sylfaen"/>
-        <a:font script="Armn" typeface="Arial"/>
-        <a:font script="Bugi" typeface="Leelawadee UI"/>
-        <a:font script="Bopo" typeface="Microsoft JhengHei"/>
-        <a:font script="Java" typeface="Javanese Text"/>
-        <a:font script="Lisu" typeface="Segoe UI"/>
-        <a:font script="Mymr" typeface="Myanmar Text"/>
-        <a:font script="Nkoo" typeface="Ebrima"/>
-        <a:font script="Olck" typeface="Nirmala UI"/>
-        <a:font script="Osma" typeface="Ebrima"/>
-        <a:font script="Phag" typeface="Phagspa"/>
-        <a:font script="Syrn" typeface="Estrangelo Edessa"/>
-        <a:font script="Syrj" typeface="Estrangelo Edessa"/>
-        <a:font script="Syre" typeface="Estrangelo Edessa"/>
-        <a:font script="Sora" typeface="Nirmala UI"/>
-        <a:font script="Tale" typeface="Microsoft Tai Le"/>
-        <a:font script="Talu" typeface="Microsoft New Tai Lue"/>
-        <a:font script="Tfng" typeface="Ebrima"/>
       </a:majorFont>
       <a:minorFont>
-        <a:latin typeface="等线" panose="02110004020202020204"/>
+        <a:latin typeface="等线"/>
         <a:ea typeface=""/>
         <a:cs typeface=""/>
         <a:font script="Jpan" typeface="游ゴシック"/>
@@ -7242,23 +6513,6 @@
         <a:font script="Viet" typeface="Arial"/>
         <a:font script="Uigh" typeface="Microsoft Uighur"/>
         <a:font script="Geor" typeface="Sylfaen"/>
-        <a:font script="Armn" typeface="Arial"/>
-        <a:font script="Bugi" typeface="Leelawadee UI"/>
-        <a:font script="Bopo" typeface="Microsoft JhengHei"/>
-        <a:font script="Java" typeface="Javanese Text"/>
-        <a:font script="Lisu" typeface="Segoe UI"/>
-        <a:font script="Mymr" typeface="Myanmar Text"/>
-        <a:font script="Nkoo" typeface="Ebrima"/>
-        <a:font script="Olck" typeface="Nirmala UI"/>
-        <a:font script="Osma" typeface="Ebrima"/>
-        <a:font script="Phag" typeface="Phagspa"/>
-        <a:font script="Syrn" typeface="Estrangelo Edessa"/>
-        <a:font script="Syrj" typeface="Estrangelo Edessa"/>
-        <a:font script="Syre" typeface="Estrangelo Edessa"/>
-        <a:font script="Sora" typeface="Nirmala UI"/>
-        <a:font script="Tale" typeface="Microsoft Tai Le"/>
-        <a:font script="Talu" typeface="Microsoft New Tai Lue"/>
-        <a:font script="Tfng" typeface="Ebrima"/>
       </a:minorFont>
     </a:fontScheme>
     <a:fmtScheme name="Office">
@@ -7423,7 +6677,7 @@
   <a:extraClrSchemeLst/>
   <a:extLst>
     <a:ext uri="{05A4C25C-085E-4340-85A3-A5531E510DB2}">
-      <thm15:themeFamily xmlns:thm15="http://schemas.microsoft.com/office/thememl/2012/main" name="Office Theme" id="{2E142A2C-CD16-42D6-873A-C26D2A0506FA}" vid="{1BDDFF52-6CD6-40A5-AB3C-68EB2F1E4D0A}"/>
+      <thm15:themeFamily xmlns:thm15="http://schemas.microsoft.com/office/thememl/2012/main" name="Office Theme" id="{62F939B6-93AF-4DB8-9C6B-D6C7DFDC589F}" vid="{4A3C46E8-61CC-4603-A589-7422A47A8E4A}"/>
     </a:ext>
   </a:extLst>
 </a:theme>
